--- a/Machine Learning.pptx
+++ b/Machine Learning.pptx
@@ -5,7 +5,7 @@
     <p:sldMasterId id="2147483648" r:id="rId1"/>
   </p:sldMasterIdLst>
   <p:notesMasterIdLst>
-    <p:notesMasterId r:id="rId67"/>
+    <p:notesMasterId r:id="rId72"/>
   </p:notesMasterIdLst>
   <p:sldIdLst>
     <p:sldId id="256" r:id="rId2"/>
@@ -61,18 +61,23 @@
     <p:sldId id="319" r:id="rId52"/>
     <p:sldId id="320" r:id="rId53"/>
     <p:sldId id="321" r:id="rId54"/>
-    <p:sldId id="324" r:id="rId55"/>
-    <p:sldId id="326" r:id="rId56"/>
-    <p:sldId id="260" r:id="rId57"/>
-    <p:sldId id="259" r:id="rId58"/>
-    <p:sldId id="261" r:id="rId59"/>
-    <p:sldId id="264" r:id="rId60"/>
-    <p:sldId id="265" r:id="rId61"/>
-    <p:sldId id="266" r:id="rId62"/>
-    <p:sldId id="267" r:id="rId63"/>
-    <p:sldId id="270" r:id="rId64"/>
-    <p:sldId id="271" r:id="rId65"/>
-    <p:sldId id="268" r:id="rId66"/>
+    <p:sldId id="327" r:id="rId55"/>
+    <p:sldId id="329" r:id="rId56"/>
+    <p:sldId id="331" r:id="rId57"/>
+    <p:sldId id="324" r:id="rId58"/>
+    <p:sldId id="326" r:id="rId59"/>
+    <p:sldId id="328" r:id="rId60"/>
+    <p:sldId id="270" r:id="rId61"/>
+    <p:sldId id="268" r:id="rId62"/>
+    <p:sldId id="330" r:id="rId63"/>
+    <p:sldId id="260" r:id="rId64"/>
+    <p:sldId id="259" r:id="rId65"/>
+    <p:sldId id="261" r:id="rId66"/>
+    <p:sldId id="264" r:id="rId67"/>
+    <p:sldId id="265" r:id="rId68"/>
+    <p:sldId id="266" r:id="rId69"/>
+    <p:sldId id="267" r:id="rId70"/>
+    <p:sldId id="271" r:id="rId71"/>
   </p:sldIdLst>
   <p:sldSz cx="12192000" cy="6858000"/>
   <p:notesSz cx="6858000" cy="9144000"/>
@@ -174,12 +179,17 @@
   <p:extLst>
     <p:ext uri="{EFAFB233-063F-42B5-8137-9DF3F51BA10A}">
       <p15:sldGuideLst xmlns:p15="http://schemas.microsoft.com/office/powerpoint/2012/main">
-        <p15:guide id="1" orient="horz" pos="2092" userDrawn="1">
+        <p15:guide id="1" orient="horz" pos="2069" userDrawn="1">
           <p15:clr>
             <a:srgbClr val="A4A3A4"/>
           </p15:clr>
         </p15:guide>
         <p15:guide id="2" pos="3795" userDrawn="1">
+          <p15:clr>
+            <a:srgbClr val="A4A3A4"/>
+          </p15:clr>
+        </p15:guide>
+        <p15:guide id="3" pos="3772" userDrawn="1">
           <p15:clr>
             <a:srgbClr val="A4A3A4"/>
           </p15:clr>
@@ -419,7 +429,7 @@
           <a:p>
             <a:fld id="{196D12F2-C871-4C1D-93C7-0527B46E71DD}" type="datetimeFigureOut">
               <a:rPr lang="en-IN" smtClean="0"/>
-              <a:t>21-05-2021</a:t>
+              <a:t>23-05-2021</a:t>
             </a:fld>
             <a:endParaRPr lang="en-IN"/>
           </a:p>
@@ -1256,7 +1266,7 @@
           <a:p>
             <a:fld id="{745400A2-E284-416C-9AC4-59117304ED2F}" type="slidenum">
               <a:rPr lang="en-IN" smtClean="0"/>
-              <a:t>56</a:t>
+              <a:t>63</a:t>
             </a:fld>
             <a:endParaRPr lang="en-IN"/>
           </a:p>
@@ -1424,7 +1434,7 @@
           <a:p>
             <a:fld id="{2AE5D772-FD0B-4FDE-8DA7-E9F3A97A3768}" type="datetime1">
               <a:rPr lang="en-IN" smtClean="0"/>
-              <a:t>21-05-2021</a:t>
+              <a:t>23-05-2021</a:t>
             </a:fld>
             <a:endParaRPr lang="en-IN"/>
           </a:p>
@@ -1624,7 +1634,7 @@
           <a:p>
             <a:fld id="{14E29B69-D834-4456-B6F8-8B7F98C1138C}" type="datetime1">
               <a:rPr lang="en-IN" smtClean="0"/>
-              <a:t>21-05-2021</a:t>
+              <a:t>23-05-2021</a:t>
             </a:fld>
             <a:endParaRPr lang="en-IN"/>
           </a:p>
@@ -1834,7 +1844,7 @@
           <a:p>
             <a:fld id="{DC1BFA74-BFF1-44B6-9CB5-EDE8F545D0CA}" type="datetime1">
               <a:rPr lang="en-IN" smtClean="0"/>
-              <a:t>21-05-2021</a:t>
+              <a:t>23-05-2021</a:t>
             </a:fld>
             <a:endParaRPr lang="en-IN"/>
           </a:p>
@@ -2034,7 +2044,7 @@
           <a:p>
             <a:fld id="{584F1250-E2B5-4298-A89E-521B7C926E78}" type="datetime1">
               <a:rPr lang="en-IN" smtClean="0"/>
-              <a:t>21-05-2021</a:t>
+              <a:t>23-05-2021</a:t>
             </a:fld>
             <a:endParaRPr lang="en-IN"/>
           </a:p>
@@ -2310,7 +2320,7 @@
           <a:p>
             <a:fld id="{91651684-AFB3-4C91-B64C-02114D8DFE26}" type="datetime1">
               <a:rPr lang="en-IN" smtClean="0"/>
-              <a:t>21-05-2021</a:t>
+              <a:t>23-05-2021</a:t>
             </a:fld>
             <a:endParaRPr lang="en-IN"/>
           </a:p>
@@ -2578,7 +2588,7 @@
           <a:p>
             <a:fld id="{B3A6574E-B122-4727-A293-F4957DF88A63}" type="datetime1">
               <a:rPr lang="en-IN" smtClean="0"/>
-              <a:t>21-05-2021</a:t>
+              <a:t>23-05-2021</a:t>
             </a:fld>
             <a:endParaRPr lang="en-IN"/>
           </a:p>
@@ -2993,7 +3003,7 @@
           <a:p>
             <a:fld id="{AD1915D6-A6F7-4FF3-9D82-48BAD74E8EA3}" type="datetime1">
               <a:rPr lang="en-IN" smtClean="0"/>
-              <a:t>21-05-2021</a:t>
+              <a:t>23-05-2021</a:t>
             </a:fld>
             <a:endParaRPr lang="en-IN"/>
           </a:p>
@@ -3135,7 +3145,7 @@
           <a:p>
             <a:fld id="{B9F39C8B-52ED-45EE-898A-40A314F6E5B2}" type="datetime1">
               <a:rPr lang="en-IN" smtClean="0"/>
-              <a:t>21-05-2021</a:t>
+              <a:t>23-05-2021</a:t>
             </a:fld>
             <a:endParaRPr lang="en-IN"/>
           </a:p>
@@ -3248,7 +3258,7 @@
           <a:p>
             <a:fld id="{B86A6BF5-8F3E-47CA-9654-66B74ABC3DCF}" type="datetime1">
               <a:rPr lang="en-IN" smtClean="0"/>
-              <a:t>21-05-2021</a:t>
+              <a:t>23-05-2021</a:t>
             </a:fld>
             <a:endParaRPr lang="en-IN"/>
           </a:p>
@@ -3561,7 +3571,7 @@
           <a:p>
             <a:fld id="{2407E344-4308-4AB8-A144-A1264EFDCEFB}" type="datetime1">
               <a:rPr lang="en-IN" smtClean="0"/>
-              <a:t>21-05-2021</a:t>
+              <a:t>23-05-2021</a:t>
             </a:fld>
             <a:endParaRPr lang="en-IN"/>
           </a:p>
@@ -3850,7 +3860,7 @@
           <a:p>
             <a:fld id="{056F4F5E-DD6E-493C-8E84-D4CAB2984A3A}" type="datetime1">
               <a:rPr lang="en-IN" smtClean="0"/>
-              <a:t>21-05-2021</a:t>
+              <a:t>23-05-2021</a:t>
             </a:fld>
             <a:endParaRPr lang="en-IN"/>
           </a:p>
@@ -4093,7 +4103,7 @@
           <a:p>
             <a:fld id="{9C054059-7D58-481C-943C-3E65406F8A85}" type="datetime1">
               <a:rPr lang="en-IN" smtClean="0"/>
-              <a:t>21-05-2021</a:t>
+              <a:t>23-05-2021</a:t>
             </a:fld>
             <a:endParaRPr lang="en-IN"/>
           </a:p>
@@ -43662,6 +43672,1029 @@
               <a:rPr lang="en-IN" sz="3400" dirty="0">
                 <a:latin typeface="+mn-lt"/>
               </a:rPr>
+              <a:t>Generalisation Error</a:t>
+            </a:r>
+          </a:p>
+        </p:txBody>
+      </p:sp>
+      <p:sp>
+        <p:nvSpPr>
+          <p:cNvPr id="8" name="TextBox 7">
+            <a:extLst>
+              <a:ext uri="{FF2B5EF4-FFF2-40B4-BE49-F238E27FC236}">
+                <a16:creationId xmlns:a16="http://schemas.microsoft.com/office/drawing/2014/main" id="{28CB8CB8-454C-44DF-AC51-9606635BB95B}"/>
+              </a:ext>
+            </a:extLst>
+          </p:cNvPr>
+          <p:cNvSpPr txBox="1"/>
+          <p:nvPr/>
+        </p:nvSpPr>
+        <p:spPr>
+          <a:xfrm>
+            <a:off x="3988749" y="2084387"/>
+            <a:ext cx="1663699" cy="369332"/>
+          </a:xfrm>
+          <a:prstGeom prst="rect">
+            <a:avLst/>
+          </a:prstGeom>
+          <a:solidFill>
+            <a:srgbClr val="FFC000"/>
+          </a:solidFill>
+        </p:spPr>
+        <p:txBody>
+          <a:bodyPr wrap="square" rtlCol="0">
+            <a:spAutoFit/>
+          </a:bodyPr>
+          <a:lstStyle/>
+          <a:p>
+            <a:pPr algn="ctr"/>
+            <a:r>
+              <a:rPr lang="en-IN"/>
+              <a:t>Testing Error  </a:t>
+            </a:r>
+            <a:endParaRPr lang="en-IN" dirty="0"/>
+          </a:p>
+        </p:txBody>
+      </p:sp>
+      <p:sp>
+        <p:nvSpPr>
+          <p:cNvPr id="10" name="TextBox 9">
+            <a:extLst>
+              <a:ext uri="{FF2B5EF4-FFF2-40B4-BE49-F238E27FC236}">
+                <a16:creationId xmlns:a16="http://schemas.microsoft.com/office/drawing/2014/main" id="{435541A6-59DD-4CEB-A161-3010209AB368}"/>
+              </a:ext>
+            </a:extLst>
+          </p:cNvPr>
+          <p:cNvSpPr txBox="1"/>
+          <p:nvPr/>
+        </p:nvSpPr>
+        <p:spPr>
+          <a:xfrm>
+            <a:off x="343154" y="2041408"/>
+            <a:ext cx="1663699" cy="369332"/>
+          </a:xfrm>
+          <a:prstGeom prst="rect">
+            <a:avLst/>
+          </a:prstGeom>
+          <a:solidFill>
+            <a:srgbClr val="FFC000"/>
+          </a:solidFill>
+        </p:spPr>
+        <p:txBody>
+          <a:bodyPr wrap="square" rtlCol="0">
+            <a:spAutoFit/>
+          </a:bodyPr>
+          <a:lstStyle/>
+          <a:p>
+            <a:pPr algn="ctr"/>
+            <a:r>
+              <a:rPr lang="en-IN" dirty="0"/>
+              <a:t>Training Error</a:t>
+            </a:r>
+          </a:p>
+        </p:txBody>
+      </p:sp>
+      <p:cxnSp>
+        <p:nvCxnSpPr>
+          <p:cNvPr id="12" name="Straight Arrow Connector 11">
+            <a:extLst>
+              <a:ext uri="{FF2B5EF4-FFF2-40B4-BE49-F238E27FC236}">
+                <a16:creationId xmlns:a16="http://schemas.microsoft.com/office/drawing/2014/main" id="{AB7EA4E0-FDA5-46D8-A4E9-FD2BD6B5079A}"/>
+              </a:ext>
+            </a:extLst>
+          </p:cNvPr>
+          <p:cNvCxnSpPr>
+            <a:cxnSpLocks/>
+          </p:cNvCxnSpPr>
+          <p:nvPr/>
+        </p:nvCxnSpPr>
+        <p:spPr>
+          <a:xfrm>
+            <a:off x="5946351" y="2130244"/>
+            <a:ext cx="0" cy="323475"/>
+          </a:xfrm>
+          <a:prstGeom prst="straightConnector1">
+            <a:avLst/>
+          </a:prstGeom>
+          <a:ln w="38100">
+            <a:solidFill>
+              <a:schemeClr val="accent6"/>
+            </a:solidFill>
+            <a:tailEnd type="triangle"/>
+          </a:ln>
+        </p:spPr>
+        <p:style>
+          <a:lnRef idx="1">
+            <a:schemeClr val="accent1"/>
+          </a:lnRef>
+          <a:fillRef idx="0">
+            <a:schemeClr val="accent1"/>
+          </a:fillRef>
+          <a:effectRef idx="0">
+            <a:schemeClr val="accent1"/>
+          </a:effectRef>
+          <a:fontRef idx="minor">
+            <a:schemeClr val="tx1"/>
+          </a:fontRef>
+        </p:style>
+      </p:cxnSp>
+      <p:cxnSp>
+        <p:nvCxnSpPr>
+          <p:cNvPr id="14" name="Straight Arrow Connector 13">
+            <a:extLst>
+              <a:ext uri="{FF2B5EF4-FFF2-40B4-BE49-F238E27FC236}">
+                <a16:creationId xmlns:a16="http://schemas.microsoft.com/office/drawing/2014/main" id="{A1B0E4DB-7BAC-4034-AED0-F2D9988046B1}"/>
+              </a:ext>
+            </a:extLst>
+          </p:cNvPr>
+          <p:cNvCxnSpPr>
+            <a:cxnSpLocks/>
+          </p:cNvCxnSpPr>
+          <p:nvPr/>
+        </p:nvCxnSpPr>
+        <p:spPr>
+          <a:xfrm>
+            <a:off x="2318322" y="2087265"/>
+            <a:ext cx="0" cy="323475"/>
+          </a:xfrm>
+          <a:prstGeom prst="straightConnector1">
+            <a:avLst/>
+          </a:prstGeom>
+          <a:ln w="38100">
+            <a:solidFill>
+              <a:schemeClr val="accent6"/>
+            </a:solidFill>
+            <a:tailEnd type="triangle"/>
+          </a:ln>
+        </p:spPr>
+        <p:style>
+          <a:lnRef idx="1">
+            <a:schemeClr val="accent1"/>
+          </a:lnRef>
+          <a:fillRef idx="0">
+            <a:schemeClr val="accent1"/>
+          </a:fillRef>
+          <a:effectRef idx="0">
+            <a:schemeClr val="accent1"/>
+          </a:effectRef>
+          <a:fontRef idx="minor">
+            <a:schemeClr val="tx1"/>
+          </a:fontRef>
+        </p:style>
+      </p:cxnSp>
+      <p:sp>
+        <p:nvSpPr>
+          <p:cNvPr id="11" name="TextBox 10">
+            <a:extLst>
+              <a:ext uri="{FF2B5EF4-FFF2-40B4-BE49-F238E27FC236}">
+                <a16:creationId xmlns:a16="http://schemas.microsoft.com/office/drawing/2014/main" id="{28283721-E2EA-4157-B3B5-765921DEDC12}"/>
+              </a:ext>
+            </a:extLst>
+          </p:cNvPr>
+          <p:cNvSpPr txBox="1"/>
+          <p:nvPr/>
+        </p:nvSpPr>
+        <p:spPr>
+          <a:xfrm>
+            <a:off x="8352429" y="2041408"/>
+            <a:ext cx="2743199" cy="369332"/>
+          </a:xfrm>
+          <a:prstGeom prst="rect">
+            <a:avLst/>
+          </a:prstGeom>
+          <a:noFill/>
+        </p:spPr>
+        <p:txBody>
+          <a:bodyPr wrap="square" rtlCol="0">
+            <a:spAutoFit/>
+          </a:bodyPr>
+          <a:lstStyle/>
+          <a:p>
+            <a:r>
+              <a:rPr lang="en-IN" dirty="0"/>
+              <a:t>Model is good </a:t>
+            </a:r>
+          </a:p>
+        </p:txBody>
+      </p:sp>
+      <p:sp>
+        <p:nvSpPr>
+          <p:cNvPr id="16" name="TextBox 15">
+            <a:extLst>
+              <a:ext uri="{FF2B5EF4-FFF2-40B4-BE49-F238E27FC236}">
+                <a16:creationId xmlns:a16="http://schemas.microsoft.com/office/drawing/2014/main" id="{B0C64E91-4FA6-41B4-B32C-00BF5C298E34}"/>
+              </a:ext>
+            </a:extLst>
+          </p:cNvPr>
+          <p:cNvSpPr txBox="1"/>
+          <p:nvPr/>
+        </p:nvSpPr>
+        <p:spPr>
+          <a:xfrm>
+            <a:off x="368967" y="3332059"/>
+            <a:ext cx="1663699" cy="369332"/>
+          </a:xfrm>
+          <a:prstGeom prst="rect">
+            <a:avLst/>
+          </a:prstGeom>
+          <a:solidFill>
+            <a:srgbClr val="FFC000"/>
+          </a:solidFill>
+        </p:spPr>
+        <p:txBody>
+          <a:bodyPr wrap="square" rtlCol="0">
+            <a:spAutoFit/>
+          </a:bodyPr>
+          <a:lstStyle/>
+          <a:p>
+            <a:pPr algn="ctr"/>
+            <a:r>
+              <a:rPr lang="en-IN" dirty="0"/>
+              <a:t>Training Error</a:t>
+            </a:r>
+          </a:p>
+        </p:txBody>
+      </p:sp>
+      <p:cxnSp>
+        <p:nvCxnSpPr>
+          <p:cNvPr id="18" name="Straight Arrow Connector 17">
+            <a:extLst>
+              <a:ext uri="{FF2B5EF4-FFF2-40B4-BE49-F238E27FC236}">
+                <a16:creationId xmlns:a16="http://schemas.microsoft.com/office/drawing/2014/main" id="{6E05381F-3F62-46AD-AC9C-2C002E74AF6B}"/>
+              </a:ext>
+            </a:extLst>
+          </p:cNvPr>
+          <p:cNvCxnSpPr>
+            <a:cxnSpLocks/>
+          </p:cNvCxnSpPr>
+          <p:nvPr/>
+        </p:nvCxnSpPr>
+        <p:spPr>
+          <a:xfrm>
+            <a:off x="2344135" y="3377916"/>
+            <a:ext cx="0" cy="323475"/>
+          </a:xfrm>
+          <a:prstGeom prst="straightConnector1">
+            <a:avLst/>
+          </a:prstGeom>
+          <a:ln w="38100">
+            <a:solidFill>
+              <a:schemeClr val="accent6"/>
+            </a:solidFill>
+            <a:tailEnd type="triangle"/>
+          </a:ln>
+        </p:spPr>
+        <p:style>
+          <a:lnRef idx="1">
+            <a:schemeClr val="accent1"/>
+          </a:lnRef>
+          <a:fillRef idx="0">
+            <a:schemeClr val="accent1"/>
+          </a:fillRef>
+          <a:effectRef idx="0">
+            <a:schemeClr val="accent1"/>
+          </a:effectRef>
+          <a:fontRef idx="minor">
+            <a:schemeClr val="tx1"/>
+          </a:fontRef>
+        </p:style>
+      </p:cxnSp>
+      <p:sp>
+        <p:nvSpPr>
+          <p:cNvPr id="19" name="TextBox 18">
+            <a:extLst>
+              <a:ext uri="{FF2B5EF4-FFF2-40B4-BE49-F238E27FC236}">
+                <a16:creationId xmlns:a16="http://schemas.microsoft.com/office/drawing/2014/main" id="{C926AC49-6521-487E-8323-D56C0FAF179F}"/>
+              </a:ext>
+            </a:extLst>
+          </p:cNvPr>
+          <p:cNvSpPr txBox="1"/>
+          <p:nvPr/>
+        </p:nvSpPr>
+        <p:spPr>
+          <a:xfrm>
+            <a:off x="3971028" y="3377916"/>
+            <a:ext cx="1663699" cy="369332"/>
+          </a:xfrm>
+          <a:prstGeom prst="rect">
+            <a:avLst/>
+          </a:prstGeom>
+          <a:solidFill>
+            <a:srgbClr val="FFC000"/>
+          </a:solidFill>
+        </p:spPr>
+        <p:txBody>
+          <a:bodyPr wrap="square" rtlCol="0">
+            <a:spAutoFit/>
+          </a:bodyPr>
+          <a:lstStyle/>
+          <a:p>
+            <a:pPr algn="ctr"/>
+            <a:r>
+              <a:rPr lang="en-IN"/>
+              <a:t>Testing Error  </a:t>
+            </a:r>
+            <a:endParaRPr lang="en-IN" dirty="0"/>
+          </a:p>
+        </p:txBody>
+      </p:sp>
+      <p:cxnSp>
+        <p:nvCxnSpPr>
+          <p:cNvPr id="20" name="Straight Arrow Connector 19">
+            <a:extLst>
+              <a:ext uri="{FF2B5EF4-FFF2-40B4-BE49-F238E27FC236}">
+                <a16:creationId xmlns:a16="http://schemas.microsoft.com/office/drawing/2014/main" id="{461918AC-4A68-4446-AC4D-1C879A44DC23}"/>
+              </a:ext>
+            </a:extLst>
+          </p:cNvPr>
+          <p:cNvCxnSpPr>
+            <a:cxnSpLocks/>
+          </p:cNvCxnSpPr>
+          <p:nvPr/>
+        </p:nvCxnSpPr>
+        <p:spPr>
+          <a:xfrm flipV="1">
+            <a:off x="6096000" y="3160958"/>
+            <a:ext cx="0" cy="580125"/>
+          </a:xfrm>
+          <a:prstGeom prst="straightConnector1">
+            <a:avLst/>
+          </a:prstGeom>
+          <a:ln w="38100">
+            <a:solidFill>
+              <a:srgbClr val="FF3300"/>
+            </a:solidFill>
+            <a:tailEnd type="triangle"/>
+          </a:ln>
+        </p:spPr>
+        <p:style>
+          <a:lnRef idx="1">
+            <a:schemeClr val="accent1"/>
+          </a:lnRef>
+          <a:fillRef idx="0">
+            <a:schemeClr val="accent1"/>
+          </a:fillRef>
+          <a:effectRef idx="0">
+            <a:schemeClr val="accent1"/>
+          </a:effectRef>
+          <a:fontRef idx="minor">
+            <a:schemeClr val="tx1"/>
+          </a:fontRef>
+        </p:style>
+      </p:cxnSp>
+      <p:sp>
+        <p:nvSpPr>
+          <p:cNvPr id="21" name="TextBox 20">
+            <a:extLst>
+              <a:ext uri="{FF2B5EF4-FFF2-40B4-BE49-F238E27FC236}">
+                <a16:creationId xmlns:a16="http://schemas.microsoft.com/office/drawing/2014/main" id="{BD5FEA2C-444A-494F-9E44-C0AC6AF1AD3D}"/>
+              </a:ext>
+            </a:extLst>
+          </p:cNvPr>
+          <p:cNvSpPr txBox="1"/>
+          <p:nvPr/>
+        </p:nvSpPr>
+        <p:spPr>
+          <a:xfrm>
+            <a:off x="8326461" y="3332059"/>
+            <a:ext cx="2743199" cy="369332"/>
+          </a:xfrm>
+          <a:prstGeom prst="rect">
+            <a:avLst/>
+          </a:prstGeom>
+          <a:noFill/>
+        </p:spPr>
+        <p:txBody>
+          <a:bodyPr wrap="square" rtlCol="0">
+            <a:spAutoFit/>
+          </a:bodyPr>
+          <a:lstStyle/>
+          <a:p>
+            <a:r>
+              <a:rPr lang="en-IN" dirty="0"/>
+              <a:t>Model is overfitting</a:t>
+            </a:r>
+          </a:p>
+        </p:txBody>
+      </p:sp>
+      <p:sp>
+        <p:nvSpPr>
+          <p:cNvPr id="22" name="TextBox 21">
+            <a:extLst>
+              <a:ext uri="{FF2B5EF4-FFF2-40B4-BE49-F238E27FC236}">
+                <a16:creationId xmlns:a16="http://schemas.microsoft.com/office/drawing/2014/main" id="{FE4D9CC6-78D2-420E-B82F-BDA989DE1487}"/>
+              </a:ext>
+            </a:extLst>
+          </p:cNvPr>
+          <p:cNvSpPr txBox="1"/>
+          <p:nvPr/>
+        </p:nvSpPr>
+        <p:spPr>
+          <a:xfrm>
+            <a:off x="343945" y="4972067"/>
+            <a:ext cx="1663699" cy="369332"/>
+          </a:xfrm>
+          <a:prstGeom prst="rect">
+            <a:avLst/>
+          </a:prstGeom>
+          <a:solidFill>
+            <a:srgbClr val="FFC000"/>
+          </a:solidFill>
+        </p:spPr>
+        <p:txBody>
+          <a:bodyPr wrap="square" rtlCol="0">
+            <a:spAutoFit/>
+          </a:bodyPr>
+          <a:lstStyle/>
+          <a:p>
+            <a:pPr algn="ctr"/>
+            <a:r>
+              <a:rPr lang="en-IN" dirty="0"/>
+              <a:t>Training Error</a:t>
+            </a:r>
+          </a:p>
+        </p:txBody>
+      </p:sp>
+      <p:sp>
+        <p:nvSpPr>
+          <p:cNvPr id="24" name="TextBox 23">
+            <a:extLst>
+              <a:ext uri="{FF2B5EF4-FFF2-40B4-BE49-F238E27FC236}">
+                <a16:creationId xmlns:a16="http://schemas.microsoft.com/office/drawing/2014/main" id="{4C6CAD7C-5C9A-4E7B-A38E-F395FED2053E}"/>
+              </a:ext>
+            </a:extLst>
+          </p:cNvPr>
+          <p:cNvSpPr txBox="1"/>
+          <p:nvPr/>
+        </p:nvSpPr>
+        <p:spPr>
+          <a:xfrm>
+            <a:off x="3946006" y="5017924"/>
+            <a:ext cx="1663699" cy="369332"/>
+          </a:xfrm>
+          <a:prstGeom prst="rect">
+            <a:avLst/>
+          </a:prstGeom>
+          <a:solidFill>
+            <a:srgbClr val="FFC000"/>
+          </a:solidFill>
+        </p:spPr>
+        <p:txBody>
+          <a:bodyPr wrap="square" rtlCol="0">
+            <a:spAutoFit/>
+          </a:bodyPr>
+          <a:lstStyle/>
+          <a:p>
+            <a:pPr algn="ctr"/>
+            <a:r>
+              <a:rPr lang="en-IN"/>
+              <a:t>Testing Error  </a:t>
+            </a:r>
+            <a:endParaRPr lang="en-IN" dirty="0"/>
+          </a:p>
+        </p:txBody>
+      </p:sp>
+      <p:cxnSp>
+        <p:nvCxnSpPr>
+          <p:cNvPr id="25" name="Straight Arrow Connector 24">
+            <a:extLst>
+              <a:ext uri="{FF2B5EF4-FFF2-40B4-BE49-F238E27FC236}">
+                <a16:creationId xmlns:a16="http://schemas.microsoft.com/office/drawing/2014/main" id="{08BEFB3D-CA73-4153-8ABC-35431FB49CCE}"/>
+              </a:ext>
+            </a:extLst>
+          </p:cNvPr>
+          <p:cNvCxnSpPr>
+            <a:cxnSpLocks/>
+          </p:cNvCxnSpPr>
+          <p:nvPr/>
+        </p:nvCxnSpPr>
+        <p:spPr>
+          <a:xfrm flipV="1">
+            <a:off x="6070978" y="4800966"/>
+            <a:ext cx="0" cy="580125"/>
+          </a:xfrm>
+          <a:prstGeom prst="straightConnector1">
+            <a:avLst/>
+          </a:prstGeom>
+          <a:ln w="38100">
+            <a:solidFill>
+              <a:srgbClr val="FF3300"/>
+            </a:solidFill>
+            <a:tailEnd type="triangle"/>
+          </a:ln>
+        </p:spPr>
+        <p:style>
+          <a:lnRef idx="1">
+            <a:schemeClr val="accent1"/>
+          </a:lnRef>
+          <a:fillRef idx="0">
+            <a:schemeClr val="accent1"/>
+          </a:fillRef>
+          <a:effectRef idx="0">
+            <a:schemeClr val="accent1"/>
+          </a:effectRef>
+          <a:fontRef idx="minor">
+            <a:schemeClr val="tx1"/>
+          </a:fontRef>
+        </p:style>
+      </p:cxnSp>
+      <p:sp>
+        <p:nvSpPr>
+          <p:cNvPr id="26" name="TextBox 25">
+            <a:extLst>
+              <a:ext uri="{FF2B5EF4-FFF2-40B4-BE49-F238E27FC236}">
+                <a16:creationId xmlns:a16="http://schemas.microsoft.com/office/drawing/2014/main" id="{47D05DE2-8938-401A-9B54-7639CC218E5E}"/>
+              </a:ext>
+            </a:extLst>
+          </p:cNvPr>
+          <p:cNvSpPr txBox="1"/>
+          <p:nvPr/>
+        </p:nvSpPr>
+        <p:spPr>
+          <a:xfrm>
+            <a:off x="8301439" y="4972067"/>
+            <a:ext cx="2743199" cy="369332"/>
+          </a:xfrm>
+          <a:prstGeom prst="rect">
+            <a:avLst/>
+          </a:prstGeom>
+          <a:noFill/>
+        </p:spPr>
+        <p:txBody>
+          <a:bodyPr wrap="square" rtlCol="0">
+            <a:spAutoFit/>
+          </a:bodyPr>
+          <a:lstStyle/>
+          <a:p>
+            <a:r>
+              <a:rPr lang="en-IN" dirty="0"/>
+              <a:t>Model is underfitting</a:t>
+            </a:r>
+          </a:p>
+        </p:txBody>
+      </p:sp>
+      <p:cxnSp>
+        <p:nvCxnSpPr>
+          <p:cNvPr id="28" name="Straight Arrow Connector 27">
+            <a:extLst>
+              <a:ext uri="{FF2B5EF4-FFF2-40B4-BE49-F238E27FC236}">
+                <a16:creationId xmlns:a16="http://schemas.microsoft.com/office/drawing/2014/main" id="{D4060E39-FA0A-42E4-AA33-B2260F4E745A}"/>
+              </a:ext>
+            </a:extLst>
+          </p:cNvPr>
+          <p:cNvCxnSpPr>
+            <a:cxnSpLocks/>
+          </p:cNvCxnSpPr>
+          <p:nvPr/>
+        </p:nvCxnSpPr>
+        <p:spPr>
+          <a:xfrm flipV="1">
+            <a:off x="2344134" y="4803654"/>
+            <a:ext cx="0" cy="580125"/>
+          </a:xfrm>
+          <a:prstGeom prst="straightConnector1">
+            <a:avLst/>
+          </a:prstGeom>
+          <a:ln w="38100">
+            <a:solidFill>
+              <a:srgbClr val="FF3300"/>
+            </a:solidFill>
+            <a:tailEnd type="triangle"/>
+          </a:ln>
+        </p:spPr>
+        <p:style>
+          <a:lnRef idx="1">
+            <a:schemeClr val="accent1"/>
+          </a:lnRef>
+          <a:fillRef idx="0">
+            <a:schemeClr val="accent1"/>
+          </a:fillRef>
+          <a:effectRef idx="0">
+            <a:schemeClr val="accent1"/>
+          </a:effectRef>
+          <a:fontRef idx="minor">
+            <a:schemeClr val="tx1"/>
+          </a:fontRef>
+        </p:style>
+      </p:cxnSp>
+    </p:spTree>
+    <p:extLst>
+      <p:ext uri="{BB962C8B-B14F-4D97-AF65-F5344CB8AC3E}">
+        <p14:creationId xmlns:p14="http://schemas.microsoft.com/office/powerpoint/2010/main" val="2034506550"/>
+      </p:ext>
+    </p:extLst>
+  </p:cSld>
+  <p:clrMapOvr>
+    <a:masterClrMapping/>
+  </p:clrMapOvr>
+</p:sld>
+</file>
+
+<file path=ppt/slides/slide55.xml><?xml version="1.0" encoding="utf-8"?>
+<p:sld xmlns:a="http://schemas.openxmlformats.org/drawingml/2006/main" xmlns:r="http://schemas.openxmlformats.org/officeDocument/2006/relationships" xmlns:p="http://schemas.openxmlformats.org/presentationml/2006/main">
+  <p:cSld>
+    <p:spTree>
+      <p:nvGrpSpPr>
+        <p:cNvPr id="1" name=""/>
+        <p:cNvGrpSpPr/>
+        <p:nvPr/>
+      </p:nvGrpSpPr>
+      <p:grpSpPr>
+        <a:xfrm>
+          <a:off x="0" y="0"/>
+          <a:ext cx="0" cy="0"/>
+          <a:chOff x="0" y="0"/>
+          <a:chExt cx="0" cy="0"/>
+        </a:xfrm>
+      </p:grpSpPr>
+      <p:sp>
+        <p:nvSpPr>
+          <p:cNvPr id="4" name="Slide Number Placeholder 3">
+            <a:extLst>
+              <a:ext uri="{FF2B5EF4-FFF2-40B4-BE49-F238E27FC236}">
+                <a16:creationId xmlns:a16="http://schemas.microsoft.com/office/drawing/2014/main" id="{1EEB606E-0B25-4381-AE79-6216C7C7232A}"/>
+              </a:ext>
+            </a:extLst>
+          </p:cNvPr>
+          <p:cNvSpPr>
+            <a:spLocks noGrp="1"/>
+          </p:cNvSpPr>
+          <p:nvPr>
+            <p:ph type="sldNum" sz="quarter" idx="12"/>
+          </p:nvPr>
+        </p:nvSpPr>
+        <p:spPr/>
+        <p:txBody>
+          <a:bodyPr/>
+          <a:lstStyle/>
+          <a:p>
+            <a:fld id="{839E3E53-DB0E-4870-977C-FF565E66981C}" type="slidenum">
+              <a:rPr lang="en-IN" smtClean="0"/>
+              <a:t>55</a:t>
+            </a:fld>
+            <a:endParaRPr lang="en-IN"/>
+          </a:p>
+        </p:txBody>
+      </p:sp>
+      <p:sp>
+        <p:nvSpPr>
+          <p:cNvPr id="17" name="Title 1">
+            <a:extLst>
+              <a:ext uri="{FF2B5EF4-FFF2-40B4-BE49-F238E27FC236}">
+                <a16:creationId xmlns:a16="http://schemas.microsoft.com/office/drawing/2014/main" id="{D9009EB3-0D1E-4C07-9E8D-E6ED4CC29A3C}"/>
+              </a:ext>
+            </a:extLst>
+          </p:cNvPr>
+          <p:cNvSpPr>
+            <a:spLocks noGrp="1"/>
+          </p:cNvSpPr>
+          <p:nvPr>
+            <p:ph type="title"/>
+          </p:nvPr>
+        </p:nvSpPr>
+        <p:spPr>
+          <a:xfrm>
+            <a:off x="368967" y="0"/>
+            <a:ext cx="11213433" cy="1466099"/>
+          </a:xfrm>
+        </p:spPr>
+        <p:txBody>
+          <a:bodyPr>
+            <a:normAutofit/>
+          </a:bodyPr>
+          <a:lstStyle/>
+          <a:p>
+            <a:r>
+              <a:rPr lang="en-IN" sz="3400" dirty="0">
+                <a:latin typeface="+mn-lt"/>
+              </a:rPr>
+              <a:t>Bias – Variance </a:t>
+            </a:r>
+            <a:r>
+              <a:rPr lang="en-IN" sz="3400" dirty="0" err="1">
+                <a:latin typeface="+mn-lt"/>
+              </a:rPr>
+              <a:t>Tradeoff</a:t>
+            </a:r>
+            <a:endParaRPr lang="en-IN" sz="3400" dirty="0">
+              <a:latin typeface="+mn-lt"/>
+            </a:endParaRPr>
+          </a:p>
+        </p:txBody>
+      </p:sp>
+      <p:pic>
+        <p:nvPicPr>
+          <p:cNvPr id="3" name="Picture 2">
+            <a:extLst>
+              <a:ext uri="{FF2B5EF4-FFF2-40B4-BE49-F238E27FC236}">
+                <a16:creationId xmlns:a16="http://schemas.microsoft.com/office/drawing/2014/main" id="{54A85441-1502-4D1E-A76E-12C4ABBCB399}"/>
+              </a:ext>
+            </a:extLst>
+          </p:cNvPr>
+          <p:cNvPicPr>
+            <a:picLocks noChangeAspect="1"/>
+          </p:cNvPicPr>
+          <p:nvPr/>
+        </p:nvPicPr>
+        <p:blipFill rotWithShape="1">
+          <a:blip r:embed="rId2"/>
+          <a:srcRect r="69622"/>
+          <a:stretch/>
+        </p:blipFill>
+        <p:spPr>
+          <a:xfrm>
+            <a:off x="995363" y="1562100"/>
+            <a:ext cx="3098966" cy="3733800"/>
+          </a:xfrm>
+          <a:prstGeom prst="rect">
+            <a:avLst/>
+          </a:prstGeom>
+        </p:spPr>
+      </p:pic>
+      <p:pic>
+        <p:nvPicPr>
+          <p:cNvPr id="9" name="Picture 8">
+            <a:extLst>
+              <a:ext uri="{FF2B5EF4-FFF2-40B4-BE49-F238E27FC236}">
+                <a16:creationId xmlns:a16="http://schemas.microsoft.com/office/drawing/2014/main" id="{4F12A608-7ADA-4C8C-B3C7-B1D242C7C847}"/>
+              </a:ext>
+            </a:extLst>
+          </p:cNvPr>
+          <p:cNvPicPr>
+            <a:picLocks noChangeAspect="1"/>
+          </p:cNvPicPr>
+          <p:nvPr/>
+        </p:nvPicPr>
+        <p:blipFill rotWithShape="1">
+          <a:blip r:embed="rId2"/>
+          <a:srcRect l="31025" t="-2559" r="35797" b="2559"/>
+          <a:stretch/>
+        </p:blipFill>
+        <p:spPr>
+          <a:xfrm>
+            <a:off x="4403677" y="1562100"/>
+            <a:ext cx="3384645" cy="3733800"/>
+          </a:xfrm>
+          <a:prstGeom prst="rect">
+            <a:avLst/>
+          </a:prstGeom>
+        </p:spPr>
+      </p:pic>
+      <p:pic>
+        <p:nvPicPr>
+          <p:cNvPr id="10" name="Picture 9">
+            <a:extLst>
+              <a:ext uri="{FF2B5EF4-FFF2-40B4-BE49-F238E27FC236}">
+                <a16:creationId xmlns:a16="http://schemas.microsoft.com/office/drawing/2014/main" id="{C4764963-32D2-4014-8199-E1BEE48CE7DA}"/>
+              </a:ext>
+            </a:extLst>
+          </p:cNvPr>
+          <p:cNvPicPr>
+            <a:picLocks noChangeAspect="1"/>
+          </p:cNvPicPr>
+          <p:nvPr/>
+        </p:nvPicPr>
+        <p:blipFill rotWithShape="1">
+          <a:blip r:embed="rId2"/>
+          <a:srcRect l="64692" t="-1298" r="2131" b="1298"/>
+          <a:stretch/>
+        </p:blipFill>
+        <p:spPr>
+          <a:xfrm>
+            <a:off x="8289877" y="1562100"/>
+            <a:ext cx="3384645" cy="3733800"/>
+          </a:xfrm>
+          <a:prstGeom prst="rect">
+            <a:avLst/>
+          </a:prstGeom>
+        </p:spPr>
+      </p:pic>
+    </p:spTree>
+    <p:extLst>
+      <p:ext uri="{BB962C8B-B14F-4D97-AF65-F5344CB8AC3E}">
+        <p14:creationId xmlns:p14="http://schemas.microsoft.com/office/powerpoint/2010/main" val="1471915891"/>
+      </p:ext>
+    </p:extLst>
+  </p:cSld>
+  <p:clrMapOvr>
+    <a:masterClrMapping/>
+  </p:clrMapOvr>
+</p:sld>
+</file>
+
+<file path=ppt/slides/slide56.xml><?xml version="1.0" encoding="utf-8"?>
+<p:sld xmlns:a="http://schemas.openxmlformats.org/drawingml/2006/main" xmlns:r="http://schemas.openxmlformats.org/officeDocument/2006/relationships" xmlns:p="http://schemas.openxmlformats.org/presentationml/2006/main">
+  <p:cSld>
+    <p:spTree>
+      <p:nvGrpSpPr>
+        <p:cNvPr id="1" name=""/>
+        <p:cNvGrpSpPr/>
+        <p:nvPr/>
+      </p:nvGrpSpPr>
+      <p:grpSpPr>
+        <a:xfrm>
+          <a:off x="0" y="0"/>
+          <a:ext cx="0" cy="0"/>
+          <a:chOff x="0" y="0"/>
+          <a:chExt cx="0" cy="0"/>
+        </a:xfrm>
+      </p:grpSpPr>
+      <p:sp>
+        <p:nvSpPr>
+          <p:cNvPr id="4" name="Slide Number Placeholder 3">
+            <a:extLst>
+              <a:ext uri="{FF2B5EF4-FFF2-40B4-BE49-F238E27FC236}">
+                <a16:creationId xmlns:a16="http://schemas.microsoft.com/office/drawing/2014/main" id="{1EEB606E-0B25-4381-AE79-6216C7C7232A}"/>
+              </a:ext>
+            </a:extLst>
+          </p:cNvPr>
+          <p:cNvSpPr>
+            <a:spLocks noGrp="1"/>
+          </p:cNvSpPr>
+          <p:nvPr>
+            <p:ph type="sldNum" sz="quarter" idx="12"/>
+          </p:nvPr>
+        </p:nvSpPr>
+        <p:spPr/>
+        <p:txBody>
+          <a:bodyPr/>
+          <a:lstStyle/>
+          <a:p>
+            <a:fld id="{839E3E53-DB0E-4870-977C-FF565E66981C}" type="slidenum">
+              <a:rPr lang="en-IN" smtClean="0"/>
+              <a:t>56</a:t>
+            </a:fld>
+            <a:endParaRPr lang="en-IN"/>
+          </a:p>
+        </p:txBody>
+      </p:sp>
+      <p:sp>
+        <p:nvSpPr>
+          <p:cNvPr id="17" name="Title 1">
+            <a:extLst>
+              <a:ext uri="{FF2B5EF4-FFF2-40B4-BE49-F238E27FC236}">
+                <a16:creationId xmlns:a16="http://schemas.microsoft.com/office/drawing/2014/main" id="{D9009EB3-0D1E-4C07-9E8D-E6ED4CC29A3C}"/>
+              </a:ext>
+            </a:extLst>
+          </p:cNvPr>
+          <p:cNvSpPr>
+            <a:spLocks noGrp="1"/>
+          </p:cNvSpPr>
+          <p:nvPr>
+            <p:ph type="title"/>
+          </p:nvPr>
+        </p:nvSpPr>
+        <p:spPr>
+          <a:xfrm>
+            <a:off x="368967" y="0"/>
+            <a:ext cx="11213433" cy="1466099"/>
+          </a:xfrm>
+        </p:spPr>
+        <p:txBody>
+          <a:bodyPr>
+            <a:normAutofit/>
+          </a:bodyPr>
+          <a:lstStyle/>
+          <a:p>
+            <a:r>
+              <a:rPr lang="en-IN" sz="3400" dirty="0">
+                <a:latin typeface="+mn-lt"/>
+              </a:rPr>
+              <a:t>Bias – Variance </a:t>
+            </a:r>
+            <a:r>
+              <a:rPr lang="en-IN" sz="3400" dirty="0" err="1">
+                <a:latin typeface="+mn-lt"/>
+              </a:rPr>
+              <a:t>Tradeoff</a:t>
+            </a:r>
+            <a:endParaRPr lang="en-IN" sz="3400" dirty="0">
+              <a:latin typeface="+mn-lt"/>
+            </a:endParaRPr>
+          </a:p>
+        </p:txBody>
+      </p:sp>
+      <p:pic>
+        <p:nvPicPr>
+          <p:cNvPr id="11" name="Picture 10">
+            <a:extLst>
+              <a:ext uri="{FF2B5EF4-FFF2-40B4-BE49-F238E27FC236}">
+                <a16:creationId xmlns:a16="http://schemas.microsoft.com/office/drawing/2014/main" id="{BA051E12-02C0-47BE-A198-52E9072FB0E6}"/>
+              </a:ext>
+            </a:extLst>
+          </p:cNvPr>
+          <p:cNvPicPr>
+            <a:picLocks noChangeAspect="1"/>
+          </p:cNvPicPr>
+          <p:nvPr/>
+        </p:nvPicPr>
+        <p:blipFill>
+          <a:blip r:embed="rId2"/>
+          <a:stretch>
+            <a:fillRect/>
+          </a:stretch>
+        </p:blipFill>
+        <p:spPr>
+          <a:xfrm>
+            <a:off x="1162050" y="1490662"/>
+            <a:ext cx="9867900" cy="3876675"/>
+          </a:xfrm>
+          <a:prstGeom prst="rect">
+            <a:avLst/>
+          </a:prstGeom>
+        </p:spPr>
+      </p:pic>
+    </p:spTree>
+    <p:extLst>
+      <p:ext uri="{BB962C8B-B14F-4D97-AF65-F5344CB8AC3E}">
+        <p14:creationId xmlns:p14="http://schemas.microsoft.com/office/powerpoint/2010/main" val="3022146741"/>
+      </p:ext>
+    </p:extLst>
+  </p:cSld>
+  <p:clrMapOvr>
+    <a:masterClrMapping/>
+  </p:clrMapOvr>
+</p:sld>
+</file>
+
+<file path=ppt/slides/slide57.xml><?xml version="1.0" encoding="utf-8"?>
+<p:sld xmlns:a="http://schemas.openxmlformats.org/drawingml/2006/main" xmlns:r="http://schemas.openxmlformats.org/officeDocument/2006/relationships" xmlns:p="http://schemas.openxmlformats.org/presentationml/2006/main">
+  <p:cSld>
+    <p:spTree>
+      <p:nvGrpSpPr>
+        <p:cNvPr id="1" name=""/>
+        <p:cNvGrpSpPr/>
+        <p:nvPr/>
+      </p:nvGrpSpPr>
+      <p:grpSpPr>
+        <a:xfrm>
+          <a:off x="0" y="0"/>
+          <a:ext cx="0" cy="0"/>
+          <a:chOff x="0" y="0"/>
+          <a:chExt cx="0" cy="0"/>
+        </a:xfrm>
+      </p:grpSpPr>
+      <p:sp>
+        <p:nvSpPr>
+          <p:cNvPr id="4" name="Slide Number Placeholder 3">
+            <a:extLst>
+              <a:ext uri="{FF2B5EF4-FFF2-40B4-BE49-F238E27FC236}">
+                <a16:creationId xmlns:a16="http://schemas.microsoft.com/office/drawing/2014/main" id="{1EEB606E-0B25-4381-AE79-6216C7C7232A}"/>
+              </a:ext>
+            </a:extLst>
+          </p:cNvPr>
+          <p:cNvSpPr>
+            <a:spLocks noGrp="1"/>
+          </p:cNvSpPr>
+          <p:nvPr>
+            <p:ph type="sldNum" sz="quarter" idx="12"/>
+          </p:nvPr>
+        </p:nvSpPr>
+        <p:spPr/>
+        <p:txBody>
+          <a:bodyPr/>
+          <a:lstStyle/>
+          <a:p>
+            <a:fld id="{839E3E53-DB0E-4870-977C-FF565E66981C}" type="slidenum">
+              <a:rPr lang="en-IN" smtClean="0"/>
+              <a:t>57</a:t>
+            </a:fld>
+            <a:endParaRPr lang="en-IN"/>
+          </a:p>
+        </p:txBody>
+      </p:sp>
+      <p:sp>
+        <p:nvSpPr>
+          <p:cNvPr id="17" name="Title 1">
+            <a:extLst>
+              <a:ext uri="{FF2B5EF4-FFF2-40B4-BE49-F238E27FC236}">
+                <a16:creationId xmlns:a16="http://schemas.microsoft.com/office/drawing/2014/main" id="{D9009EB3-0D1E-4C07-9E8D-E6ED4CC29A3C}"/>
+              </a:ext>
+            </a:extLst>
+          </p:cNvPr>
+          <p:cNvSpPr>
+            <a:spLocks noGrp="1"/>
+          </p:cNvSpPr>
+          <p:nvPr>
+            <p:ph type="title"/>
+          </p:nvPr>
+        </p:nvSpPr>
+        <p:spPr>
+          <a:xfrm>
+            <a:off x="368967" y="0"/>
+            <a:ext cx="11213433" cy="1466099"/>
+          </a:xfrm>
+        </p:spPr>
+        <p:txBody>
+          <a:bodyPr>
+            <a:normAutofit/>
+          </a:bodyPr>
+          <a:lstStyle/>
+          <a:p>
+            <a:r>
+              <a:rPr lang="en-IN" sz="3400" dirty="0">
+                <a:latin typeface="+mn-lt"/>
+              </a:rPr>
               <a:t>Training Data / Test Data</a:t>
             </a:r>
           </a:p>
@@ -44071,7 +45104,7 @@
 </p:sld>
 </file>
 
-<file path=ppt/slides/slide55.xml><?xml version="1.0" encoding="utf-8"?>
+<file path=ppt/slides/slide58.xml><?xml version="1.0" encoding="utf-8"?>
 <p:sld xmlns:a="http://schemas.openxmlformats.org/drawingml/2006/main" xmlns:r="http://schemas.openxmlformats.org/officeDocument/2006/relationships" xmlns:p="http://schemas.openxmlformats.org/presentationml/2006/main">
   <p:cSld>
     <p:spTree>
@@ -44111,7 +45144,7 @@
           <a:p>
             <a:fld id="{839E3E53-DB0E-4870-977C-FF565E66981C}" type="slidenum">
               <a:rPr lang="en-IN" smtClean="0"/>
-              <a:t>55</a:t>
+              <a:t>58</a:t>
             </a:fld>
             <a:endParaRPr lang="en-IN"/>
           </a:p>
@@ -44343,1428 +45376,6 @@
     <p:extLst>
       <p:ext uri="{BB962C8B-B14F-4D97-AF65-F5344CB8AC3E}">
         <p14:creationId xmlns:p14="http://schemas.microsoft.com/office/powerpoint/2010/main" val="3727445202"/>
-      </p:ext>
-    </p:extLst>
-  </p:cSld>
-  <p:clrMapOvr>
-    <a:masterClrMapping/>
-  </p:clrMapOvr>
-</p:sld>
-</file>
-
-<file path=ppt/slides/slide56.xml><?xml version="1.0" encoding="utf-8"?>
-<p:sld xmlns:a="http://schemas.openxmlformats.org/drawingml/2006/main" xmlns:r="http://schemas.openxmlformats.org/officeDocument/2006/relationships" xmlns:p="http://schemas.openxmlformats.org/presentationml/2006/main" show="0">
-  <p:cSld>
-    <p:spTree>
-      <p:nvGrpSpPr>
-        <p:cNvPr id="1" name=""/>
-        <p:cNvGrpSpPr/>
-        <p:nvPr/>
-      </p:nvGrpSpPr>
-      <p:grpSpPr>
-        <a:xfrm>
-          <a:off x="0" y="0"/>
-          <a:ext cx="0" cy="0"/>
-          <a:chOff x="0" y="0"/>
-          <a:chExt cx="0" cy="0"/>
-        </a:xfrm>
-      </p:grpSpPr>
-      <p:sp>
-        <p:nvSpPr>
-          <p:cNvPr id="2" name="Title 1">
-            <a:extLst>
-              <a:ext uri="{FF2B5EF4-FFF2-40B4-BE49-F238E27FC236}">
-                <a16:creationId xmlns:a16="http://schemas.microsoft.com/office/drawing/2014/main" id="{99A7ACFE-64AC-40CD-9784-BECE782582DE}"/>
-              </a:ext>
-            </a:extLst>
-          </p:cNvPr>
-          <p:cNvSpPr>
-            <a:spLocks noGrp="1"/>
-          </p:cNvSpPr>
-          <p:nvPr>
-            <p:ph type="title"/>
-          </p:nvPr>
-        </p:nvSpPr>
-        <p:spPr>
-          <a:xfrm>
-            <a:off x="320842" y="0"/>
-            <a:ext cx="11871157" cy="1482141"/>
-          </a:xfrm>
-        </p:spPr>
-        <p:txBody>
-          <a:bodyPr vert="horz" lIns="91440" tIns="45720" rIns="91440" bIns="45720" rtlCol="0" anchor="ctr">
-            <a:normAutofit/>
-          </a:bodyPr>
-          <a:lstStyle/>
-          <a:p>
-            <a:r>
-              <a:rPr lang="en-IN" sz="3400" b="1" dirty="0">
-                <a:latin typeface="+mn-lt"/>
-              </a:rPr>
-              <a:t>Data Sources </a:t>
-            </a:r>
-          </a:p>
-        </p:txBody>
-      </p:sp>
-      <p:sp>
-        <p:nvSpPr>
-          <p:cNvPr id="3" name="Content Placeholder 2">
-            <a:extLst>
-              <a:ext uri="{FF2B5EF4-FFF2-40B4-BE49-F238E27FC236}">
-                <a16:creationId xmlns:a16="http://schemas.microsoft.com/office/drawing/2014/main" id="{EBDB2A70-2A45-4C77-AD6C-331B2178B64C}"/>
-              </a:ext>
-            </a:extLst>
-          </p:cNvPr>
-          <p:cNvSpPr>
-            <a:spLocks noGrp="1"/>
-          </p:cNvSpPr>
-          <p:nvPr>
-            <p:ph idx="1"/>
-          </p:nvPr>
-        </p:nvSpPr>
-        <p:spPr>
-          <a:xfrm>
-            <a:off x="838200" y="1482141"/>
-            <a:ext cx="10515600" cy="4351338"/>
-          </a:xfrm>
-        </p:spPr>
-        <p:txBody>
-          <a:bodyPr>
-            <a:noAutofit/>
-          </a:bodyPr>
-          <a:lstStyle/>
-          <a:p>
-            <a:r>
-              <a:rPr lang="en-IN" sz="1800" dirty="0"/>
-              <a:t>Databases</a:t>
-            </a:r>
-          </a:p>
-          <a:p>
-            <a:pPr lvl="1"/>
-            <a:r>
-              <a:rPr lang="en-IN" sz="1800" dirty="0"/>
-              <a:t>Customer transaction data</a:t>
-            </a:r>
-          </a:p>
-          <a:p>
-            <a:r>
-              <a:rPr lang="en-IN" sz="1800" dirty="0"/>
-              <a:t>Webservers</a:t>
-            </a:r>
-          </a:p>
-          <a:p>
-            <a:pPr lvl="1"/>
-            <a:r>
-              <a:rPr lang="en-IN" sz="1800" dirty="0"/>
-              <a:t>Customer click events on the website</a:t>
-            </a:r>
-          </a:p>
-          <a:p>
-            <a:r>
-              <a:rPr lang="en-IN" sz="1800" dirty="0"/>
-              <a:t>Geolocations and weather centre data</a:t>
-            </a:r>
-          </a:p>
-          <a:p>
-            <a:pPr lvl="1"/>
-            <a:r>
-              <a:rPr lang="en-IN" sz="1800" dirty="0"/>
-              <a:t>Data collected in different labs</a:t>
-            </a:r>
-          </a:p>
-          <a:p>
-            <a:r>
-              <a:rPr lang="en-IN" sz="1800" dirty="0"/>
-              <a:t>Observatories</a:t>
-            </a:r>
-          </a:p>
-          <a:p>
-            <a:pPr lvl="1"/>
-            <a:r>
-              <a:rPr lang="en-IN" sz="1800" dirty="0"/>
-              <a:t>NASA; European space agencies, ISRO collect data from space</a:t>
-            </a:r>
-          </a:p>
-          <a:p>
-            <a:r>
-              <a:rPr lang="en-IN" sz="1800" dirty="0"/>
-              <a:t>Genomics</a:t>
-            </a:r>
-          </a:p>
-          <a:p>
-            <a:pPr lvl="1"/>
-            <a:r>
-              <a:rPr lang="en-IN" sz="1800" dirty="0"/>
-              <a:t>Data collected from DNA samples</a:t>
-            </a:r>
-          </a:p>
-          <a:p>
-            <a:r>
-              <a:rPr lang="en-IN" sz="1800" dirty="0"/>
-              <a:t>Healthcare etc.</a:t>
-            </a:r>
-          </a:p>
-          <a:p>
-            <a:pPr lvl="1"/>
-            <a:r>
-              <a:rPr lang="en-IN" sz="1800" dirty="0"/>
-              <a:t>Patient health history</a:t>
-            </a:r>
-          </a:p>
-          <a:p>
-            <a:pPr marL="0" indent="0">
-              <a:buNone/>
-            </a:pPr>
-            <a:endParaRPr lang="en-IN" sz="1800" dirty="0"/>
-          </a:p>
-        </p:txBody>
-      </p:sp>
-      <p:sp>
-        <p:nvSpPr>
-          <p:cNvPr id="5" name="Slide Number Placeholder 4">
-            <a:extLst>
-              <a:ext uri="{FF2B5EF4-FFF2-40B4-BE49-F238E27FC236}">
-                <a16:creationId xmlns:a16="http://schemas.microsoft.com/office/drawing/2014/main" id="{D9BFCD4E-506B-4F96-90E1-3B01A869D761}"/>
-              </a:ext>
-            </a:extLst>
-          </p:cNvPr>
-          <p:cNvSpPr>
-            <a:spLocks noGrp="1"/>
-          </p:cNvSpPr>
-          <p:nvPr>
-            <p:ph type="sldNum" sz="quarter" idx="12"/>
-          </p:nvPr>
-        </p:nvSpPr>
-        <p:spPr/>
-        <p:txBody>
-          <a:bodyPr/>
-          <a:lstStyle/>
-          <a:p>
-            <a:fld id="{839E3E53-DB0E-4870-977C-FF565E66981C}" type="slidenum">
-              <a:rPr lang="en-IN" smtClean="0"/>
-              <a:t>56</a:t>
-            </a:fld>
-            <a:endParaRPr lang="en-IN"/>
-          </a:p>
-        </p:txBody>
-      </p:sp>
-    </p:spTree>
-    <p:extLst>
-      <p:ext uri="{BB962C8B-B14F-4D97-AF65-F5344CB8AC3E}">
-        <p14:creationId xmlns:p14="http://schemas.microsoft.com/office/powerpoint/2010/main" val="2943684979"/>
-      </p:ext>
-    </p:extLst>
-  </p:cSld>
-  <p:clrMapOvr>
-    <a:masterClrMapping/>
-  </p:clrMapOvr>
-</p:sld>
-</file>
-
-<file path=ppt/slides/slide57.xml><?xml version="1.0" encoding="utf-8"?>
-<p:sld xmlns:a="http://schemas.openxmlformats.org/drawingml/2006/main" xmlns:r="http://schemas.openxmlformats.org/officeDocument/2006/relationships" xmlns:p="http://schemas.openxmlformats.org/presentationml/2006/main">
-  <p:cSld>
-    <p:spTree>
-      <p:nvGrpSpPr>
-        <p:cNvPr id="1" name=""/>
-        <p:cNvGrpSpPr/>
-        <p:nvPr/>
-      </p:nvGrpSpPr>
-      <p:grpSpPr>
-        <a:xfrm>
-          <a:off x="0" y="0"/>
-          <a:ext cx="0" cy="0"/>
-          <a:chOff x="0" y="0"/>
-          <a:chExt cx="0" cy="0"/>
-        </a:xfrm>
-      </p:grpSpPr>
-      <p:pic>
-        <p:nvPicPr>
-          <p:cNvPr id="34" name="Picture 33">
-            <a:extLst>
-              <a:ext uri="{FF2B5EF4-FFF2-40B4-BE49-F238E27FC236}">
-                <a16:creationId xmlns:a16="http://schemas.microsoft.com/office/drawing/2014/main" id="{9854A892-0532-4B9C-B6AA-17B3CB986873}"/>
-              </a:ext>
-            </a:extLst>
-          </p:cNvPr>
-          <p:cNvPicPr>
-            <a:picLocks noChangeAspect="1"/>
-          </p:cNvPicPr>
-          <p:nvPr/>
-        </p:nvPicPr>
-        <p:blipFill>
-          <a:blip r:embed="rId2"/>
-          <a:stretch>
-            <a:fillRect/>
-          </a:stretch>
-        </p:blipFill>
-        <p:spPr>
-          <a:xfrm>
-            <a:off x="350799" y="2004766"/>
-            <a:ext cx="10810875" cy="4181475"/>
-          </a:xfrm>
-          <a:prstGeom prst="rect">
-            <a:avLst/>
-          </a:prstGeom>
-        </p:spPr>
-      </p:pic>
-      <p:sp>
-        <p:nvSpPr>
-          <p:cNvPr id="16" name="TextBox 15">
-            <a:extLst>
-              <a:ext uri="{FF2B5EF4-FFF2-40B4-BE49-F238E27FC236}">
-                <a16:creationId xmlns:a16="http://schemas.microsoft.com/office/drawing/2014/main" id="{15832042-E2EA-49D3-A2FD-4BAE9F7553C3}"/>
-              </a:ext>
-            </a:extLst>
-          </p:cNvPr>
-          <p:cNvSpPr txBox="1"/>
-          <p:nvPr/>
-        </p:nvSpPr>
-        <p:spPr>
-          <a:xfrm>
-            <a:off x="677354" y="4438508"/>
-            <a:ext cx="3621691" cy="1200329"/>
-          </a:xfrm>
-          <a:prstGeom prst="rect">
-            <a:avLst/>
-          </a:prstGeom>
-          <a:noFill/>
-        </p:spPr>
-        <p:txBody>
-          <a:bodyPr wrap="square" rtlCol="0">
-            <a:spAutoFit/>
-          </a:bodyPr>
-          <a:lstStyle/>
-          <a:p>
-            <a:r>
-              <a:rPr lang="en-IN" sz="1200" b="1" dirty="0">
-                <a:solidFill>
-                  <a:srgbClr val="0070C0"/>
-                </a:solidFill>
-              </a:rPr>
-              <a:t>Data extracted from different sources</a:t>
-            </a:r>
-          </a:p>
-          <a:p>
-            <a:pPr marL="171450" indent="-171450">
-              <a:buFont typeface="Arial" panose="020B0604020202020204" pitchFamily="34" charset="0"/>
-              <a:buChar char="•"/>
-            </a:pPr>
-            <a:r>
-              <a:rPr lang="en-IN" sz="1200" b="1" dirty="0">
-                <a:solidFill>
-                  <a:srgbClr val="0070C0"/>
-                </a:solidFill>
-              </a:rPr>
-              <a:t>Databases</a:t>
-            </a:r>
-          </a:p>
-          <a:p>
-            <a:pPr marL="171450" indent="-171450">
-              <a:buFont typeface="Arial" panose="020B0604020202020204" pitchFamily="34" charset="0"/>
-              <a:buChar char="•"/>
-            </a:pPr>
-            <a:r>
-              <a:rPr lang="en-IN" sz="1200" b="1" dirty="0">
-                <a:solidFill>
-                  <a:srgbClr val="0070C0"/>
-                </a:solidFill>
-              </a:rPr>
-              <a:t>Webservers</a:t>
-            </a:r>
-          </a:p>
-          <a:p>
-            <a:pPr marL="171450" indent="-171450">
-              <a:buFont typeface="Arial" panose="020B0604020202020204" pitchFamily="34" charset="0"/>
-              <a:buChar char="•"/>
-            </a:pPr>
-            <a:r>
-              <a:rPr lang="en-IN" sz="1200" b="1" dirty="0">
-                <a:solidFill>
-                  <a:srgbClr val="0070C0"/>
-                </a:solidFill>
-              </a:rPr>
-              <a:t>Surveys</a:t>
-            </a:r>
-          </a:p>
-          <a:p>
-            <a:pPr marL="171450" indent="-171450">
-              <a:buFont typeface="Arial" panose="020B0604020202020204" pitchFamily="34" charset="0"/>
-              <a:buChar char="•"/>
-            </a:pPr>
-            <a:r>
-              <a:rPr lang="en-IN" sz="1200" b="1" dirty="0">
-                <a:solidFill>
-                  <a:srgbClr val="0070C0"/>
-                </a:solidFill>
-              </a:rPr>
-              <a:t>Sensory data</a:t>
-            </a:r>
-          </a:p>
-          <a:p>
-            <a:pPr marL="171450" indent="-171450">
-              <a:buFont typeface="Arial" panose="020B0604020202020204" pitchFamily="34" charset="0"/>
-              <a:buChar char="•"/>
-            </a:pPr>
-            <a:r>
-              <a:rPr lang="en-IN" sz="1200" b="1" dirty="0">
-                <a:solidFill>
-                  <a:srgbClr val="0070C0"/>
-                </a:solidFill>
-              </a:rPr>
-              <a:t>Observatories</a:t>
-            </a:r>
-          </a:p>
-        </p:txBody>
-      </p:sp>
-      <p:sp>
-        <p:nvSpPr>
-          <p:cNvPr id="17" name="TextBox 16">
-            <a:extLst>
-              <a:ext uri="{FF2B5EF4-FFF2-40B4-BE49-F238E27FC236}">
-                <a16:creationId xmlns:a16="http://schemas.microsoft.com/office/drawing/2014/main" id="{1A52E6C2-3C64-4C5C-813E-376C930DCDE9}"/>
-              </a:ext>
-            </a:extLst>
-          </p:cNvPr>
-          <p:cNvSpPr txBox="1"/>
-          <p:nvPr/>
-        </p:nvSpPr>
-        <p:spPr>
-          <a:xfrm>
-            <a:off x="5299966" y="2131902"/>
-            <a:ext cx="1550020" cy="461665"/>
-          </a:xfrm>
-          <a:prstGeom prst="rect">
-            <a:avLst/>
-          </a:prstGeom>
-          <a:noFill/>
-        </p:spPr>
-        <p:txBody>
-          <a:bodyPr wrap="square" rtlCol="0">
-            <a:spAutoFit/>
-          </a:bodyPr>
-          <a:lstStyle/>
-          <a:p>
-            <a:r>
-              <a:rPr lang="en-IN" sz="1200" b="1" dirty="0">
-                <a:solidFill>
-                  <a:srgbClr val="0070C0"/>
-                </a:solidFill>
-              </a:rPr>
-              <a:t>Feature Engineering and selection Phase</a:t>
-            </a:r>
-          </a:p>
-        </p:txBody>
-      </p:sp>
-      <p:sp>
-        <p:nvSpPr>
-          <p:cNvPr id="18" name="TextBox 17">
-            <a:extLst>
-              <a:ext uri="{FF2B5EF4-FFF2-40B4-BE49-F238E27FC236}">
-                <a16:creationId xmlns:a16="http://schemas.microsoft.com/office/drawing/2014/main" id="{C3282EAD-13F7-4C2C-91E4-EE73100F84AC}"/>
-              </a:ext>
-            </a:extLst>
-          </p:cNvPr>
-          <p:cNvSpPr txBox="1"/>
-          <p:nvPr/>
-        </p:nvSpPr>
-        <p:spPr>
-          <a:xfrm>
-            <a:off x="8462266" y="1773934"/>
-            <a:ext cx="1550020" cy="461665"/>
-          </a:xfrm>
-          <a:prstGeom prst="rect">
-            <a:avLst/>
-          </a:prstGeom>
-          <a:noFill/>
-        </p:spPr>
-        <p:txBody>
-          <a:bodyPr wrap="square" rtlCol="0">
-            <a:spAutoFit/>
-          </a:bodyPr>
-          <a:lstStyle/>
-          <a:p>
-            <a:r>
-              <a:rPr lang="en-IN" sz="1200" b="1" dirty="0">
-                <a:solidFill>
-                  <a:srgbClr val="0070C0"/>
-                </a:solidFill>
-              </a:rPr>
-              <a:t>Identified features are fed to ML model</a:t>
-            </a:r>
-          </a:p>
-        </p:txBody>
-      </p:sp>
-      <p:sp>
-        <p:nvSpPr>
-          <p:cNvPr id="20" name="Title 1">
-            <a:extLst>
-              <a:ext uri="{FF2B5EF4-FFF2-40B4-BE49-F238E27FC236}">
-                <a16:creationId xmlns:a16="http://schemas.microsoft.com/office/drawing/2014/main" id="{B69C4EEE-3566-479E-B4D3-3CF10D8502F4}"/>
-              </a:ext>
-            </a:extLst>
-          </p:cNvPr>
-          <p:cNvSpPr>
-            <a:spLocks noGrp="1"/>
-          </p:cNvSpPr>
-          <p:nvPr>
-            <p:ph type="title"/>
-          </p:nvPr>
-        </p:nvSpPr>
-        <p:spPr>
-          <a:xfrm>
-            <a:off x="253369" y="82123"/>
-            <a:ext cx="10774017" cy="1325563"/>
-          </a:xfrm>
-        </p:spPr>
-        <p:txBody>
-          <a:bodyPr vert="horz" lIns="91440" tIns="45720" rIns="91440" bIns="45720" rtlCol="0" anchor="ctr">
-            <a:normAutofit/>
-          </a:bodyPr>
-          <a:lstStyle/>
-          <a:p>
-            <a:r>
-              <a:rPr lang="en-IN" sz="3400" b="1" dirty="0">
-                <a:latin typeface="+mn-lt"/>
-              </a:rPr>
-              <a:t>Data Pre-processing And Feature Selection</a:t>
-            </a:r>
-          </a:p>
-        </p:txBody>
-      </p:sp>
-      <p:sp>
-        <p:nvSpPr>
-          <p:cNvPr id="22" name="TextBox 21">
-            <a:extLst>
-              <a:ext uri="{FF2B5EF4-FFF2-40B4-BE49-F238E27FC236}">
-                <a16:creationId xmlns:a16="http://schemas.microsoft.com/office/drawing/2014/main" id="{265DD839-6CA9-48AF-BD47-810E95C5107B}"/>
-              </a:ext>
-            </a:extLst>
-          </p:cNvPr>
-          <p:cNvSpPr txBox="1"/>
-          <p:nvPr/>
-        </p:nvSpPr>
-        <p:spPr>
-          <a:xfrm>
-            <a:off x="1929119" y="2088054"/>
-            <a:ext cx="1758567" cy="276999"/>
-          </a:xfrm>
-          <a:prstGeom prst="rect">
-            <a:avLst/>
-          </a:prstGeom>
-          <a:noFill/>
-        </p:spPr>
-        <p:txBody>
-          <a:bodyPr wrap="square" rtlCol="0">
-            <a:spAutoFit/>
-          </a:bodyPr>
-          <a:lstStyle/>
-          <a:p>
-            <a:r>
-              <a:rPr lang="en-IN" sz="1200" b="1" dirty="0">
-                <a:solidFill>
-                  <a:srgbClr val="0070C0"/>
-                </a:solidFill>
-              </a:rPr>
-              <a:t>Clean and Transform</a:t>
-            </a:r>
-          </a:p>
-        </p:txBody>
-      </p:sp>
-      <p:cxnSp>
-        <p:nvCxnSpPr>
-          <p:cNvPr id="24" name="Straight Arrow Connector 23">
-            <a:extLst>
-              <a:ext uri="{FF2B5EF4-FFF2-40B4-BE49-F238E27FC236}">
-                <a16:creationId xmlns:a16="http://schemas.microsoft.com/office/drawing/2014/main" id="{B59477D3-296D-4E3B-8EC2-285B51763E0A}"/>
-              </a:ext>
-            </a:extLst>
-          </p:cNvPr>
-          <p:cNvCxnSpPr/>
-          <p:nvPr/>
-        </p:nvCxnSpPr>
-        <p:spPr>
-          <a:xfrm>
-            <a:off x="2746191" y="2365053"/>
-            <a:ext cx="353121" cy="1152330"/>
-          </a:xfrm>
-          <a:prstGeom prst="straightConnector1">
-            <a:avLst/>
-          </a:prstGeom>
-          <a:ln>
-            <a:tailEnd type="triangle"/>
-          </a:ln>
-        </p:spPr>
-        <p:style>
-          <a:lnRef idx="1">
-            <a:schemeClr val="accent1"/>
-          </a:lnRef>
-          <a:fillRef idx="0">
-            <a:schemeClr val="accent1"/>
-          </a:fillRef>
-          <a:effectRef idx="0">
-            <a:schemeClr val="accent1"/>
-          </a:effectRef>
-          <a:fontRef idx="minor">
-            <a:schemeClr val="tx1"/>
-          </a:fontRef>
-        </p:style>
-      </p:cxnSp>
-      <p:cxnSp>
-        <p:nvCxnSpPr>
-          <p:cNvPr id="35" name="Straight Arrow Connector 34">
-            <a:extLst>
-              <a:ext uri="{FF2B5EF4-FFF2-40B4-BE49-F238E27FC236}">
-                <a16:creationId xmlns:a16="http://schemas.microsoft.com/office/drawing/2014/main" id="{4BF89A43-D6B8-4312-8E04-741CC256FAB0}"/>
-              </a:ext>
-            </a:extLst>
-          </p:cNvPr>
-          <p:cNvCxnSpPr/>
-          <p:nvPr/>
-        </p:nvCxnSpPr>
-        <p:spPr>
-          <a:xfrm>
-            <a:off x="6496865" y="2538600"/>
-            <a:ext cx="353121" cy="1152330"/>
-          </a:xfrm>
-          <a:prstGeom prst="straightConnector1">
-            <a:avLst/>
-          </a:prstGeom>
-          <a:ln>
-            <a:tailEnd type="triangle"/>
-          </a:ln>
-        </p:spPr>
-        <p:style>
-          <a:lnRef idx="1">
-            <a:schemeClr val="accent1"/>
-          </a:lnRef>
-          <a:fillRef idx="0">
-            <a:schemeClr val="accent1"/>
-          </a:fillRef>
-          <a:effectRef idx="0">
-            <a:schemeClr val="accent1"/>
-          </a:effectRef>
-          <a:fontRef idx="minor">
-            <a:schemeClr val="tx1"/>
-          </a:fontRef>
-        </p:style>
-      </p:cxnSp>
-      <p:cxnSp>
-        <p:nvCxnSpPr>
-          <p:cNvPr id="36" name="Straight Arrow Connector 35">
-            <a:extLst>
-              <a:ext uri="{FF2B5EF4-FFF2-40B4-BE49-F238E27FC236}">
-                <a16:creationId xmlns:a16="http://schemas.microsoft.com/office/drawing/2014/main" id="{6E807654-CA11-490B-AC86-043BB3DBC58D}"/>
-              </a:ext>
-            </a:extLst>
-          </p:cNvPr>
-          <p:cNvCxnSpPr>
-            <a:cxnSpLocks/>
-          </p:cNvCxnSpPr>
-          <p:nvPr/>
-        </p:nvCxnSpPr>
-        <p:spPr>
-          <a:xfrm>
-            <a:off x="9857639" y="2236811"/>
-            <a:ext cx="389900" cy="877954"/>
-          </a:xfrm>
-          <a:prstGeom prst="straightConnector1">
-            <a:avLst/>
-          </a:prstGeom>
-          <a:ln>
-            <a:tailEnd type="triangle"/>
-          </a:ln>
-        </p:spPr>
-        <p:style>
-          <a:lnRef idx="1">
-            <a:schemeClr val="accent1"/>
-          </a:lnRef>
-          <a:fillRef idx="0">
-            <a:schemeClr val="accent1"/>
-          </a:fillRef>
-          <a:effectRef idx="0">
-            <a:schemeClr val="accent1"/>
-          </a:effectRef>
-          <a:fontRef idx="minor">
-            <a:schemeClr val="tx1"/>
-          </a:fontRef>
-        </p:style>
-      </p:cxnSp>
-      <p:sp>
-        <p:nvSpPr>
-          <p:cNvPr id="38" name="Rectangle: Rounded Corners 37">
-            <a:extLst>
-              <a:ext uri="{FF2B5EF4-FFF2-40B4-BE49-F238E27FC236}">
-                <a16:creationId xmlns:a16="http://schemas.microsoft.com/office/drawing/2014/main" id="{B31A6378-4441-4556-8204-5837FDE8C9C8}"/>
-              </a:ext>
-            </a:extLst>
-          </p:cNvPr>
-          <p:cNvSpPr/>
-          <p:nvPr/>
-        </p:nvSpPr>
-        <p:spPr>
-          <a:xfrm>
-            <a:off x="10773406" y="3114765"/>
-            <a:ext cx="838200" cy="1152331"/>
-          </a:xfrm>
-          <a:prstGeom prst="roundRect">
-            <a:avLst/>
-          </a:prstGeom>
-        </p:spPr>
-        <p:style>
-          <a:lnRef idx="2">
-            <a:schemeClr val="accent1">
-              <a:shade val="50000"/>
-            </a:schemeClr>
-          </a:lnRef>
-          <a:fillRef idx="1">
-            <a:schemeClr val="accent1"/>
-          </a:fillRef>
-          <a:effectRef idx="0">
-            <a:schemeClr val="accent1"/>
-          </a:effectRef>
-          <a:fontRef idx="minor">
-            <a:schemeClr val="lt1"/>
-          </a:fontRef>
-        </p:style>
-        <p:txBody>
-          <a:bodyPr rtlCol="0" anchor="ctr"/>
-          <a:lstStyle/>
-          <a:p>
-            <a:pPr algn="ctr"/>
-            <a:r>
-              <a:rPr lang="en-IN" sz="1200" dirty="0"/>
-              <a:t>ML Model</a:t>
-            </a:r>
-          </a:p>
-        </p:txBody>
-      </p:sp>
-      <p:cxnSp>
-        <p:nvCxnSpPr>
-          <p:cNvPr id="42" name="Straight Arrow Connector 41">
-            <a:extLst>
-              <a:ext uri="{FF2B5EF4-FFF2-40B4-BE49-F238E27FC236}">
-                <a16:creationId xmlns:a16="http://schemas.microsoft.com/office/drawing/2014/main" id="{D08D5D5A-025D-4AC7-B4E7-A805C0400A39}"/>
-              </a:ext>
-            </a:extLst>
-          </p:cNvPr>
-          <p:cNvCxnSpPr>
-            <a:cxnSpLocks/>
-          </p:cNvCxnSpPr>
-          <p:nvPr/>
-        </p:nvCxnSpPr>
-        <p:spPr>
-          <a:xfrm>
-            <a:off x="9857639" y="2235599"/>
-            <a:ext cx="838200" cy="1455331"/>
-          </a:xfrm>
-          <a:prstGeom prst="straightConnector1">
-            <a:avLst/>
-          </a:prstGeom>
-          <a:ln>
-            <a:tailEnd type="triangle"/>
-          </a:ln>
-        </p:spPr>
-        <p:style>
-          <a:lnRef idx="1">
-            <a:schemeClr val="accent1"/>
-          </a:lnRef>
-          <a:fillRef idx="0">
-            <a:schemeClr val="accent1"/>
-          </a:fillRef>
-          <a:effectRef idx="0">
-            <a:schemeClr val="accent1"/>
-          </a:effectRef>
-          <a:fontRef idx="minor">
-            <a:schemeClr val="tx1"/>
-          </a:fontRef>
-        </p:style>
-      </p:cxnSp>
-      <p:cxnSp>
-        <p:nvCxnSpPr>
-          <p:cNvPr id="45" name="Straight Arrow Connector 44">
-            <a:extLst>
-              <a:ext uri="{FF2B5EF4-FFF2-40B4-BE49-F238E27FC236}">
-                <a16:creationId xmlns:a16="http://schemas.microsoft.com/office/drawing/2014/main" id="{DDFAFF86-CAAA-449F-9B5F-41D0997B8A3C}"/>
-              </a:ext>
-            </a:extLst>
-          </p:cNvPr>
-          <p:cNvCxnSpPr>
-            <a:cxnSpLocks/>
-          </p:cNvCxnSpPr>
-          <p:nvPr/>
-        </p:nvCxnSpPr>
-        <p:spPr>
-          <a:xfrm>
-            <a:off x="9857639" y="2235599"/>
-            <a:ext cx="637479" cy="1875857"/>
-          </a:xfrm>
-          <a:prstGeom prst="straightConnector1">
-            <a:avLst/>
-          </a:prstGeom>
-          <a:ln>
-            <a:tailEnd type="triangle"/>
-          </a:ln>
-        </p:spPr>
-        <p:style>
-          <a:lnRef idx="1">
-            <a:schemeClr val="accent1"/>
-          </a:lnRef>
-          <a:fillRef idx="0">
-            <a:schemeClr val="accent1"/>
-          </a:fillRef>
-          <a:effectRef idx="0">
-            <a:schemeClr val="accent1"/>
-          </a:effectRef>
-          <a:fontRef idx="minor">
-            <a:schemeClr val="tx1"/>
-          </a:fontRef>
-        </p:style>
-      </p:cxnSp>
-      <p:sp>
-        <p:nvSpPr>
-          <p:cNvPr id="48" name="Slide Number Placeholder 47">
-            <a:extLst>
-              <a:ext uri="{FF2B5EF4-FFF2-40B4-BE49-F238E27FC236}">
-                <a16:creationId xmlns:a16="http://schemas.microsoft.com/office/drawing/2014/main" id="{B6CCFE30-AF40-4434-9119-820323700C28}"/>
-              </a:ext>
-            </a:extLst>
-          </p:cNvPr>
-          <p:cNvSpPr>
-            <a:spLocks noGrp="1"/>
-          </p:cNvSpPr>
-          <p:nvPr>
-            <p:ph type="sldNum" sz="quarter" idx="12"/>
-          </p:nvPr>
-        </p:nvSpPr>
-        <p:spPr>
-          <a:xfrm>
-            <a:off x="8640686" y="6291761"/>
-            <a:ext cx="2743200" cy="365125"/>
-          </a:xfrm>
-        </p:spPr>
-        <p:txBody>
-          <a:bodyPr/>
-          <a:lstStyle/>
-          <a:p>
-            <a:fld id="{839E3E53-DB0E-4870-977C-FF565E66981C}" type="slidenum">
-              <a:rPr lang="en-IN" smtClean="0"/>
-              <a:t>57</a:t>
-            </a:fld>
-            <a:endParaRPr lang="en-IN" dirty="0"/>
-          </a:p>
-        </p:txBody>
-      </p:sp>
-      <p:cxnSp>
-        <p:nvCxnSpPr>
-          <p:cNvPr id="7" name="Straight Arrow Connector 6">
-            <a:extLst>
-              <a:ext uri="{FF2B5EF4-FFF2-40B4-BE49-F238E27FC236}">
-                <a16:creationId xmlns:a16="http://schemas.microsoft.com/office/drawing/2014/main" id="{C73A7394-0B42-42DB-841F-DC71E6C5A05E}"/>
-              </a:ext>
-            </a:extLst>
-          </p:cNvPr>
-          <p:cNvCxnSpPr/>
-          <p:nvPr/>
-        </p:nvCxnSpPr>
-        <p:spPr>
-          <a:xfrm flipV="1">
-            <a:off x="1501254" y="4111456"/>
-            <a:ext cx="0" cy="381492"/>
-          </a:xfrm>
-          <a:prstGeom prst="straightConnector1">
-            <a:avLst/>
-          </a:prstGeom>
-          <a:ln>
-            <a:tailEnd type="triangle"/>
-          </a:ln>
-        </p:spPr>
-        <p:style>
-          <a:lnRef idx="1">
-            <a:schemeClr val="accent1"/>
-          </a:lnRef>
-          <a:fillRef idx="0">
-            <a:schemeClr val="accent1"/>
-          </a:fillRef>
-          <a:effectRef idx="0">
-            <a:schemeClr val="accent1"/>
-          </a:effectRef>
-          <a:fontRef idx="minor">
-            <a:schemeClr val="tx1"/>
-          </a:fontRef>
-        </p:style>
-      </p:cxnSp>
-    </p:spTree>
-    <p:extLst>
-      <p:ext uri="{BB962C8B-B14F-4D97-AF65-F5344CB8AC3E}">
-        <p14:creationId xmlns:p14="http://schemas.microsoft.com/office/powerpoint/2010/main" val="2327442009"/>
-      </p:ext>
-    </p:extLst>
-  </p:cSld>
-  <p:clrMapOvr>
-    <a:masterClrMapping/>
-  </p:clrMapOvr>
-</p:sld>
-</file>
-
-<file path=ppt/slides/slide58.xml><?xml version="1.0" encoding="utf-8"?>
-<p:sld xmlns:a="http://schemas.openxmlformats.org/drawingml/2006/main" xmlns:r="http://schemas.openxmlformats.org/officeDocument/2006/relationships" xmlns:p="http://schemas.openxmlformats.org/presentationml/2006/main">
-  <p:cSld>
-    <p:spTree>
-      <p:nvGrpSpPr>
-        <p:cNvPr id="1" name=""/>
-        <p:cNvGrpSpPr/>
-        <p:nvPr/>
-      </p:nvGrpSpPr>
-      <p:grpSpPr>
-        <a:xfrm>
-          <a:off x="0" y="0"/>
-          <a:ext cx="0" cy="0"/>
-          <a:chOff x="0" y="0"/>
-          <a:chExt cx="0" cy="0"/>
-        </a:xfrm>
-      </p:grpSpPr>
-      <p:sp>
-        <p:nvSpPr>
-          <p:cNvPr id="2" name="Title 1">
-            <a:extLst>
-              <a:ext uri="{FF2B5EF4-FFF2-40B4-BE49-F238E27FC236}">
-                <a16:creationId xmlns:a16="http://schemas.microsoft.com/office/drawing/2014/main" id="{2B0E1E58-0586-40F8-86B8-AECB282194DE}"/>
-              </a:ext>
-            </a:extLst>
-          </p:cNvPr>
-          <p:cNvSpPr>
-            <a:spLocks noGrp="1"/>
-          </p:cNvSpPr>
-          <p:nvPr>
-            <p:ph type="title"/>
-          </p:nvPr>
-        </p:nvSpPr>
-        <p:spPr>
-          <a:xfrm>
-            <a:off x="256674" y="0"/>
-            <a:ext cx="12320337" cy="1438191"/>
-          </a:xfrm>
-        </p:spPr>
-        <p:txBody>
-          <a:bodyPr vert="horz" lIns="91440" tIns="45720" rIns="91440" bIns="45720" rtlCol="0" anchor="ctr">
-            <a:normAutofit/>
-          </a:bodyPr>
-          <a:lstStyle/>
-          <a:p>
-            <a:r>
-              <a:rPr lang="en-IN" sz="3400" b="1" dirty="0">
-                <a:latin typeface="+mn-lt"/>
-              </a:rPr>
-              <a:t>Feature Engineering And Feature Selection</a:t>
-            </a:r>
-          </a:p>
-        </p:txBody>
-      </p:sp>
-      <p:sp>
-        <p:nvSpPr>
-          <p:cNvPr id="3" name="Content Placeholder 2">
-            <a:extLst>
-              <a:ext uri="{FF2B5EF4-FFF2-40B4-BE49-F238E27FC236}">
-                <a16:creationId xmlns:a16="http://schemas.microsoft.com/office/drawing/2014/main" id="{81D15A16-3DC8-4042-83A9-02160552F51E}"/>
-              </a:ext>
-            </a:extLst>
-          </p:cNvPr>
-          <p:cNvSpPr>
-            <a:spLocks noGrp="1"/>
-          </p:cNvSpPr>
-          <p:nvPr>
-            <p:ph idx="1"/>
-          </p:nvPr>
-        </p:nvSpPr>
-        <p:spPr>
-          <a:xfrm>
-            <a:off x="385011" y="1690688"/>
-            <a:ext cx="11806989" cy="4954588"/>
-          </a:xfrm>
-        </p:spPr>
-        <p:txBody>
-          <a:bodyPr>
-            <a:normAutofit fontScale="92500"/>
-          </a:bodyPr>
-          <a:lstStyle/>
-          <a:p>
-            <a:pPr marL="0" indent="0">
-              <a:buNone/>
-            </a:pPr>
-            <a:r>
-              <a:rPr lang="en-IN" sz="2000" b="1" dirty="0"/>
-              <a:t>Feature Engineering :</a:t>
-            </a:r>
-          </a:p>
-          <a:p>
-            <a:pPr marL="0" indent="0">
-              <a:lnSpc>
-                <a:spcPct val="150000"/>
-              </a:lnSpc>
-              <a:buNone/>
-            </a:pPr>
-            <a:r>
-              <a:rPr lang="en-IN" sz="1800" dirty="0"/>
-              <a:t>	</a:t>
-            </a:r>
-            <a:r>
-              <a:rPr lang="en-US" sz="1800" b="0" u="none" strike="noStrike" baseline="0" dirty="0"/>
-              <a:t>Feature engineering </a:t>
-            </a:r>
-            <a:r>
-              <a:rPr lang="en-US" sz="1800" b="0" i="0" u="none" strike="noStrike" baseline="0" dirty="0"/>
-              <a:t>is the act of extracting features from raw data and transforming them into formats that are suitable for the machine learning </a:t>
-            </a:r>
-            <a:r>
-              <a:rPr lang="en-IN" sz="1800" b="0" i="0" u="none" strike="noStrike" baseline="0" dirty="0"/>
-              <a:t>Model</a:t>
-            </a:r>
-          </a:p>
-          <a:p>
-            <a:pPr marL="0" indent="0" algn="l">
-              <a:buNone/>
-            </a:pPr>
-            <a:endParaRPr lang="en-IN" sz="1800" dirty="0"/>
-          </a:p>
-          <a:p>
-            <a:pPr marL="0" indent="0" algn="l">
-              <a:buNone/>
-            </a:pPr>
-            <a:endParaRPr lang="en-IN" sz="1800" dirty="0"/>
-          </a:p>
-          <a:p>
-            <a:pPr marL="0" indent="0" algn="l">
-              <a:buNone/>
-            </a:pPr>
-            <a:endParaRPr lang="en-IN" sz="1800" dirty="0"/>
-          </a:p>
-          <a:p>
-            <a:pPr marL="0" indent="0" algn="l">
-              <a:buNone/>
-            </a:pPr>
-            <a:endParaRPr lang="en-IN" sz="1800" dirty="0"/>
-          </a:p>
-          <a:p>
-            <a:pPr marL="0" indent="0" algn="l">
-              <a:buNone/>
-            </a:pPr>
-            <a:endParaRPr lang="en-IN" sz="1800" dirty="0"/>
-          </a:p>
-          <a:p>
-            <a:pPr marL="0" indent="0" algn="l">
-              <a:buNone/>
-            </a:pPr>
-            <a:r>
-              <a:rPr lang="en-IN" sz="2000" b="1" dirty="0"/>
-              <a:t>Feature Selection:</a:t>
-            </a:r>
-          </a:p>
-          <a:p>
-            <a:pPr marL="0" indent="0">
-              <a:lnSpc>
-                <a:spcPct val="160000"/>
-              </a:lnSpc>
-              <a:buNone/>
-            </a:pPr>
-            <a:r>
-              <a:rPr lang="en-IN" sz="1800" dirty="0"/>
-              <a:t>	</a:t>
-            </a:r>
-            <a:r>
-              <a:rPr lang="en-US" sz="1800" b="0" i="0" u="none" strike="noStrike" baseline="0" dirty="0"/>
-              <a:t>Feature selection techniques prune away non useful features in order to reduce the complexity of the resulting model</a:t>
-            </a:r>
-          </a:p>
-          <a:p>
-            <a:pPr marL="0" indent="0" algn="ctr">
-              <a:buNone/>
-            </a:pPr>
-            <a:endParaRPr lang="en-US" sz="1800" b="0" i="0" u="none" strike="noStrike" baseline="0" dirty="0"/>
-          </a:p>
-          <a:p>
-            <a:pPr lvl="1"/>
-            <a:r>
-              <a:rPr lang="en-IN" sz="1800" dirty="0"/>
-              <a:t>Selecting inputs which are more suitable for model and results in better model</a:t>
-            </a:r>
-          </a:p>
-          <a:p>
-            <a:pPr lvl="1"/>
-            <a:r>
-              <a:rPr lang="en-IN" sz="1800" dirty="0"/>
-              <a:t>Reducing feature does not necessarily reduce training time </a:t>
-            </a:r>
-          </a:p>
-          <a:p>
-            <a:pPr lvl="1"/>
-            <a:endParaRPr lang="en-US" sz="1400" dirty="0"/>
-          </a:p>
-        </p:txBody>
-      </p:sp>
-      <p:sp>
-        <p:nvSpPr>
-          <p:cNvPr id="4" name="Rectangle: Rounded Corners 3">
-            <a:extLst>
-              <a:ext uri="{FF2B5EF4-FFF2-40B4-BE49-F238E27FC236}">
-                <a16:creationId xmlns:a16="http://schemas.microsoft.com/office/drawing/2014/main" id="{04E71628-4057-40ED-A338-FE62C37CF326}"/>
-              </a:ext>
-            </a:extLst>
-          </p:cNvPr>
-          <p:cNvSpPr/>
-          <p:nvPr/>
-        </p:nvSpPr>
-        <p:spPr>
-          <a:xfrm>
-            <a:off x="579784" y="3419909"/>
-            <a:ext cx="1577009" cy="609600"/>
-          </a:xfrm>
-          <a:prstGeom prst="roundRect">
-            <a:avLst/>
-          </a:prstGeom>
-        </p:spPr>
-        <p:style>
-          <a:lnRef idx="2">
-            <a:schemeClr val="accent1">
-              <a:shade val="50000"/>
-            </a:schemeClr>
-          </a:lnRef>
-          <a:fillRef idx="1">
-            <a:schemeClr val="accent1"/>
-          </a:fillRef>
-          <a:effectRef idx="0">
-            <a:schemeClr val="accent1"/>
-          </a:effectRef>
-          <a:fontRef idx="minor">
-            <a:schemeClr val="lt1"/>
-          </a:fontRef>
-        </p:style>
-        <p:txBody>
-          <a:bodyPr rtlCol="0" anchor="ctr"/>
-          <a:lstStyle/>
-          <a:p>
-            <a:pPr algn="ctr"/>
-            <a:r>
-              <a:rPr lang="en-IN" dirty="0"/>
-              <a:t>Data</a:t>
-            </a:r>
-          </a:p>
-        </p:txBody>
-      </p:sp>
-      <p:sp>
-        <p:nvSpPr>
-          <p:cNvPr id="5" name="Rectangle: Rounded Corners 4">
-            <a:extLst>
-              <a:ext uri="{FF2B5EF4-FFF2-40B4-BE49-F238E27FC236}">
-                <a16:creationId xmlns:a16="http://schemas.microsoft.com/office/drawing/2014/main" id="{2D35287A-59E6-4C5D-AFD9-57BB4AD60825}"/>
-              </a:ext>
-            </a:extLst>
-          </p:cNvPr>
-          <p:cNvSpPr/>
-          <p:nvPr/>
-        </p:nvSpPr>
-        <p:spPr>
-          <a:xfrm>
-            <a:off x="6603724" y="3419909"/>
-            <a:ext cx="1759226" cy="609601"/>
-          </a:xfrm>
-          <a:prstGeom prst="roundRect">
-            <a:avLst/>
-          </a:prstGeom>
-        </p:spPr>
-        <p:style>
-          <a:lnRef idx="2">
-            <a:schemeClr val="accent1">
-              <a:shade val="50000"/>
-            </a:schemeClr>
-          </a:lnRef>
-          <a:fillRef idx="1">
-            <a:schemeClr val="accent1"/>
-          </a:fillRef>
-          <a:effectRef idx="0">
-            <a:schemeClr val="accent1"/>
-          </a:effectRef>
-          <a:fontRef idx="minor">
-            <a:schemeClr val="lt1"/>
-          </a:fontRef>
-        </p:style>
-        <p:txBody>
-          <a:bodyPr rtlCol="0" anchor="ctr"/>
-          <a:lstStyle/>
-          <a:p>
-            <a:pPr algn="ctr"/>
-            <a:r>
-              <a:rPr lang="en-IN" dirty="0"/>
-              <a:t>Model</a:t>
-            </a:r>
-          </a:p>
-        </p:txBody>
-      </p:sp>
-      <p:sp>
-        <p:nvSpPr>
-          <p:cNvPr id="6" name="Rectangle: Rounded Corners 5">
-            <a:extLst>
-              <a:ext uri="{FF2B5EF4-FFF2-40B4-BE49-F238E27FC236}">
-                <a16:creationId xmlns:a16="http://schemas.microsoft.com/office/drawing/2014/main" id="{8DBC0B71-238A-4731-A14D-A99AB1A44530}"/>
-              </a:ext>
-            </a:extLst>
-          </p:cNvPr>
-          <p:cNvSpPr/>
-          <p:nvPr/>
-        </p:nvSpPr>
-        <p:spPr>
-          <a:xfrm>
-            <a:off x="9899374" y="3419909"/>
-            <a:ext cx="1759226" cy="609601"/>
-          </a:xfrm>
-          <a:prstGeom prst="roundRect">
-            <a:avLst/>
-          </a:prstGeom>
-        </p:spPr>
-        <p:style>
-          <a:lnRef idx="2">
-            <a:schemeClr val="accent1">
-              <a:shade val="50000"/>
-            </a:schemeClr>
-          </a:lnRef>
-          <a:fillRef idx="1">
-            <a:schemeClr val="accent1"/>
-          </a:fillRef>
-          <a:effectRef idx="0">
-            <a:schemeClr val="accent1"/>
-          </a:effectRef>
-          <a:fontRef idx="minor">
-            <a:schemeClr val="lt1"/>
-          </a:fontRef>
-        </p:style>
-        <p:txBody>
-          <a:bodyPr rtlCol="0" anchor="ctr"/>
-          <a:lstStyle/>
-          <a:p>
-            <a:pPr algn="ctr"/>
-            <a:r>
-              <a:rPr lang="en-IN" dirty="0"/>
-              <a:t>Prediction</a:t>
-            </a:r>
-          </a:p>
-        </p:txBody>
-      </p:sp>
-      <p:cxnSp>
-        <p:nvCxnSpPr>
-          <p:cNvPr id="7" name="Straight Arrow Connector 6">
-            <a:extLst>
-              <a:ext uri="{FF2B5EF4-FFF2-40B4-BE49-F238E27FC236}">
-                <a16:creationId xmlns:a16="http://schemas.microsoft.com/office/drawing/2014/main" id="{D77A10EE-77DE-47EB-84CD-4E40248040D0}"/>
-              </a:ext>
-            </a:extLst>
-          </p:cNvPr>
-          <p:cNvCxnSpPr>
-            <a:cxnSpLocks/>
-            <a:stCxn id="4" idx="3"/>
-            <a:endCxn id="9" idx="1"/>
-          </p:cNvCxnSpPr>
-          <p:nvPr/>
-        </p:nvCxnSpPr>
-        <p:spPr>
-          <a:xfrm>
-            <a:off x="2156793" y="3724709"/>
-            <a:ext cx="1333499" cy="1"/>
-          </a:xfrm>
-          <a:prstGeom prst="straightConnector1">
-            <a:avLst/>
-          </a:prstGeom>
-          <a:ln w="28575">
-            <a:tailEnd type="triangle"/>
-          </a:ln>
-        </p:spPr>
-        <p:style>
-          <a:lnRef idx="1">
-            <a:schemeClr val="accent1"/>
-          </a:lnRef>
-          <a:fillRef idx="0">
-            <a:schemeClr val="accent1"/>
-          </a:fillRef>
-          <a:effectRef idx="0">
-            <a:schemeClr val="accent1"/>
-          </a:effectRef>
-          <a:fontRef idx="minor">
-            <a:schemeClr val="tx1"/>
-          </a:fontRef>
-        </p:style>
-      </p:cxnSp>
-      <p:cxnSp>
-        <p:nvCxnSpPr>
-          <p:cNvPr id="8" name="Straight Arrow Connector 7">
-            <a:extLst>
-              <a:ext uri="{FF2B5EF4-FFF2-40B4-BE49-F238E27FC236}">
-                <a16:creationId xmlns:a16="http://schemas.microsoft.com/office/drawing/2014/main" id="{2F013B0D-C461-4349-B50D-53A123FB02C5}"/>
-              </a:ext>
-            </a:extLst>
-          </p:cNvPr>
-          <p:cNvCxnSpPr>
-            <a:cxnSpLocks/>
-            <a:stCxn id="5" idx="3"/>
-            <a:endCxn id="6" idx="1"/>
-          </p:cNvCxnSpPr>
-          <p:nvPr/>
-        </p:nvCxnSpPr>
-        <p:spPr>
-          <a:xfrm>
-            <a:off x="8362950" y="3724710"/>
-            <a:ext cx="1536424" cy="0"/>
-          </a:xfrm>
-          <a:prstGeom prst="straightConnector1">
-            <a:avLst/>
-          </a:prstGeom>
-          <a:ln w="28575">
-            <a:tailEnd type="triangle"/>
-          </a:ln>
-        </p:spPr>
-        <p:style>
-          <a:lnRef idx="1">
-            <a:schemeClr val="accent1"/>
-          </a:lnRef>
-          <a:fillRef idx="0">
-            <a:schemeClr val="accent1"/>
-          </a:fillRef>
-          <a:effectRef idx="0">
-            <a:schemeClr val="accent1"/>
-          </a:effectRef>
-          <a:fontRef idx="minor">
-            <a:schemeClr val="tx1"/>
-          </a:fontRef>
-        </p:style>
-      </p:cxnSp>
-      <p:sp>
-        <p:nvSpPr>
-          <p:cNvPr id="9" name="Rectangle: Rounded Corners 8">
-            <a:extLst>
-              <a:ext uri="{FF2B5EF4-FFF2-40B4-BE49-F238E27FC236}">
-                <a16:creationId xmlns:a16="http://schemas.microsoft.com/office/drawing/2014/main" id="{60AA4B4C-131D-474F-8C61-CE6FFA5AC9F3}"/>
-              </a:ext>
-            </a:extLst>
-          </p:cNvPr>
-          <p:cNvSpPr/>
-          <p:nvPr/>
-        </p:nvSpPr>
-        <p:spPr>
-          <a:xfrm>
-            <a:off x="3490292" y="3419910"/>
-            <a:ext cx="1577009" cy="609600"/>
-          </a:xfrm>
-          <a:prstGeom prst="roundRect">
-            <a:avLst/>
-          </a:prstGeom>
-          <a:solidFill>
-            <a:schemeClr val="bg1">
-              <a:lumMod val="65000"/>
-            </a:schemeClr>
-          </a:solidFill>
-        </p:spPr>
-        <p:style>
-          <a:lnRef idx="2">
-            <a:schemeClr val="accent1">
-              <a:shade val="50000"/>
-            </a:schemeClr>
-          </a:lnRef>
-          <a:fillRef idx="1">
-            <a:schemeClr val="accent1"/>
-          </a:fillRef>
-          <a:effectRef idx="0">
-            <a:schemeClr val="accent1"/>
-          </a:effectRef>
-          <a:fontRef idx="minor">
-            <a:schemeClr val="lt1"/>
-          </a:fontRef>
-        </p:style>
-        <p:txBody>
-          <a:bodyPr rtlCol="0" anchor="ctr"/>
-          <a:lstStyle/>
-          <a:p>
-            <a:pPr algn="ctr"/>
-            <a:r>
-              <a:rPr lang="en-IN" dirty="0"/>
-              <a:t>Features </a:t>
-            </a:r>
-          </a:p>
-        </p:txBody>
-      </p:sp>
-      <p:cxnSp>
-        <p:nvCxnSpPr>
-          <p:cNvPr id="10" name="Straight Arrow Connector 9">
-            <a:extLst>
-              <a:ext uri="{FF2B5EF4-FFF2-40B4-BE49-F238E27FC236}">
-                <a16:creationId xmlns:a16="http://schemas.microsoft.com/office/drawing/2014/main" id="{38B75651-1A37-4F9A-B275-12F5474B84CC}"/>
-              </a:ext>
-            </a:extLst>
-          </p:cNvPr>
-          <p:cNvCxnSpPr>
-            <a:cxnSpLocks/>
-            <a:stCxn id="9" idx="3"/>
-            <a:endCxn id="5" idx="1"/>
-          </p:cNvCxnSpPr>
-          <p:nvPr/>
-        </p:nvCxnSpPr>
-        <p:spPr>
-          <a:xfrm>
-            <a:off x="5067301" y="3724710"/>
-            <a:ext cx="1536423" cy="0"/>
-          </a:xfrm>
-          <a:prstGeom prst="straightConnector1">
-            <a:avLst/>
-          </a:prstGeom>
-          <a:ln w="28575">
-            <a:tailEnd type="triangle"/>
-          </a:ln>
-        </p:spPr>
-        <p:style>
-          <a:lnRef idx="1">
-            <a:schemeClr val="accent1"/>
-          </a:lnRef>
-          <a:fillRef idx="0">
-            <a:schemeClr val="accent1"/>
-          </a:fillRef>
-          <a:effectRef idx="0">
-            <a:schemeClr val="accent1"/>
-          </a:effectRef>
-          <a:fontRef idx="minor">
-            <a:schemeClr val="tx1"/>
-          </a:fontRef>
-        </p:style>
-      </p:cxnSp>
-      <p:sp>
-        <p:nvSpPr>
-          <p:cNvPr id="11" name="Slide Number Placeholder 10">
-            <a:extLst>
-              <a:ext uri="{FF2B5EF4-FFF2-40B4-BE49-F238E27FC236}">
-                <a16:creationId xmlns:a16="http://schemas.microsoft.com/office/drawing/2014/main" id="{1EA96B72-3AA0-4B21-8BEE-E546D09D1656}"/>
-              </a:ext>
-            </a:extLst>
-          </p:cNvPr>
-          <p:cNvSpPr>
-            <a:spLocks noGrp="1"/>
-          </p:cNvSpPr>
-          <p:nvPr>
-            <p:ph type="sldNum" sz="quarter" idx="12"/>
-          </p:nvPr>
-        </p:nvSpPr>
-        <p:spPr/>
-        <p:txBody>
-          <a:bodyPr/>
-          <a:lstStyle/>
-          <a:p>
-            <a:fld id="{839E3E53-DB0E-4870-977C-FF565E66981C}" type="slidenum">
-              <a:rPr lang="en-IN" smtClean="0"/>
-              <a:t>58</a:t>
-            </a:fld>
-            <a:endParaRPr lang="en-IN"/>
-          </a:p>
-        </p:txBody>
-      </p:sp>
-    </p:spTree>
-    <p:extLst>
-      <p:ext uri="{BB962C8B-B14F-4D97-AF65-F5344CB8AC3E}">
-        <p14:creationId xmlns:p14="http://schemas.microsoft.com/office/powerpoint/2010/main" val="1550693025"/>
       </p:ext>
     </p:extLst>
   </p:cSld>
@@ -45791,42 +45402,12 @@
           <a:chExt cx="0" cy="0"/>
         </a:xfrm>
       </p:grpSpPr>
-      <p:pic>
-        <p:nvPicPr>
-          <p:cNvPr id="9" name="Picture 8">
-            <a:extLst>
-              <a:ext uri="{FF2B5EF4-FFF2-40B4-BE49-F238E27FC236}">
-                <a16:creationId xmlns:a16="http://schemas.microsoft.com/office/drawing/2014/main" id="{A9710536-78E2-4154-8EC6-A0B697458C27}"/>
-              </a:ext>
-            </a:extLst>
-          </p:cNvPr>
-          <p:cNvPicPr>
-            <a:picLocks noChangeAspect="1"/>
-          </p:cNvPicPr>
-          <p:nvPr/>
-        </p:nvPicPr>
-        <p:blipFill>
-          <a:blip r:embed="rId2"/>
-          <a:stretch>
-            <a:fillRect/>
-          </a:stretch>
-        </p:blipFill>
-        <p:spPr>
-          <a:xfrm>
-            <a:off x="4411579" y="1648692"/>
-            <a:ext cx="8131305" cy="3356445"/>
-          </a:xfrm>
-          <a:prstGeom prst="rect">
-            <a:avLst/>
-          </a:prstGeom>
-        </p:spPr>
-      </p:pic>
       <p:sp>
         <p:nvSpPr>
           <p:cNvPr id="2" name="Title 1">
             <a:extLst>
               <a:ext uri="{FF2B5EF4-FFF2-40B4-BE49-F238E27FC236}">
-                <a16:creationId xmlns:a16="http://schemas.microsoft.com/office/drawing/2014/main" id="{D436AC66-B15C-4A8F-80DA-0EFEFF3F01C4}"/>
+                <a16:creationId xmlns:a16="http://schemas.microsoft.com/office/drawing/2014/main" id="{162251BE-6F7B-4D3D-B030-285251D33E29}"/>
               </a:ext>
             </a:extLst>
           </p:cNvPr>
@@ -45837,127 +45418,54 @@
             <p:ph type="title"/>
           </p:nvPr>
         </p:nvSpPr>
-        <p:spPr>
-          <a:xfrm>
-            <a:off x="272716" y="1"/>
-            <a:ext cx="12192000" cy="1437858"/>
-          </a:xfrm>
-        </p:spPr>
+        <p:spPr/>
         <p:txBody>
-          <a:bodyPr vert="horz" lIns="91440" tIns="45720" rIns="91440" bIns="45720" rtlCol="0" anchor="ctr">
-            <a:normAutofit/>
-          </a:bodyPr>
+          <a:bodyPr/>
           <a:lstStyle/>
           <a:p>
             <a:r>
-              <a:rPr lang="en-IN" sz="3400" b="1" dirty="0">
-                <a:latin typeface="+mn-lt"/>
-              </a:rPr>
-              <a:t>Train/Test /Validation Split</a:t>
+              <a:rPr lang="en-IN" dirty="0"/>
+              <a:t>Bias Variance </a:t>
             </a:r>
+            <a:r>
+              <a:rPr lang="en-IN" dirty="0" err="1"/>
+              <a:t>Tradeoff</a:t>
+            </a:r>
+            <a:endParaRPr lang="en-IN" dirty="0"/>
           </a:p>
         </p:txBody>
       </p:sp>
       <p:sp>
         <p:nvSpPr>
-          <p:cNvPr id="6" name="TextBox 5">
-            <a:extLst>
-              <a:ext uri="{FF2B5EF4-FFF2-40B4-BE49-F238E27FC236}">
-                <a16:creationId xmlns:a16="http://schemas.microsoft.com/office/drawing/2014/main" id="{51AF8B3E-DFE0-4071-8731-1DB7CFB17916}"/>
-              </a:ext>
-            </a:extLst>
-          </p:cNvPr>
-          <p:cNvSpPr txBox="1"/>
-          <p:nvPr/>
+          <p:cNvPr id="3" name="Content Placeholder 2">
+            <a:extLst>
+              <a:ext uri="{FF2B5EF4-FFF2-40B4-BE49-F238E27FC236}">
+                <a16:creationId xmlns:a16="http://schemas.microsoft.com/office/drawing/2014/main" id="{79F0AD35-DDBC-4BDB-9A11-F3240E916721}"/>
+              </a:ext>
+            </a:extLst>
+          </p:cNvPr>
+          <p:cNvSpPr>
+            <a:spLocks noGrp="1"/>
+          </p:cNvSpPr>
+          <p:nvPr>
+            <p:ph idx="1"/>
+          </p:nvPr>
         </p:nvSpPr>
-        <p:spPr>
-          <a:xfrm>
-            <a:off x="561473" y="1684421"/>
-            <a:ext cx="4443664" cy="3970318"/>
-          </a:xfrm>
-          <a:prstGeom prst="rect">
-            <a:avLst/>
-          </a:prstGeom>
-          <a:noFill/>
-        </p:spPr>
+        <p:spPr/>
         <p:txBody>
-          <a:bodyPr wrap="square" rtlCol="0">
-            <a:spAutoFit/>
-          </a:bodyPr>
+          <a:bodyPr/>
           <a:lstStyle/>
           <a:p>
-            <a:r>
-              <a:rPr lang="en-IN" dirty="0"/>
-              <a:t>Data is divided into three parts training, validation and testing</a:t>
-            </a:r>
-          </a:p>
-          <a:p>
-            <a:endParaRPr lang="en-IN" dirty="0"/>
-          </a:p>
-          <a:p>
-            <a:pPr marL="285750" indent="-285750">
-              <a:buFont typeface="Arial" panose="020B0604020202020204" pitchFamily="34" charset="0"/>
-              <a:buChar char="•"/>
-            </a:pPr>
-            <a:r>
-              <a:rPr lang="en-IN" b="1" dirty="0"/>
-              <a:t>Training Set </a:t>
-            </a:r>
-            <a:r>
-              <a:rPr lang="en-IN" dirty="0"/>
-              <a:t>-  This part of data is used for training purpose</a:t>
-            </a:r>
-          </a:p>
-          <a:p>
-            <a:pPr marL="285750" indent="-285750">
-              <a:buFont typeface="Arial" panose="020B0604020202020204" pitchFamily="34" charset="0"/>
-              <a:buChar char="•"/>
-            </a:pPr>
-            <a:endParaRPr lang="en-IN" dirty="0"/>
-          </a:p>
-          <a:p>
-            <a:pPr marL="285750" indent="-285750">
-              <a:buFont typeface="Arial" panose="020B0604020202020204" pitchFamily="34" charset="0"/>
-              <a:buChar char="•"/>
-            </a:pPr>
-            <a:r>
-              <a:rPr lang="en-IN" b="1" dirty="0"/>
-              <a:t>Validation Set </a:t>
-            </a:r>
-            <a:r>
-              <a:rPr lang="en-IN" dirty="0"/>
-              <a:t>– This is also called as hold out set; it is used for model selection. Different models are evaluated on validation set</a:t>
-            </a:r>
-          </a:p>
-          <a:p>
-            <a:pPr marL="285750" indent="-285750">
-              <a:buFont typeface="Arial" panose="020B0604020202020204" pitchFamily="34" charset="0"/>
-              <a:buChar char="•"/>
-            </a:pPr>
-            <a:endParaRPr lang="en-IN" dirty="0"/>
-          </a:p>
-          <a:p>
-            <a:pPr marL="285750" indent="-285750">
-              <a:buFont typeface="Arial" panose="020B0604020202020204" pitchFamily="34" charset="0"/>
-              <a:buChar char="•"/>
-            </a:pPr>
-            <a:r>
-              <a:rPr lang="en-IN" b="1" dirty="0"/>
-              <a:t>Test Set </a:t>
-            </a:r>
-            <a:r>
-              <a:rPr lang="en-IN" dirty="0"/>
-              <a:t>– This data is not used during training; final model is evaluated using test set</a:t>
-            </a:r>
+            <a:endParaRPr lang="en-IN"/>
           </a:p>
         </p:txBody>
       </p:sp>
       <p:sp>
         <p:nvSpPr>
-          <p:cNvPr id="7" name="Slide Number Placeholder 6">
-            <a:extLst>
-              <a:ext uri="{FF2B5EF4-FFF2-40B4-BE49-F238E27FC236}">
-                <a16:creationId xmlns:a16="http://schemas.microsoft.com/office/drawing/2014/main" id="{04A2DE10-56EA-410F-96C3-1194D65B7B7B}"/>
+          <p:cNvPr id="4" name="Slide Number Placeholder 3">
+            <a:extLst>
+              <a:ext uri="{FF2B5EF4-FFF2-40B4-BE49-F238E27FC236}">
+                <a16:creationId xmlns:a16="http://schemas.microsoft.com/office/drawing/2014/main" id="{C76936E9-80F3-4AC2-834F-74399887A772}"/>
               </a:ext>
             </a:extLst>
           </p:cNvPr>
@@ -45984,7 +45492,7 @@
     </p:spTree>
     <p:extLst>
       <p:ext uri="{BB962C8B-B14F-4D97-AF65-F5344CB8AC3E}">
-        <p14:creationId xmlns:p14="http://schemas.microsoft.com/office/powerpoint/2010/main" val="2601901449"/>
+        <p14:creationId xmlns:p14="http://schemas.microsoft.com/office/powerpoint/2010/main" val="2276559510"/>
       </p:ext>
     </p:extLst>
   </p:cSld>
@@ -46234,42 +45742,12 @@
           <a:chExt cx="0" cy="0"/>
         </a:xfrm>
       </p:grpSpPr>
-      <p:pic>
-        <p:nvPicPr>
-          <p:cNvPr id="8" name="Picture 7">
-            <a:extLst>
-              <a:ext uri="{FF2B5EF4-FFF2-40B4-BE49-F238E27FC236}">
-                <a16:creationId xmlns:a16="http://schemas.microsoft.com/office/drawing/2014/main" id="{4BA3681D-E27C-4999-8CE7-A11D71EBE85A}"/>
-              </a:ext>
-            </a:extLst>
-          </p:cNvPr>
-          <p:cNvPicPr>
-            <a:picLocks noChangeAspect="1"/>
-          </p:cNvPicPr>
-          <p:nvPr/>
-        </p:nvPicPr>
-        <p:blipFill>
-          <a:blip r:embed="rId2"/>
-          <a:stretch>
-            <a:fillRect/>
-          </a:stretch>
-        </p:blipFill>
-        <p:spPr>
-          <a:xfrm>
-            <a:off x="629782" y="1499407"/>
-            <a:ext cx="11029950" cy="4552950"/>
-          </a:xfrm>
-          <a:prstGeom prst="rect">
-            <a:avLst/>
-          </a:prstGeom>
-        </p:spPr>
-      </p:pic>
       <p:sp>
         <p:nvSpPr>
-          <p:cNvPr id="2" name="Title 1">
-            <a:extLst>
-              <a:ext uri="{FF2B5EF4-FFF2-40B4-BE49-F238E27FC236}">
-                <a16:creationId xmlns:a16="http://schemas.microsoft.com/office/drawing/2014/main" id="{7A00B3CE-31B4-4965-826F-163E74AE674D}"/>
+          <p:cNvPr id="3" name="Content Placeholder 2">
+            <a:extLst>
+              <a:ext uri="{FF2B5EF4-FFF2-40B4-BE49-F238E27FC236}">
+                <a16:creationId xmlns:a16="http://schemas.microsoft.com/office/drawing/2014/main" id="{EFDE1075-8B27-434A-9B45-197E0D06DFCB}"/>
               </a:ext>
             </a:extLst>
           </p:cNvPr>
@@ -46277,36 +45755,49 @@
             <a:spLocks noGrp="1"/>
           </p:cNvSpPr>
           <p:nvPr>
-            <p:ph type="title"/>
+            <p:ph idx="1"/>
           </p:nvPr>
         </p:nvSpPr>
         <p:spPr>
           <a:xfrm>
-            <a:off x="292768" y="0"/>
-            <a:ext cx="10515600" cy="1530267"/>
+            <a:off x="838200" y="1253331"/>
+            <a:ext cx="10515600" cy="4351338"/>
           </a:xfrm>
         </p:spPr>
         <p:txBody>
-          <a:bodyPr vert="horz" lIns="91440" tIns="45720" rIns="91440" bIns="45720" rtlCol="0" anchor="ctr">
+          <a:bodyPr anchor="ctr">
             <a:normAutofit/>
           </a:bodyPr>
           <a:lstStyle/>
           <a:p>
+            <a:pPr marL="0" indent="0" algn="ctr">
+              <a:buNone/>
+            </a:pPr>
             <a:r>
-              <a:rPr lang="en-IN" sz="3400" b="1" dirty="0">
-                <a:latin typeface="+mn-lt"/>
+              <a:rPr lang="en-IN" sz="6400" dirty="0">
+                <a:ln w="0"/>
+                <a:solidFill>
+                  <a:schemeClr val="accent1"/>
+                </a:solidFill>
+                <a:effectLst>
+                  <a:outerShdw blurRad="38100" dist="25400" dir="5400000" algn="ctr" rotWithShape="0">
+                    <a:srgbClr val="6E747A">
+                      <a:alpha val="43000"/>
+                    </a:srgbClr>
+                  </a:outerShdw>
+                </a:effectLst>
               </a:rPr>
-              <a:t>Model Training [Finding Model Parameters]</a:t>
+              <a:t>MODEL DEMO</a:t>
             </a:r>
           </a:p>
         </p:txBody>
       </p:sp>
       <p:sp>
         <p:nvSpPr>
-          <p:cNvPr id="6" name="Slide Number Placeholder 5">
-            <a:extLst>
-              <a:ext uri="{FF2B5EF4-FFF2-40B4-BE49-F238E27FC236}">
-                <a16:creationId xmlns:a16="http://schemas.microsoft.com/office/drawing/2014/main" id="{2C987494-E914-4C30-9B2A-32C07A891891}"/>
+          <p:cNvPr id="4" name="Slide Number Placeholder 3">
+            <a:extLst>
+              <a:ext uri="{FF2B5EF4-FFF2-40B4-BE49-F238E27FC236}">
+                <a16:creationId xmlns:a16="http://schemas.microsoft.com/office/drawing/2014/main" id="{FA7663E4-2BFB-4608-BDA2-78A6D344329B}"/>
               </a:ext>
             </a:extLst>
           </p:cNvPr>
@@ -46333,7 +45824,7 @@
     </p:spTree>
     <p:extLst>
       <p:ext uri="{BB962C8B-B14F-4D97-AF65-F5344CB8AC3E}">
-        <p14:creationId xmlns:p14="http://schemas.microsoft.com/office/powerpoint/2010/main" val="1149931780"/>
+        <p14:creationId xmlns:p14="http://schemas.microsoft.com/office/powerpoint/2010/main" val="1891100776"/>
       </p:ext>
     </p:extLst>
   </p:cSld>
@@ -46360,42 +45851,12 @@
           <a:chExt cx="0" cy="0"/>
         </a:xfrm>
       </p:grpSpPr>
-      <p:pic>
-        <p:nvPicPr>
-          <p:cNvPr id="8" name="Picture 7">
-            <a:extLst>
-              <a:ext uri="{FF2B5EF4-FFF2-40B4-BE49-F238E27FC236}">
-                <a16:creationId xmlns:a16="http://schemas.microsoft.com/office/drawing/2014/main" id="{693D72B3-10FC-4E05-9A97-3FB6FCA6AAC7}"/>
-              </a:ext>
-            </a:extLst>
-          </p:cNvPr>
-          <p:cNvPicPr>
-            <a:picLocks noChangeAspect="1"/>
-          </p:cNvPicPr>
-          <p:nvPr/>
-        </p:nvPicPr>
-        <p:blipFill>
-          <a:blip r:embed="rId2"/>
-          <a:stretch>
-            <a:fillRect/>
-          </a:stretch>
-        </p:blipFill>
-        <p:spPr>
-          <a:xfrm>
-            <a:off x="0" y="1219942"/>
-            <a:ext cx="12192000" cy="4778202"/>
-          </a:xfrm>
-          <a:prstGeom prst="rect">
-            <a:avLst/>
-          </a:prstGeom>
-        </p:spPr>
-      </p:pic>
       <p:sp>
         <p:nvSpPr>
-          <p:cNvPr id="2" name="Title 1">
-            <a:extLst>
-              <a:ext uri="{FF2B5EF4-FFF2-40B4-BE49-F238E27FC236}">
-                <a16:creationId xmlns:a16="http://schemas.microsoft.com/office/drawing/2014/main" id="{FE540A27-79BE-4CE8-96DC-9E1745A02404}"/>
+          <p:cNvPr id="3" name="Content Placeholder 2">
+            <a:extLst>
+              <a:ext uri="{FF2B5EF4-FFF2-40B4-BE49-F238E27FC236}">
+                <a16:creationId xmlns:a16="http://schemas.microsoft.com/office/drawing/2014/main" id="{EFDE1075-8B27-434A-9B45-197E0D06DFCB}"/>
               </a:ext>
             </a:extLst>
           </p:cNvPr>
@@ -46403,36 +45864,49 @@
             <a:spLocks noGrp="1"/>
           </p:cNvSpPr>
           <p:nvPr>
-            <p:ph type="title"/>
+            <p:ph idx="1"/>
           </p:nvPr>
         </p:nvSpPr>
         <p:spPr>
           <a:xfrm>
-            <a:off x="308810" y="45369"/>
-            <a:ext cx="10515600" cy="1424990"/>
+            <a:off x="838200" y="1253331"/>
+            <a:ext cx="10515600" cy="4351338"/>
           </a:xfrm>
         </p:spPr>
         <p:txBody>
-          <a:bodyPr vert="horz" lIns="91440" tIns="45720" rIns="91440" bIns="45720" rtlCol="0" anchor="ctr">
+          <a:bodyPr anchor="ctr">
             <a:normAutofit/>
           </a:bodyPr>
           <a:lstStyle/>
           <a:p>
+            <a:pPr marL="0" indent="0" algn="ctr">
+              <a:buNone/>
+            </a:pPr>
             <a:r>
-              <a:rPr lang="en-IN" sz="3400" b="1" dirty="0">
-                <a:latin typeface="+mn-lt"/>
+              <a:rPr lang="en-IN" sz="6400" dirty="0">
+                <a:ln w="0"/>
+                <a:solidFill>
+                  <a:schemeClr val="accent1"/>
+                </a:solidFill>
+                <a:effectLst>
+                  <a:outerShdw blurRad="38100" dist="25400" dir="5400000" algn="ctr" rotWithShape="0">
+                    <a:srgbClr val="6E747A">
+                      <a:alpha val="43000"/>
+                    </a:srgbClr>
+                  </a:outerShdw>
+                </a:effectLst>
               </a:rPr>
-              <a:t>Model Evaluation [Selecting A Model]</a:t>
+              <a:t>THANK YOU!</a:t>
             </a:r>
           </a:p>
         </p:txBody>
       </p:sp>
       <p:sp>
         <p:nvSpPr>
-          <p:cNvPr id="6" name="Slide Number Placeholder 5">
-            <a:extLst>
-              <a:ext uri="{FF2B5EF4-FFF2-40B4-BE49-F238E27FC236}">
-                <a16:creationId xmlns:a16="http://schemas.microsoft.com/office/drawing/2014/main" id="{5480D110-DD99-45FF-ABEF-8F67A91EC720}"/>
+          <p:cNvPr id="4" name="Slide Number Placeholder 3">
+            <a:extLst>
+              <a:ext uri="{FF2B5EF4-FFF2-40B4-BE49-F238E27FC236}">
+                <a16:creationId xmlns:a16="http://schemas.microsoft.com/office/drawing/2014/main" id="{FA7663E4-2BFB-4608-BDA2-78A6D344329B}"/>
               </a:ext>
             </a:extLst>
           </p:cNvPr>
@@ -46459,7 +45933,7 @@
     </p:spTree>
     <p:extLst>
       <p:ext uri="{BB962C8B-B14F-4D97-AF65-F5344CB8AC3E}">
-        <p14:creationId xmlns:p14="http://schemas.microsoft.com/office/powerpoint/2010/main" val="137245056"/>
+        <p14:creationId xmlns:p14="http://schemas.microsoft.com/office/powerpoint/2010/main" val="4046372755"/>
       </p:ext>
     </p:extLst>
   </p:cSld>
@@ -46486,42 +45960,12 @@
           <a:chExt cx="0" cy="0"/>
         </a:xfrm>
       </p:grpSpPr>
-      <p:pic>
-        <p:nvPicPr>
-          <p:cNvPr id="8" name="Picture 7">
-            <a:extLst>
-              <a:ext uri="{FF2B5EF4-FFF2-40B4-BE49-F238E27FC236}">
-                <a16:creationId xmlns:a16="http://schemas.microsoft.com/office/drawing/2014/main" id="{8A80D048-63BE-4073-B5E8-18E9A621EA3A}"/>
-              </a:ext>
-            </a:extLst>
-          </p:cNvPr>
-          <p:cNvPicPr>
-            <a:picLocks noChangeAspect="1"/>
-          </p:cNvPicPr>
-          <p:nvPr/>
-        </p:nvPicPr>
-        <p:blipFill>
-          <a:blip r:embed="rId2"/>
-          <a:stretch>
-            <a:fillRect/>
-          </a:stretch>
-        </p:blipFill>
-        <p:spPr>
-          <a:xfrm>
-            <a:off x="109537" y="1698415"/>
-            <a:ext cx="11972925" cy="4400550"/>
-          </a:xfrm>
-          <a:prstGeom prst="rect">
-            <a:avLst/>
-          </a:prstGeom>
-        </p:spPr>
-      </p:pic>
       <p:sp>
         <p:nvSpPr>
-          <p:cNvPr id="2" name="Title 1">
-            <a:extLst>
-              <a:ext uri="{FF2B5EF4-FFF2-40B4-BE49-F238E27FC236}">
-                <a16:creationId xmlns:a16="http://schemas.microsoft.com/office/drawing/2014/main" id="{19C8C29F-A8BC-4136-95CE-499C3D529511}"/>
+          <p:cNvPr id="3" name="Content Placeholder 2">
+            <a:extLst>
+              <a:ext uri="{FF2B5EF4-FFF2-40B4-BE49-F238E27FC236}">
+                <a16:creationId xmlns:a16="http://schemas.microsoft.com/office/drawing/2014/main" id="{EFDE1075-8B27-434A-9B45-197E0D06DFCB}"/>
               </a:ext>
             </a:extLst>
           </p:cNvPr>
@@ -46529,36 +45973,49 @@
             <a:spLocks noGrp="1"/>
           </p:cNvSpPr>
           <p:nvPr>
-            <p:ph type="title"/>
+            <p:ph idx="1"/>
           </p:nvPr>
         </p:nvSpPr>
         <p:spPr>
           <a:xfrm>
-            <a:off x="304800" y="115468"/>
-            <a:ext cx="11069053" cy="1325563"/>
+            <a:off x="838200" y="1253331"/>
+            <a:ext cx="10515600" cy="4351338"/>
           </a:xfrm>
         </p:spPr>
         <p:txBody>
-          <a:bodyPr vert="horz" lIns="91440" tIns="45720" rIns="91440" bIns="45720" rtlCol="0" anchor="ctr">
+          <a:bodyPr anchor="ctr">
             <a:normAutofit/>
           </a:bodyPr>
           <a:lstStyle/>
           <a:p>
+            <a:pPr marL="0" indent="0" algn="ctr">
+              <a:buNone/>
+            </a:pPr>
             <a:r>
-              <a:rPr lang="en-IN" sz="3400" b="1" dirty="0">
-                <a:latin typeface="+mn-lt"/>
+              <a:rPr lang="en-IN" sz="6400" dirty="0">
+                <a:ln w="0"/>
+                <a:solidFill>
+                  <a:schemeClr val="accent1"/>
+                </a:solidFill>
+                <a:effectLst>
+                  <a:outerShdw blurRad="38100" dist="25400" dir="5400000" algn="ctr" rotWithShape="0">
+                    <a:srgbClr val="6E747A">
+                      <a:alpha val="43000"/>
+                    </a:srgbClr>
+                  </a:outerShdw>
+                </a:effectLst>
               </a:rPr>
-              <a:t>Model Prediction And Generalization (Overfit/Underfit)</a:t>
+              <a:t>BACKUP</a:t>
             </a:r>
           </a:p>
         </p:txBody>
       </p:sp>
       <p:sp>
         <p:nvSpPr>
-          <p:cNvPr id="6" name="Slide Number Placeholder 5">
-            <a:extLst>
-              <a:ext uri="{FF2B5EF4-FFF2-40B4-BE49-F238E27FC236}">
-                <a16:creationId xmlns:a16="http://schemas.microsoft.com/office/drawing/2014/main" id="{272890CE-F3DD-46CC-8B97-65912C8C706D}"/>
+          <p:cNvPr id="4" name="Slide Number Placeholder 3">
+            <a:extLst>
+              <a:ext uri="{FF2B5EF4-FFF2-40B4-BE49-F238E27FC236}">
+                <a16:creationId xmlns:a16="http://schemas.microsoft.com/office/drawing/2014/main" id="{FA7663E4-2BFB-4608-BDA2-78A6D344329B}"/>
               </a:ext>
             </a:extLst>
           </p:cNvPr>
@@ -46585,7 +46042,7 @@
     </p:spTree>
     <p:extLst>
       <p:ext uri="{BB962C8B-B14F-4D97-AF65-F5344CB8AC3E}">
-        <p14:creationId xmlns:p14="http://schemas.microsoft.com/office/powerpoint/2010/main" val="1440864417"/>
+        <p14:creationId xmlns:p14="http://schemas.microsoft.com/office/powerpoint/2010/main" val="1350047040"/>
       </p:ext>
     </p:extLst>
   </p:cSld>
@@ -46596,7 +46053,7 @@
 </file>
 
 <file path=ppt/slides/slide63.xml><?xml version="1.0" encoding="utf-8"?>
-<p:sld xmlns:a="http://schemas.openxmlformats.org/drawingml/2006/main" xmlns:r="http://schemas.openxmlformats.org/officeDocument/2006/relationships" xmlns:p="http://schemas.openxmlformats.org/presentationml/2006/main">
+<p:sld xmlns:a="http://schemas.openxmlformats.org/drawingml/2006/main" xmlns:r="http://schemas.openxmlformats.org/officeDocument/2006/relationships" xmlns:p="http://schemas.openxmlformats.org/presentationml/2006/main" show="0">
   <p:cSld>
     <p:spTree>
       <p:nvGrpSpPr>
@@ -46614,10 +46071,47 @@
       </p:grpSpPr>
       <p:sp>
         <p:nvSpPr>
+          <p:cNvPr id="2" name="Title 1">
+            <a:extLst>
+              <a:ext uri="{FF2B5EF4-FFF2-40B4-BE49-F238E27FC236}">
+                <a16:creationId xmlns:a16="http://schemas.microsoft.com/office/drawing/2014/main" id="{99A7ACFE-64AC-40CD-9784-BECE782582DE}"/>
+              </a:ext>
+            </a:extLst>
+          </p:cNvPr>
+          <p:cNvSpPr>
+            <a:spLocks noGrp="1"/>
+          </p:cNvSpPr>
+          <p:nvPr>
+            <p:ph type="title"/>
+          </p:nvPr>
+        </p:nvSpPr>
+        <p:spPr>
+          <a:xfrm>
+            <a:off x="320842" y="0"/>
+            <a:ext cx="11871157" cy="1482141"/>
+          </a:xfrm>
+        </p:spPr>
+        <p:txBody>
+          <a:bodyPr vert="horz" lIns="91440" tIns="45720" rIns="91440" bIns="45720" rtlCol="0" anchor="ctr">
+            <a:normAutofit/>
+          </a:bodyPr>
+          <a:lstStyle/>
+          <a:p>
+            <a:r>
+              <a:rPr lang="en-IN" sz="3400" b="1" dirty="0">
+                <a:latin typeface="+mn-lt"/>
+              </a:rPr>
+              <a:t>Data Sources </a:t>
+            </a:r>
+          </a:p>
+        </p:txBody>
+      </p:sp>
+      <p:sp>
+        <p:nvSpPr>
           <p:cNvPr id="3" name="Content Placeholder 2">
             <a:extLst>
               <a:ext uri="{FF2B5EF4-FFF2-40B4-BE49-F238E27FC236}">
-                <a16:creationId xmlns:a16="http://schemas.microsoft.com/office/drawing/2014/main" id="{EFDE1075-8B27-434A-9B45-197E0D06DFCB}"/>
+                <a16:creationId xmlns:a16="http://schemas.microsoft.com/office/drawing/2014/main" id="{EBDB2A70-2A45-4C77-AD6C-331B2178B64C}"/>
               </a:ext>
             </a:extLst>
           </p:cNvPr>
@@ -46630,44 +46124,107 @@
         </p:nvSpPr>
         <p:spPr>
           <a:xfrm>
-            <a:off x="838200" y="1253331"/>
+            <a:off x="838200" y="1482141"/>
             <a:ext cx="10515600" cy="4351338"/>
           </a:xfrm>
         </p:spPr>
         <p:txBody>
-          <a:bodyPr anchor="ctr">
-            <a:normAutofit/>
+          <a:bodyPr>
+            <a:noAutofit/>
           </a:bodyPr>
           <a:lstStyle/>
           <a:p>
-            <a:pPr marL="0" indent="0" algn="ctr">
+            <a:r>
+              <a:rPr lang="en-IN" sz="1800" dirty="0"/>
+              <a:t>Databases</a:t>
+            </a:r>
+          </a:p>
+          <a:p>
+            <a:pPr lvl="1"/>
+            <a:r>
+              <a:rPr lang="en-IN" sz="1800" dirty="0"/>
+              <a:t>Customer transaction data</a:t>
+            </a:r>
+          </a:p>
+          <a:p>
+            <a:r>
+              <a:rPr lang="en-IN" sz="1800" dirty="0"/>
+              <a:t>Webservers</a:t>
+            </a:r>
+          </a:p>
+          <a:p>
+            <a:pPr lvl="1"/>
+            <a:r>
+              <a:rPr lang="en-IN" sz="1800" dirty="0"/>
+              <a:t>Customer click events on the website</a:t>
+            </a:r>
+          </a:p>
+          <a:p>
+            <a:r>
+              <a:rPr lang="en-IN" sz="1800" dirty="0"/>
+              <a:t>Geolocations and weather centre data</a:t>
+            </a:r>
+          </a:p>
+          <a:p>
+            <a:pPr lvl="1"/>
+            <a:r>
+              <a:rPr lang="en-IN" sz="1800" dirty="0"/>
+              <a:t>Data collected in different labs</a:t>
+            </a:r>
+          </a:p>
+          <a:p>
+            <a:r>
+              <a:rPr lang="en-IN" sz="1800" dirty="0"/>
+              <a:t>Observatories</a:t>
+            </a:r>
+          </a:p>
+          <a:p>
+            <a:pPr lvl="1"/>
+            <a:r>
+              <a:rPr lang="en-IN" sz="1800" dirty="0"/>
+              <a:t>NASA; European space agencies, ISRO collect data from space</a:t>
+            </a:r>
+          </a:p>
+          <a:p>
+            <a:r>
+              <a:rPr lang="en-IN" sz="1800" dirty="0"/>
+              <a:t>Genomics</a:t>
+            </a:r>
+          </a:p>
+          <a:p>
+            <a:pPr lvl="1"/>
+            <a:r>
+              <a:rPr lang="en-IN" sz="1800" dirty="0"/>
+              <a:t>Data collected from DNA samples</a:t>
+            </a:r>
+          </a:p>
+          <a:p>
+            <a:r>
+              <a:rPr lang="en-IN" sz="1800" dirty="0"/>
+              <a:t>Healthcare etc.</a:t>
+            </a:r>
+          </a:p>
+          <a:p>
+            <a:pPr lvl="1"/>
+            <a:r>
+              <a:rPr lang="en-IN" sz="1800" dirty="0"/>
+              <a:t>Patient health history</a:t>
+            </a:r>
+          </a:p>
+          <a:p>
+            <a:pPr marL="0" indent="0">
               <a:buNone/>
             </a:pPr>
-            <a:r>
-              <a:rPr lang="en-IN" sz="6400" dirty="0">
-                <a:ln w="0"/>
-                <a:solidFill>
-                  <a:schemeClr val="accent1"/>
-                </a:solidFill>
-                <a:effectLst>
-                  <a:outerShdw blurRad="38100" dist="25400" dir="5400000" algn="ctr" rotWithShape="0">
-                    <a:srgbClr val="6E747A">
-                      <a:alpha val="43000"/>
-                    </a:srgbClr>
-                  </a:outerShdw>
-                </a:effectLst>
-              </a:rPr>
-              <a:t>MODEL DEMO</a:t>
-            </a:r>
+            <a:endParaRPr lang="en-IN" sz="1800" dirty="0"/>
           </a:p>
         </p:txBody>
       </p:sp>
       <p:sp>
         <p:nvSpPr>
-          <p:cNvPr id="4" name="Slide Number Placeholder 3">
-            <a:extLst>
-              <a:ext uri="{FF2B5EF4-FFF2-40B4-BE49-F238E27FC236}">
-                <a16:creationId xmlns:a16="http://schemas.microsoft.com/office/drawing/2014/main" id="{FA7663E4-2BFB-4608-BDA2-78A6D344329B}"/>
+          <p:cNvPr id="5" name="Slide Number Placeholder 4">
+            <a:extLst>
+              <a:ext uri="{FF2B5EF4-FFF2-40B4-BE49-F238E27FC236}">
+                <a16:creationId xmlns:a16="http://schemas.microsoft.com/office/drawing/2014/main" id="{D9BFCD4E-506B-4F96-90E1-3B01A869D761}"/>
               </a:ext>
             </a:extLst>
           </p:cNvPr>
@@ -46694,7 +46251,7 @@
     </p:spTree>
     <p:extLst>
       <p:ext uri="{BB962C8B-B14F-4D97-AF65-F5344CB8AC3E}">
-        <p14:creationId xmlns:p14="http://schemas.microsoft.com/office/powerpoint/2010/main" val="1891100776"/>
+        <p14:creationId xmlns:p14="http://schemas.microsoft.com/office/powerpoint/2010/main" val="2943684979"/>
       </p:ext>
     </p:extLst>
   </p:cSld>
@@ -46721,12 +46278,229 @@
           <a:chExt cx="0" cy="0"/>
         </a:xfrm>
       </p:grpSpPr>
+      <p:pic>
+        <p:nvPicPr>
+          <p:cNvPr id="34" name="Picture 33">
+            <a:extLst>
+              <a:ext uri="{FF2B5EF4-FFF2-40B4-BE49-F238E27FC236}">
+                <a16:creationId xmlns:a16="http://schemas.microsoft.com/office/drawing/2014/main" id="{9854A892-0532-4B9C-B6AA-17B3CB986873}"/>
+              </a:ext>
+            </a:extLst>
+          </p:cNvPr>
+          <p:cNvPicPr>
+            <a:picLocks noChangeAspect="1"/>
+          </p:cNvPicPr>
+          <p:nvPr/>
+        </p:nvPicPr>
+        <p:blipFill>
+          <a:blip r:embed="rId2"/>
+          <a:stretch>
+            <a:fillRect/>
+          </a:stretch>
+        </p:blipFill>
+        <p:spPr>
+          <a:xfrm>
+            <a:off x="350799" y="2004766"/>
+            <a:ext cx="10810875" cy="4181475"/>
+          </a:xfrm>
+          <a:prstGeom prst="rect">
+            <a:avLst/>
+          </a:prstGeom>
+        </p:spPr>
+      </p:pic>
       <p:sp>
         <p:nvSpPr>
-          <p:cNvPr id="2" name="Title 1">
-            <a:extLst>
-              <a:ext uri="{FF2B5EF4-FFF2-40B4-BE49-F238E27FC236}">
-                <a16:creationId xmlns:a16="http://schemas.microsoft.com/office/drawing/2014/main" id="{F35A4BE0-0A9D-4C4D-A425-BB14E4333708}"/>
+          <p:cNvPr id="16" name="TextBox 15">
+            <a:extLst>
+              <a:ext uri="{FF2B5EF4-FFF2-40B4-BE49-F238E27FC236}">
+                <a16:creationId xmlns:a16="http://schemas.microsoft.com/office/drawing/2014/main" id="{15832042-E2EA-49D3-A2FD-4BAE9F7553C3}"/>
+              </a:ext>
+            </a:extLst>
+          </p:cNvPr>
+          <p:cNvSpPr txBox="1"/>
+          <p:nvPr/>
+        </p:nvSpPr>
+        <p:spPr>
+          <a:xfrm>
+            <a:off x="677354" y="4438508"/>
+            <a:ext cx="3621691" cy="1200329"/>
+          </a:xfrm>
+          <a:prstGeom prst="rect">
+            <a:avLst/>
+          </a:prstGeom>
+          <a:noFill/>
+        </p:spPr>
+        <p:txBody>
+          <a:bodyPr wrap="square" rtlCol="0">
+            <a:spAutoFit/>
+          </a:bodyPr>
+          <a:lstStyle/>
+          <a:p>
+            <a:r>
+              <a:rPr lang="en-IN" sz="1200" b="1" dirty="0">
+                <a:solidFill>
+                  <a:srgbClr val="0070C0"/>
+                </a:solidFill>
+              </a:rPr>
+              <a:t>Data extracted from different sources</a:t>
+            </a:r>
+          </a:p>
+          <a:p>
+            <a:pPr marL="171450" indent="-171450">
+              <a:buFont typeface="Arial" panose="020B0604020202020204" pitchFamily="34" charset="0"/>
+              <a:buChar char="•"/>
+            </a:pPr>
+            <a:r>
+              <a:rPr lang="en-IN" sz="1200" b="1" dirty="0">
+                <a:solidFill>
+                  <a:srgbClr val="0070C0"/>
+                </a:solidFill>
+              </a:rPr>
+              <a:t>Databases</a:t>
+            </a:r>
+          </a:p>
+          <a:p>
+            <a:pPr marL="171450" indent="-171450">
+              <a:buFont typeface="Arial" panose="020B0604020202020204" pitchFamily="34" charset="0"/>
+              <a:buChar char="•"/>
+            </a:pPr>
+            <a:r>
+              <a:rPr lang="en-IN" sz="1200" b="1" dirty="0">
+                <a:solidFill>
+                  <a:srgbClr val="0070C0"/>
+                </a:solidFill>
+              </a:rPr>
+              <a:t>Webservers</a:t>
+            </a:r>
+          </a:p>
+          <a:p>
+            <a:pPr marL="171450" indent="-171450">
+              <a:buFont typeface="Arial" panose="020B0604020202020204" pitchFamily="34" charset="0"/>
+              <a:buChar char="•"/>
+            </a:pPr>
+            <a:r>
+              <a:rPr lang="en-IN" sz="1200" b="1" dirty="0">
+                <a:solidFill>
+                  <a:srgbClr val="0070C0"/>
+                </a:solidFill>
+              </a:rPr>
+              <a:t>Surveys</a:t>
+            </a:r>
+          </a:p>
+          <a:p>
+            <a:pPr marL="171450" indent="-171450">
+              <a:buFont typeface="Arial" panose="020B0604020202020204" pitchFamily="34" charset="0"/>
+              <a:buChar char="•"/>
+            </a:pPr>
+            <a:r>
+              <a:rPr lang="en-IN" sz="1200" b="1" dirty="0">
+                <a:solidFill>
+                  <a:srgbClr val="0070C0"/>
+                </a:solidFill>
+              </a:rPr>
+              <a:t>Sensory data</a:t>
+            </a:r>
+          </a:p>
+          <a:p>
+            <a:pPr marL="171450" indent="-171450">
+              <a:buFont typeface="Arial" panose="020B0604020202020204" pitchFamily="34" charset="0"/>
+              <a:buChar char="•"/>
+            </a:pPr>
+            <a:r>
+              <a:rPr lang="en-IN" sz="1200" b="1" dirty="0">
+                <a:solidFill>
+                  <a:srgbClr val="0070C0"/>
+                </a:solidFill>
+              </a:rPr>
+              <a:t>Observatories</a:t>
+            </a:r>
+          </a:p>
+        </p:txBody>
+      </p:sp>
+      <p:sp>
+        <p:nvSpPr>
+          <p:cNvPr id="17" name="TextBox 16">
+            <a:extLst>
+              <a:ext uri="{FF2B5EF4-FFF2-40B4-BE49-F238E27FC236}">
+                <a16:creationId xmlns:a16="http://schemas.microsoft.com/office/drawing/2014/main" id="{1A52E6C2-3C64-4C5C-813E-376C930DCDE9}"/>
+              </a:ext>
+            </a:extLst>
+          </p:cNvPr>
+          <p:cNvSpPr txBox="1"/>
+          <p:nvPr/>
+        </p:nvSpPr>
+        <p:spPr>
+          <a:xfrm>
+            <a:off x="5299966" y="2131902"/>
+            <a:ext cx="1550020" cy="461665"/>
+          </a:xfrm>
+          <a:prstGeom prst="rect">
+            <a:avLst/>
+          </a:prstGeom>
+          <a:noFill/>
+        </p:spPr>
+        <p:txBody>
+          <a:bodyPr wrap="square" rtlCol="0">
+            <a:spAutoFit/>
+          </a:bodyPr>
+          <a:lstStyle/>
+          <a:p>
+            <a:r>
+              <a:rPr lang="en-IN" sz="1200" b="1" dirty="0">
+                <a:solidFill>
+                  <a:srgbClr val="0070C0"/>
+                </a:solidFill>
+              </a:rPr>
+              <a:t>Feature Engineering and selection Phase</a:t>
+            </a:r>
+          </a:p>
+        </p:txBody>
+      </p:sp>
+      <p:sp>
+        <p:nvSpPr>
+          <p:cNvPr id="18" name="TextBox 17">
+            <a:extLst>
+              <a:ext uri="{FF2B5EF4-FFF2-40B4-BE49-F238E27FC236}">
+                <a16:creationId xmlns:a16="http://schemas.microsoft.com/office/drawing/2014/main" id="{C3282EAD-13F7-4C2C-91E4-EE73100F84AC}"/>
+              </a:ext>
+            </a:extLst>
+          </p:cNvPr>
+          <p:cNvSpPr txBox="1"/>
+          <p:nvPr/>
+        </p:nvSpPr>
+        <p:spPr>
+          <a:xfrm>
+            <a:off x="8462266" y="1773934"/>
+            <a:ext cx="1550020" cy="461665"/>
+          </a:xfrm>
+          <a:prstGeom prst="rect">
+            <a:avLst/>
+          </a:prstGeom>
+          <a:noFill/>
+        </p:spPr>
+        <p:txBody>
+          <a:bodyPr wrap="square" rtlCol="0">
+            <a:spAutoFit/>
+          </a:bodyPr>
+          <a:lstStyle/>
+          <a:p>
+            <a:r>
+              <a:rPr lang="en-IN" sz="1200" b="1" dirty="0">
+                <a:solidFill>
+                  <a:srgbClr val="0070C0"/>
+                </a:solidFill>
+              </a:rPr>
+              <a:t>Identified features are fed to ML model</a:t>
+            </a:r>
+          </a:p>
+        </p:txBody>
+      </p:sp>
+      <p:sp>
+        <p:nvSpPr>
+          <p:cNvPr id="20" name="Title 1">
+            <a:extLst>
+              <a:ext uri="{FF2B5EF4-FFF2-40B4-BE49-F238E27FC236}">
+                <a16:creationId xmlns:a16="http://schemas.microsoft.com/office/drawing/2014/main" id="{B69C4EEE-3566-479E-B4D3-3CF10D8502F4}"/>
               </a:ext>
             </a:extLst>
           </p:cNvPr>
@@ -46739,8 +46513,8 @@
         </p:nvSpPr>
         <p:spPr>
           <a:xfrm>
-            <a:off x="428767" y="136525"/>
-            <a:ext cx="10515600" cy="1325563"/>
+            <a:off x="253369" y="82123"/>
+            <a:ext cx="10774017" cy="1325563"/>
           </a:xfrm>
         </p:spPr>
         <p:txBody>
@@ -46753,32 +46527,31 @@
               <a:rPr lang="en-IN" sz="3400" b="1" dirty="0">
                 <a:latin typeface="+mn-lt"/>
               </a:rPr>
-              <a:t>What We Learnt Today</a:t>
+              <a:t>Data Pre-processing And Feature Selection</a:t>
             </a:r>
           </a:p>
         </p:txBody>
       </p:sp>
       <p:sp>
         <p:nvSpPr>
-          <p:cNvPr id="3" name="Content Placeholder 2">
-            <a:extLst>
-              <a:ext uri="{FF2B5EF4-FFF2-40B4-BE49-F238E27FC236}">
-                <a16:creationId xmlns:a16="http://schemas.microsoft.com/office/drawing/2014/main" id="{1605C06A-44F7-459E-B17A-1B086AC5A294}"/>
-              </a:ext>
-            </a:extLst>
-          </p:cNvPr>
-          <p:cNvSpPr>
-            <a:spLocks noGrp="1"/>
-          </p:cNvSpPr>
-          <p:nvPr>
-            <p:ph idx="1"/>
-          </p:nvPr>
+          <p:cNvPr id="22" name="TextBox 21">
+            <a:extLst>
+              <a:ext uri="{FF2B5EF4-FFF2-40B4-BE49-F238E27FC236}">
+                <a16:creationId xmlns:a16="http://schemas.microsoft.com/office/drawing/2014/main" id="{265DD839-6CA9-48AF-BD47-810E95C5107B}"/>
+              </a:ext>
+            </a:extLst>
+          </p:cNvPr>
+          <p:cNvSpPr txBox="1"/>
+          <p:nvPr/>
         </p:nvSpPr>
         <p:spPr>
           <a:xfrm>
-            <a:off x="428766" y="1634555"/>
-            <a:ext cx="10925033" cy="3727302"/>
-          </a:xfrm>
+            <a:off x="1929119" y="2088054"/>
+            <a:ext cx="1758567" cy="276999"/>
+          </a:xfrm>
+          <a:prstGeom prst="rect">
+            <a:avLst/>
+          </a:prstGeom>
           <a:noFill/>
         </p:spPr>
         <p:txBody>
@@ -46787,90 +46560,273 @@
           </a:bodyPr>
           <a:lstStyle/>
           <a:p>
-            <a:pPr marL="0">
-              <a:lnSpc>
-                <a:spcPct val="150000"/>
-              </a:lnSpc>
-            </a:pPr>
             <a:r>
-              <a:rPr lang="en-IN" sz="1800" dirty="0"/>
-              <a:t>What is machine learning</a:t>
-            </a:r>
-          </a:p>
-          <a:p>
-            <a:pPr marL="0">
-              <a:lnSpc>
-                <a:spcPct val="150000"/>
-              </a:lnSpc>
-            </a:pPr>
-            <a:r>
-              <a:rPr lang="en-IN" sz="1800" dirty="0"/>
-              <a:t>Analogy to Mathematical model</a:t>
-            </a:r>
-          </a:p>
-          <a:p>
-            <a:pPr marL="0">
-              <a:lnSpc>
-                <a:spcPct val="150000"/>
-              </a:lnSpc>
-            </a:pPr>
-            <a:r>
-              <a:rPr lang="en-IN" sz="1800" dirty="0"/>
-              <a:t>What is Data and how its used to train machine learning models</a:t>
-            </a:r>
-          </a:p>
-          <a:p>
-            <a:pPr marL="0">
-              <a:lnSpc>
-                <a:spcPct val="150000"/>
-              </a:lnSpc>
-            </a:pPr>
-            <a:r>
-              <a:rPr lang="en-IN" sz="1800" dirty="0"/>
-              <a:t>Machine Learning process workflow</a:t>
-            </a:r>
-          </a:p>
-          <a:p>
-            <a:pPr marL="0">
-              <a:lnSpc>
-                <a:spcPct val="150000"/>
-              </a:lnSpc>
-            </a:pPr>
-            <a:r>
-              <a:rPr lang="en-IN" sz="1800" dirty="0"/>
-              <a:t>Demo on model parameter and hyperparameter</a:t>
-            </a:r>
-          </a:p>
-          <a:p>
-            <a:pPr marL="0">
-              <a:lnSpc>
-                <a:spcPct val="150000"/>
-              </a:lnSpc>
-            </a:pPr>
-            <a:r>
-              <a:rPr lang="en-IN" sz="1800" dirty="0"/>
-              <a:t>Underfitting and Overfitting</a:t>
-            </a:r>
-          </a:p>
-          <a:p>
-            <a:pPr marL="0">
-              <a:lnSpc>
-                <a:spcPct val="150000"/>
-              </a:lnSpc>
-            </a:pPr>
-            <a:r>
-              <a:rPr lang="en-IN" sz="1800" dirty="0"/>
-              <a:t>Model Generalisation</a:t>
+              <a:rPr lang="en-IN" sz="1200" b="1" dirty="0">
+                <a:solidFill>
+                  <a:srgbClr val="0070C0"/>
+                </a:solidFill>
+              </a:rPr>
+              <a:t>Clean and Transform</a:t>
             </a:r>
           </a:p>
         </p:txBody>
       </p:sp>
+      <p:cxnSp>
+        <p:nvCxnSpPr>
+          <p:cNvPr id="24" name="Straight Arrow Connector 23">
+            <a:extLst>
+              <a:ext uri="{FF2B5EF4-FFF2-40B4-BE49-F238E27FC236}">
+                <a16:creationId xmlns:a16="http://schemas.microsoft.com/office/drawing/2014/main" id="{B59477D3-296D-4E3B-8EC2-285B51763E0A}"/>
+              </a:ext>
+            </a:extLst>
+          </p:cNvPr>
+          <p:cNvCxnSpPr/>
+          <p:nvPr/>
+        </p:nvCxnSpPr>
+        <p:spPr>
+          <a:xfrm>
+            <a:off x="2746191" y="2365053"/>
+            <a:ext cx="353121" cy="1152330"/>
+          </a:xfrm>
+          <a:prstGeom prst="straightConnector1">
+            <a:avLst/>
+          </a:prstGeom>
+          <a:ln>
+            <a:tailEnd type="triangle"/>
+          </a:ln>
+        </p:spPr>
+        <p:style>
+          <a:lnRef idx="1">
+            <a:schemeClr val="accent1"/>
+          </a:lnRef>
+          <a:fillRef idx="0">
+            <a:schemeClr val="accent1"/>
+          </a:fillRef>
+          <a:effectRef idx="0">
+            <a:schemeClr val="accent1"/>
+          </a:effectRef>
+          <a:fontRef idx="minor">
+            <a:schemeClr val="tx1"/>
+          </a:fontRef>
+        </p:style>
+      </p:cxnSp>
+      <p:cxnSp>
+        <p:nvCxnSpPr>
+          <p:cNvPr id="35" name="Straight Arrow Connector 34">
+            <a:extLst>
+              <a:ext uri="{FF2B5EF4-FFF2-40B4-BE49-F238E27FC236}">
+                <a16:creationId xmlns:a16="http://schemas.microsoft.com/office/drawing/2014/main" id="{4BF89A43-D6B8-4312-8E04-741CC256FAB0}"/>
+              </a:ext>
+            </a:extLst>
+          </p:cNvPr>
+          <p:cNvCxnSpPr/>
+          <p:nvPr/>
+        </p:nvCxnSpPr>
+        <p:spPr>
+          <a:xfrm>
+            <a:off x="6496865" y="2538600"/>
+            <a:ext cx="353121" cy="1152330"/>
+          </a:xfrm>
+          <a:prstGeom prst="straightConnector1">
+            <a:avLst/>
+          </a:prstGeom>
+          <a:ln>
+            <a:tailEnd type="triangle"/>
+          </a:ln>
+        </p:spPr>
+        <p:style>
+          <a:lnRef idx="1">
+            <a:schemeClr val="accent1"/>
+          </a:lnRef>
+          <a:fillRef idx="0">
+            <a:schemeClr val="accent1"/>
+          </a:fillRef>
+          <a:effectRef idx="0">
+            <a:schemeClr val="accent1"/>
+          </a:effectRef>
+          <a:fontRef idx="minor">
+            <a:schemeClr val="tx1"/>
+          </a:fontRef>
+        </p:style>
+      </p:cxnSp>
+      <p:cxnSp>
+        <p:nvCxnSpPr>
+          <p:cNvPr id="36" name="Straight Arrow Connector 35">
+            <a:extLst>
+              <a:ext uri="{FF2B5EF4-FFF2-40B4-BE49-F238E27FC236}">
+                <a16:creationId xmlns:a16="http://schemas.microsoft.com/office/drawing/2014/main" id="{6E807654-CA11-490B-AC86-043BB3DBC58D}"/>
+              </a:ext>
+            </a:extLst>
+          </p:cNvPr>
+          <p:cNvCxnSpPr>
+            <a:cxnSpLocks/>
+          </p:cNvCxnSpPr>
+          <p:nvPr/>
+        </p:nvCxnSpPr>
+        <p:spPr>
+          <a:xfrm>
+            <a:off x="9857639" y="2236811"/>
+            <a:ext cx="389900" cy="877954"/>
+          </a:xfrm>
+          <a:prstGeom prst="straightConnector1">
+            <a:avLst/>
+          </a:prstGeom>
+          <a:ln>
+            <a:tailEnd type="triangle"/>
+          </a:ln>
+        </p:spPr>
+        <p:style>
+          <a:lnRef idx="1">
+            <a:schemeClr val="accent1"/>
+          </a:lnRef>
+          <a:fillRef idx="0">
+            <a:schemeClr val="accent1"/>
+          </a:fillRef>
+          <a:effectRef idx="0">
+            <a:schemeClr val="accent1"/>
+          </a:effectRef>
+          <a:fontRef idx="minor">
+            <a:schemeClr val="tx1"/>
+          </a:fontRef>
+        </p:style>
+      </p:cxnSp>
       <p:sp>
         <p:nvSpPr>
-          <p:cNvPr id="4" name="Slide Number Placeholder 3">
-            <a:extLst>
-              <a:ext uri="{FF2B5EF4-FFF2-40B4-BE49-F238E27FC236}">
-                <a16:creationId xmlns:a16="http://schemas.microsoft.com/office/drawing/2014/main" id="{23B8CDA0-6BA6-4B20-B0C2-B569C5D93F65}"/>
+          <p:cNvPr id="38" name="Rectangle: Rounded Corners 37">
+            <a:extLst>
+              <a:ext uri="{FF2B5EF4-FFF2-40B4-BE49-F238E27FC236}">
+                <a16:creationId xmlns:a16="http://schemas.microsoft.com/office/drawing/2014/main" id="{B31A6378-4441-4556-8204-5837FDE8C9C8}"/>
+              </a:ext>
+            </a:extLst>
+          </p:cNvPr>
+          <p:cNvSpPr/>
+          <p:nvPr/>
+        </p:nvSpPr>
+        <p:spPr>
+          <a:xfrm>
+            <a:off x="10773406" y="3114765"/>
+            <a:ext cx="838200" cy="1152331"/>
+          </a:xfrm>
+          <a:prstGeom prst="roundRect">
+            <a:avLst/>
+          </a:prstGeom>
+        </p:spPr>
+        <p:style>
+          <a:lnRef idx="2">
+            <a:schemeClr val="accent1">
+              <a:shade val="50000"/>
+            </a:schemeClr>
+          </a:lnRef>
+          <a:fillRef idx="1">
+            <a:schemeClr val="accent1"/>
+          </a:fillRef>
+          <a:effectRef idx="0">
+            <a:schemeClr val="accent1"/>
+          </a:effectRef>
+          <a:fontRef idx="minor">
+            <a:schemeClr val="lt1"/>
+          </a:fontRef>
+        </p:style>
+        <p:txBody>
+          <a:bodyPr rtlCol="0" anchor="ctr"/>
+          <a:lstStyle/>
+          <a:p>
+            <a:pPr algn="ctr"/>
+            <a:r>
+              <a:rPr lang="en-IN" sz="1200" dirty="0"/>
+              <a:t>ML Model</a:t>
+            </a:r>
+          </a:p>
+        </p:txBody>
+      </p:sp>
+      <p:cxnSp>
+        <p:nvCxnSpPr>
+          <p:cNvPr id="42" name="Straight Arrow Connector 41">
+            <a:extLst>
+              <a:ext uri="{FF2B5EF4-FFF2-40B4-BE49-F238E27FC236}">
+                <a16:creationId xmlns:a16="http://schemas.microsoft.com/office/drawing/2014/main" id="{D08D5D5A-025D-4AC7-B4E7-A805C0400A39}"/>
+              </a:ext>
+            </a:extLst>
+          </p:cNvPr>
+          <p:cNvCxnSpPr>
+            <a:cxnSpLocks/>
+          </p:cNvCxnSpPr>
+          <p:nvPr/>
+        </p:nvCxnSpPr>
+        <p:spPr>
+          <a:xfrm>
+            <a:off x="9857639" y="2235599"/>
+            <a:ext cx="838200" cy="1455331"/>
+          </a:xfrm>
+          <a:prstGeom prst="straightConnector1">
+            <a:avLst/>
+          </a:prstGeom>
+          <a:ln>
+            <a:tailEnd type="triangle"/>
+          </a:ln>
+        </p:spPr>
+        <p:style>
+          <a:lnRef idx="1">
+            <a:schemeClr val="accent1"/>
+          </a:lnRef>
+          <a:fillRef idx="0">
+            <a:schemeClr val="accent1"/>
+          </a:fillRef>
+          <a:effectRef idx="0">
+            <a:schemeClr val="accent1"/>
+          </a:effectRef>
+          <a:fontRef idx="minor">
+            <a:schemeClr val="tx1"/>
+          </a:fontRef>
+        </p:style>
+      </p:cxnSp>
+      <p:cxnSp>
+        <p:nvCxnSpPr>
+          <p:cNvPr id="45" name="Straight Arrow Connector 44">
+            <a:extLst>
+              <a:ext uri="{FF2B5EF4-FFF2-40B4-BE49-F238E27FC236}">
+                <a16:creationId xmlns:a16="http://schemas.microsoft.com/office/drawing/2014/main" id="{DDFAFF86-CAAA-449F-9B5F-41D0997B8A3C}"/>
+              </a:ext>
+            </a:extLst>
+          </p:cNvPr>
+          <p:cNvCxnSpPr>
+            <a:cxnSpLocks/>
+          </p:cNvCxnSpPr>
+          <p:nvPr/>
+        </p:nvCxnSpPr>
+        <p:spPr>
+          <a:xfrm>
+            <a:off x="9857639" y="2235599"/>
+            <a:ext cx="637479" cy="1875857"/>
+          </a:xfrm>
+          <a:prstGeom prst="straightConnector1">
+            <a:avLst/>
+          </a:prstGeom>
+          <a:ln>
+            <a:tailEnd type="triangle"/>
+          </a:ln>
+        </p:spPr>
+        <p:style>
+          <a:lnRef idx="1">
+            <a:schemeClr val="accent1"/>
+          </a:lnRef>
+          <a:fillRef idx="0">
+            <a:schemeClr val="accent1"/>
+          </a:fillRef>
+          <a:effectRef idx="0">
+            <a:schemeClr val="accent1"/>
+          </a:effectRef>
+          <a:fontRef idx="minor">
+            <a:schemeClr val="tx1"/>
+          </a:fontRef>
+        </p:style>
+      </p:cxnSp>
+      <p:sp>
+        <p:nvSpPr>
+          <p:cNvPr id="48" name="Slide Number Placeholder 47">
+            <a:extLst>
+              <a:ext uri="{FF2B5EF4-FFF2-40B4-BE49-F238E27FC236}">
+                <a16:creationId xmlns:a16="http://schemas.microsoft.com/office/drawing/2014/main" id="{B6CCFE30-AF40-4434-9119-820323700C28}"/>
               </a:ext>
             </a:extLst>
           </p:cNvPr>
@@ -46881,7 +46837,12 @@
             <p:ph type="sldNum" sz="quarter" idx="12"/>
           </p:nvPr>
         </p:nvSpPr>
-        <p:spPr/>
+        <p:spPr>
+          <a:xfrm>
+            <a:off x="8640686" y="6291761"/>
+            <a:ext cx="2743200" cy="365125"/>
+          </a:xfrm>
+        </p:spPr>
         <p:txBody>
           <a:bodyPr/>
           <a:lstStyle/>
@@ -46890,14 +46851,53 @@
               <a:rPr lang="en-IN" smtClean="0"/>
               <a:t>64</a:t>
             </a:fld>
-            <a:endParaRPr lang="en-IN"/>
+            <a:endParaRPr lang="en-IN" dirty="0"/>
           </a:p>
         </p:txBody>
       </p:sp>
+      <p:cxnSp>
+        <p:nvCxnSpPr>
+          <p:cNvPr id="7" name="Straight Arrow Connector 6">
+            <a:extLst>
+              <a:ext uri="{FF2B5EF4-FFF2-40B4-BE49-F238E27FC236}">
+                <a16:creationId xmlns:a16="http://schemas.microsoft.com/office/drawing/2014/main" id="{C73A7394-0B42-42DB-841F-DC71E6C5A05E}"/>
+              </a:ext>
+            </a:extLst>
+          </p:cNvPr>
+          <p:cNvCxnSpPr/>
+          <p:nvPr/>
+        </p:nvCxnSpPr>
+        <p:spPr>
+          <a:xfrm flipV="1">
+            <a:off x="1501254" y="4111456"/>
+            <a:ext cx="0" cy="381492"/>
+          </a:xfrm>
+          <a:prstGeom prst="straightConnector1">
+            <a:avLst/>
+          </a:prstGeom>
+          <a:ln>
+            <a:tailEnd type="triangle"/>
+          </a:ln>
+        </p:spPr>
+        <p:style>
+          <a:lnRef idx="1">
+            <a:schemeClr val="accent1"/>
+          </a:lnRef>
+          <a:fillRef idx="0">
+            <a:schemeClr val="accent1"/>
+          </a:fillRef>
+          <a:effectRef idx="0">
+            <a:schemeClr val="accent1"/>
+          </a:effectRef>
+          <a:fontRef idx="minor">
+            <a:schemeClr val="tx1"/>
+          </a:fontRef>
+        </p:style>
+      </p:cxnSp>
     </p:spTree>
     <p:extLst>
       <p:ext uri="{BB962C8B-B14F-4D97-AF65-F5344CB8AC3E}">
-        <p14:creationId xmlns:p14="http://schemas.microsoft.com/office/powerpoint/2010/main" val="3869783640"/>
+        <p14:creationId xmlns:p14="http://schemas.microsoft.com/office/powerpoint/2010/main" val="2327442009"/>
       </p:ext>
     </p:extLst>
   </p:cSld>
@@ -46926,10 +46926,47 @@
       </p:grpSpPr>
       <p:sp>
         <p:nvSpPr>
+          <p:cNvPr id="2" name="Title 1">
+            <a:extLst>
+              <a:ext uri="{FF2B5EF4-FFF2-40B4-BE49-F238E27FC236}">
+                <a16:creationId xmlns:a16="http://schemas.microsoft.com/office/drawing/2014/main" id="{2B0E1E58-0586-40F8-86B8-AECB282194DE}"/>
+              </a:ext>
+            </a:extLst>
+          </p:cNvPr>
+          <p:cNvSpPr>
+            <a:spLocks noGrp="1"/>
+          </p:cNvSpPr>
+          <p:nvPr>
+            <p:ph type="title"/>
+          </p:nvPr>
+        </p:nvSpPr>
+        <p:spPr>
+          <a:xfrm>
+            <a:off x="256674" y="0"/>
+            <a:ext cx="12320337" cy="1438191"/>
+          </a:xfrm>
+        </p:spPr>
+        <p:txBody>
+          <a:bodyPr vert="horz" lIns="91440" tIns="45720" rIns="91440" bIns="45720" rtlCol="0" anchor="ctr">
+            <a:normAutofit/>
+          </a:bodyPr>
+          <a:lstStyle/>
+          <a:p>
+            <a:r>
+              <a:rPr lang="en-IN" sz="3400" b="1" dirty="0">
+                <a:latin typeface="+mn-lt"/>
+              </a:rPr>
+              <a:t>Feature Engineering And Feature Selection</a:t>
+            </a:r>
+          </a:p>
+        </p:txBody>
+      </p:sp>
+      <p:sp>
+        <p:nvSpPr>
           <p:cNvPr id="3" name="Content Placeholder 2">
             <a:extLst>
               <a:ext uri="{FF2B5EF4-FFF2-40B4-BE49-F238E27FC236}">
-                <a16:creationId xmlns:a16="http://schemas.microsoft.com/office/drawing/2014/main" id="{EFDE1075-8B27-434A-9B45-197E0D06DFCB}"/>
+                <a16:creationId xmlns:a16="http://schemas.microsoft.com/office/drawing/2014/main" id="{81D15A16-3DC8-4042-83A9-02160552F51E}"/>
               </a:ext>
             </a:extLst>
           </p:cNvPr>
@@ -46942,44 +46979,465 @@
         </p:nvSpPr>
         <p:spPr>
           <a:xfrm>
-            <a:off x="838200" y="1253331"/>
-            <a:ext cx="10515600" cy="4351338"/>
+            <a:off x="385011" y="1690688"/>
+            <a:ext cx="11806989" cy="4954588"/>
           </a:xfrm>
         </p:spPr>
         <p:txBody>
-          <a:bodyPr anchor="ctr">
-            <a:normAutofit/>
+          <a:bodyPr>
+            <a:normAutofit fontScale="92500"/>
           </a:bodyPr>
           <a:lstStyle/>
+          <a:p>
+            <a:pPr marL="0" indent="0">
+              <a:buNone/>
+            </a:pPr>
+            <a:r>
+              <a:rPr lang="en-IN" sz="2000" b="1" dirty="0"/>
+              <a:t>Feature Engineering :</a:t>
+            </a:r>
+          </a:p>
+          <a:p>
+            <a:pPr marL="0" indent="0">
+              <a:lnSpc>
+                <a:spcPct val="150000"/>
+              </a:lnSpc>
+              <a:buNone/>
+            </a:pPr>
+            <a:r>
+              <a:rPr lang="en-IN" sz="1800" dirty="0"/>
+              <a:t>	</a:t>
+            </a:r>
+            <a:r>
+              <a:rPr lang="en-US" sz="1800" b="0" u="none" strike="noStrike" baseline="0" dirty="0"/>
+              <a:t>Feature engineering </a:t>
+            </a:r>
+            <a:r>
+              <a:rPr lang="en-US" sz="1800" b="0" i="0" u="none" strike="noStrike" baseline="0" dirty="0"/>
+              <a:t>is the act of extracting features from raw data and transforming them into formats that are suitable for the machine learning </a:t>
+            </a:r>
+            <a:r>
+              <a:rPr lang="en-IN" sz="1800" b="0" i="0" u="none" strike="noStrike" baseline="0" dirty="0"/>
+              <a:t>Model</a:t>
+            </a:r>
+          </a:p>
+          <a:p>
+            <a:pPr marL="0" indent="0" algn="l">
+              <a:buNone/>
+            </a:pPr>
+            <a:endParaRPr lang="en-IN" sz="1800" dirty="0"/>
+          </a:p>
+          <a:p>
+            <a:pPr marL="0" indent="0" algn="l">
+              <a:buNone/>
+            </a:pPr>
+            <a:endParaRPr lang="en-IN" sz="1800" dirty="0"/>
+          </a:p>
+          <a:p>
+            <a:pPr marL="0" indent="0" algn="l">
+              <a:buNone/>
+            </a:pPr>
+            <a:endParaRPr lang="en-IN" sz="1800" dirty="0"/>
+          </a:p>
+          <a:p>
+            <a:pPr marL="0" indent="0" algn="l">
+              <a:buNone/>
+            </a:pPr>
+            <a:endParaRPr lang="en-IN" sz="1800" dirty="0"/>
+          </a:p>
+          <a:p>
+            <a:pPr marL="0" indent="0" algn="l">
+              <a:buNone/>
+            </a:pPr>
+            <a:endParaRPr lang="en-IN" sz="1800" dirty="0"/>
+          </a:p>
+          <a:p>
+            <a:pPr marL="0" indent="0" algn="l">
+              <a:buNone/>
+            </a:pPr>
+            <a:r>
+              <a:rPr lang="en-IN" sz="2000" b="1" dirty="0"/>
+              <a:t>Feature Selection:</a:t>
+            </a:r>
+          </a:p>
+          <a:p>
+            <a:pPr marL="0" indent="0">
+              <a:lnSpc>
+                <a:spcPct val="160000"/>
+              </a:lnSpc>
+              <a:buNone/>
+            </a:pPr>
+            <a:r>
+              <a:rPr lang="en-IN" sz="1800" dirty="0"/>
+              <a:t>	</a:t>
+            </a:r>
+            <a:r>
+              <a:rPr lang="en-US" sz="1800" b="0" i="0" u="none" strike="noStrike" baseline="0" dirty="0"/>
+              <a:t>Feature selection techniques prune away non useful features in order to reduce the complexity of the resulting model</a:t>
+            </a:r>
+          </a:p>
           <a:p>
             <a:pPr marL="0" indent="0" algn="ctr">
               <a:buNone/>
             </a:pPr>
+            <a:endParaRPr lang="en-US" sz="1800" b="0" i="0" u="none" strike="noStrike" baseline="0" dirty="0"/>
+          </a:p>
+          <a:p>
+            <a:pPr lvl="1"/>
             <a:r>
-              <a:rPr lang="en-IN" sz="6400" dirty="0">
-                <a:ln w="0"/>
-                <a:solidFill>
-                  <a:schemeClr val="accent1"/>
-                </a:solidFill>
-                <a:effectLst>
-                  <a:outerShdw blurRad="38100" dist="25400" dir="5400000" algn="ctr" rotWithShape="0">
-                    <a:srgbClr val="6E747A">
-                      <a:alpha val="43000"/>
-                    </a:srgbClr>
-                  </a:outerShdw>
-                </a:effectLst>
-              </a:rPr>
-              <a:t>THANK YOU!</a:t>
+              <a:rPr lang="en-IN" sz="1800" dirty="0"/>
+              <a:t>Selecting inputs which are more suitable for model and results in better model</a:t>
             </a:r>
+          </a:p>
+          <a:p>
+            <a:pPr lvl="1"/>
+            <a:r>
+              <a:rPr lang="en-IN" sz="1800" dirty="0"/>
+              <a:t>Reducing feature does not necessarily reduce training time </a:t>
+            </a:r>
+          </a:p>
+          <a:p>
+            <a:pPr lvl="1"/>
+            <a:endParaRPr lang="en-US" sz="1400" dirty="0"/>
           </a:p>
         </p:txBody>
       </p:sp>
       <p:sp>
         <p:nvSpPr>
-          <p:cNvPr id="4" name="Slide Number Placeholder 3">
-            <a:extLst>
-              <a:ext uri="{FF2B5EF4-FFF2-40B4-BE49-F238E27FC236}">
-                <a16:creationId xmlns:a16="http://schemas.microsoft.com/office/drawing/2014/main" id="{FA7663E4-2BFB-4608-BDA2-78A6D344329B}"/>
+          <p:cNvPr id="4" name="Rectangle: Rounded Corners 3">
+            <a:extLst>
+              <a:ext uri="{FF2B5EF4-FFF2-40B4-BE49-F238E27FC236}">
+                <a16:creationId xmlns:a16="http://schemas.microsoft.com/office/drawing/2014/main" id="{04E71628-4057-40ED-A338-FE62C37CF326}"/>
+              </a:ext>
+            </a:extLst>
+          </p:cNvPr>
+          <p:cNvSpPr/>
+          <p:nvPr/>
+        </p:nvSpPr>
+        <p:spPr>
+          <a:xfrm>
+            <a:off x="579784" y="3419909"/>
+            <a:ext cx="1577009" cy="609600"/>
+          </a:xfrm>
+          <a:prstGeom prst="roundRect">
+            <a:avLst/>
+          </a:prstGeom>
+        </p:spPr>
+        <p:style>
+          <a:lnRef idx="2">
+            <a:schemeClr val="accent1">
+              <a:shade val="50000"/>
+            </a:schemeClr>
+          </a:lnRef>
+          <a:fillRef idx="1">
+            <a:schemeClr val="accent1"/>
+          </a:fillRef>
+          <a:effectRef idx="0">
+            <a:schemeClr val="accent1"/>
+          </a:effectRef>
+          <a:fontRef idx="minor">
+            <a:schemeClr val="lt1"/>
+          </a:fontRef>
+        </p:style>
+        <p:txBody>
+          <a:bodyPr rtlCol="0" anchor="ctr"/>
+          <a:lstStyle/>
+          <a:p>
+            <a:pPr algn="ctr"/>
+            <a:r>
+              <a:rPr lang="en-IN" dirty="0"/>
+              <a:t>Data</a:t>
+            </a:r>
+          </a:p>
+        </p:txBody>
+      </p:sp>
+      <p:sp>
+        <p:nvSpPr>
+          <p:cNvPr id="5" name="Rectangle: Rounded Corners 4">
+            <a:extLst>
+              <a:ext uri="{FF2B5EF4-FFF2-40B4-BE49-F238E27FC236}">
+                <a16:creationId xmlns:a16="http://schemas.microsoft.com/office/drawing/2014/main" id="{2D35287A-59E6-4C5D-AFD9-57BB4AD60825}"/>
+              </a:ext>
+            </a:extLst>
+          </p:cNvPr>
+          <p:cNvSpPr/>
+          <p:nvPr/>
+        </p:nvSpPr>
+        <p:spPr>
+          <a:xfrm>
+            <a:off x="6603724" y="3419909"/>
+            <a:ext cx="1759226" cy="609601"/>
+          </a:xfrm>
+          <a:prstGeom prst="roundRect">
+            <a:avLst/>
+          </a:prstGeom>
+        </p:spPr>
+        <p:style>
+          <a:lnRef idx="2">
+            <a:schemeClr val="accent1">
+              <a:shade val="50000"/>
+            </a:schemeClr>
+          </a:lnRef>
+          <a:fillRef idx="1">
+            <a:schemeClr val="accent1"/>
+          </a:fillRef>
+          <a:effectRef idx="0">
+            <a:schemeClr val="accent1"/>
+          </a:effectRef>
+          <a:fontRef idx="minor">
+            <a:schemeClr val="lt1"/>
+          </a:fontRef>
+        </p:style>
+        <p:txBody>
+          <a:bodyPr rtlCol="0" anchor="ctr"/>
+          <a:lstStyle/>
+          <a:p>
+            <a:pPr algn="ctr"/>
+            <a:r>
+              <a:rPr lang="en-IN" dirty="0"/>
+              <a:t>Model</a:t>
+            </a:r>
+          </a:p>
+        </p:txBody>
+      </p:sp>
+      <p:sp>
+        <p:nvSpPr>
+          <p:cNvPr id="6" name="Rectangle: Rounded Corners 5">
+            <a:extLst>
+              <a:ext uri="{FF2B5EF4-FFF2-40B4-BE49-F238E27FC236}">
+                <a16:creationId xmlns:a16="http://schemas.microsoft.com/office/drawing/2014/main" id="{8DBC0B71-238A-4731-A14D-A99AB1A44530}"/>
+              </a:ext>
+            </a:extLst>
+          </p:cNvPr>
+          <p:cNvSpPr/>
+          <p:nvPr/>
+        </p:nvSpPr>
+        <p:spPr>
+          <a:xfrm>
+            <a:off x="9899374" y="3419909"/>
+            <a:ext cx="1759226" cy="609601"/>
+          </a:xfrm>
+          <a:prstGeom prst="roundRect">
+            <a:avLst/>
+          </a:prstGeom>
+        </p:spPr>
+        <p:style>
+          <a:lnRef idx="2">
+            <a:schemeClr val="accent1">
+              <a:shade val="50000"/>
+            </a:schemeClr>
+          </a:lnRef>
+          <a:fillRef idx="1">
+            <a:schemeClr val="accent1"/>
+          </a:fillRef>
+          <a:effectRef idx="0">
+            <a:schemeClr val="accent1"/>
+          </a:effectRef>
+          <a:fontRef idx="minor">
+            <a:schemeClr val="lt1"/>
+          </a:fontRef>
+        </p:style>
+        <p:txBody>
+          <a:bodyPr rtlCol="0" anchor="ctr"/>
+          <a:lstStyle/>
+          <a:p>
+            <a:pPr algn="ctr"/>
+            <a:r>
+              <a:rPr lang="en-IN" dirty="0"/>
+              <a:t>Prediction</a:t>
+            </a:r>
+          </a:p>
+        </p:txBody>
+      </p:sp>
+      <p:cxnSp>
+        <p:nvCxnSpPr>
+          <p:cNvPr id="7" name="Straight Arrow Connector 6">
+            <a:extLst>
+              <a:ext uri="{FF2B5EF4-FFF2-40B4-BE49-F238E27FC236}">
+                <a16:creationId xmlns:a16="http://schemas.microsoft.com/office/drawing/2014/main" id="{D77A10EE-77DE-47EB-84CD-4E40248040D0}"/>
+              </a:ext>
+            </a:extLst>
+          </p:cNvPr>
+          <p:cNvCxnSpPr>
+            <a:cxnSpLocks/>
+            <a:stCxn id="4" idx="3"/>
+            <a:endCxn id="9" idx="1"/>
+          </p:cNvCxnSpPr>
+          <p:nvPr/>
+        </p:nvCxnSpPr>
+        <p:spPr>
+          <a:xfrm>
+            <a:off x="2156793" y="3724709"/>
+            <a:ext cx="1333499" cy="1"/>
+          </a:xfrm>
+          <a:prstGeom prst="straightConnector1">
+            <a:avLst/>
+          </a:prstGeom>
+          <a:ln w="28575">
+            <a:tailEnd type="triangle"/>
+          </a:ln>
+        </p:spPr>
+        <p:style>
+          <a:lnRef idx="1">
+            <a:schemeClr val="accent1"/>
+          </a:lnRef>
+          <a:fillRef idx="0">
+            <a:schemeClr val="accent1"/>
+          </a:fillRef>
+          <a:effectRef idx="0">
+            <a:schemeClr val="accent1"/>
+          </a:effectRef>
+          <a:fontRef idx="minor">
+            <a:schemeClr val="tx1"/>
+          </a:fontRef>
+        </p:style>
+      </p:cxnSp>
+      <p:cxnSp>
+        <p:nvCxnSpPr>
+          <p:cNvPr id="8" name="Straight Arrow Connector 7">
+            <a:extLst>
+              <a:ext uri="{FF2B5EF4-FFF2-40B4-BE49-F238E27FC236}">
+                <a16:creationId xmlns:a16="http://schemas.microsoft.com/office/drawing/2014/main" id="{2F013B0D-C461-4349-B50D-53A123FB02C5}"/>
+              </a:ext>
+            </a:extLst>
+          </p:cNvPr>
+          <p:cNvCxnSpPr>
+            <a:cxnSpLocks/>
+            <a:stCxn id="5" idx="3"/>
+            <a:endCxn id="6" idx="1"/>
+          </p:cNvCxnSpPr>
+          <p:nvPr/>
+        </p:nvCxnSpPr>
+        <p:spPr>
+          <a:xfrm>
+            <a:off x="8362950" y="3724710"/>
+            <a:ext cx="1536424" cy="0"/>
+          </a:xfrm>
+          <a:prstGeom prst="straightConnector1">
+            <a:avLst/>
+          </a:prstGeom>
+          <a:ln w="28575">
+            <a:tailEnd type="triangle"/>
+          </a:ln>
+        </p:spPr>
+        <p:style>
+          <a:lnRef idx="1">
+            <a:schemeClr val="accent1"/>
+          </a:lnRef>
+          <a:fillRef idx="0">
+            <a:schemeClr val="accent1"/>
+          </a:fillRef>
+          <a:effectRef idx="0">
+            <a:schemeClr val="accent1"/>
+          </a:effectRef>
+          <a:fontRef idx="minor">
+            <a:schemeClr val="tx1"/>
+          </a:fontRef>
+        </p:style>
+      </p:cxnSp>
+      <p:sp>
+        <p:nvSpPr>
+          <p:cNvPr id="9" name="Rectangle: Rounded Corners 8">
+            <a:extLst>
+              <a:ext uri="{FF2B5EF4-FFF2-40B4-BE49-F238E27FC236}">
+                <a16:creationId xmlns:a16="http://schemas.microsoft.com/office/drawing/2014/main" id="{60AA4B4C-131D-474F-8C61-CE6FFA5AC9F3}"/>
+              </a:ext>
+            </a:extLst>
+          </p:cNvPr>
+          <p:cNvSpPr/>
+          <p:nvPr/>
+        </p:nvSpPr>
+        <p:spPr>
+          <a:xfrm>
+            <a:off x="3490292" y="3419910"/>
+            <a:ext cx="1577009" cy="609600"/>
+          </a:xfrm>
+          <a:prstGeom prst="roundRect">
+            <a:avLst/>
+          </a:prstGeom>
+          <a:solidFill>
+            <a:schemeClr val="bg1">
+              <a:lumMod val="65000"/>
+            </a:schemeClr>
+          </a:solidFill>
+        </p:spPr>
+        <p:style>
+          <a:lnRef idx="2">
+            <a:schemeClr val="accent1">
+              <a:shade val="50000"/>
+            </a:schemeClr>
+          </a:lnRef>
+          <a:fillRef idx="1">
+            <a:schemeClr val="accent1"/>
+          </a:fillRef>
+          <a:effectRef idx="0">
+            <a:schemeClr val="accent1"/>
+          </a:effectRef>
+          <a:fontRef idx="minor">
+            <a:schemeClr val="lt1"/>
+          </a:fontRef>
+        </p:style>
+        <p:txBody>
+          <a:bodyPr rtlCol="0" anchor="ctr"/>
+          <a:lstStyle/>
+          <a:p>
+            <a:pPr algn="ctr"/>
+            <a:r>
+              <a:rPr lang="en-IN" dirty="0"/>
+              <a:t>Features </a:t>
+            </a:r>
+          </a:p>
+        </p:txBody>
+      </p:sp>
+      <p:cxnSp>
+        <p:nvCxnSpPr>
+          <p:cNvPr id="10" name="Straight Arrow Connector 9">
+            <a:extLst>
+              <a:ext uri="{FF2B5EF4-FFF2-40B4-BE49-F238E27FC236}">
+                <a16:creationId xmlns:a16="http://schemas.microsoft.com/office/drawing/2014/main" id="{38B75651-1A37-4F9A-B275-12F5474B84CC}"/>
+              </a:ext>
+            </a:extLst>
+          </p:cNvPr>
+          <p:cNvCxnSpPr>
+            <a:cxnSpLocks/>
+            <a:stCxn id="9" idx="3"/>
+            <a:endCxn id="5" idx="1"/>
+          </p:cNvCxnSpPr>
+          <p:nvPr/>
+        </p:nvCxnSpPr>
+        <p:spPr>
+          <a:xfrm>
+            <a:off x="5067301" y="3724710"/>
+            <a:ext cx="1536423" cy="0"/>
+          </a:xfrm>
+          <a:prstGeom prst="straightConnector1">
+            <a:avLst/>
+          </a:prstGeom>
+          <a:ln w="28575">
+            <a:tailEnd type="triangle"/>
+          </a:ln>
+        </p:spPr>
+        <p:style>
+          <a:lnRef idx="1">
+            <a:schemeClr val="accent1"/>
+          </a:lnRef>
+          <a:fillRef idx="0">
+            <a:schemeClr val="accent1"/>
+          </a:fillRef>
+          <a:effectRef idx="0">
+            <a:schemeClr val="accent1"/>
+          </a:effectRef>
+          <a:fontRef idx="minor">
+            <a:schemeClr val="tx1"/>
+          </a:fontRef>
+        </p:style>
+      </p:cxnSp>
+      <p:sp>
+        <p:nvSpPr>
+          <p:cNvPr id="11" name="Slide Number Placeholder 10">
+            <a:extLst>
+              <a:ext uri="{FF2B5EF4-FFF2-40B4-BE49-F238E27FC236}">
+                <a16:creationId xmlns:a16="http://schemas.microsoft.com/office/drawing/2014/main" id="{1EA96B72-3AA0-4B21-8BEE-E546D09D1656}"/>
               </a:ext>
             </a:extLst>
           </p:cNvPr>
@@ -47006,7 +47464,605 @@
     </p:spTree>
     <p:extLst>
       <p:ext uri="{BB962C8B-B14F-4D97-AF65-F5344CB8AC3E}">
-        <p14:creationId xmlns:p14="http://schemas.microsoft.com/office/powerpoint/2010/main" val="4046372755"/>
+        <p14:creationId xmlns:p14="http://schemas.microsoft.com/office/powerpoint/2010/main" val="1550693025"/>
+      </p:ext>
+    </p:extLst>
+  </p:cSld>
+  <p:clrMapOvr>
+    <a:masterClrMapping/>
+  </p:clrMapOvr>
+</p:sld>
+</file>
+
+<file path=ppt/slides/slide66.xml><?xml version="1.0" encoding="utf-8"?>
+<p:sld xmlns:a="http://schemas.openxmlformats.org/drawingml/2006/main" xmlns:r="http://schemas.openxmlformats.org/officeDocument/2006/relationships" xmlns:p="http://schemas.openxmlformats.org/presentationml/2006/main">
+  <p:cSld>
+    <p:spTree>
+      <p:nvGrpSpPr>
+        <p:cNvPr id="1" name=""/>
+        <p:cNvGrpSpPr/>
+        <p:nvPr/>
+      </p:nvGrpSpPr>
+      <p:grpSpPr>
+        <a:xfrm>
+          <a:off x="0" y="0"/>
+          <a:ext cx="0" cy="0"/>
+          <a:chOff x="0" y="0"/>
+          <a:chExt cx="0" cy="0"/>
+        </a:xfrm>
+      </p:grpSpPr>
+      <p:pic>
+        <p:nvPicPr>
+          <p:cNvPr id="9" name="Picture 8">
+            <a:extLst>
+              <a:ext uri="{FF2B5EF4-FFF2-40B4-BE49-F238E27FC236}">
+                <a16:creationId xmlns:a16="http://schemas.microsoft.com/office/drawing/2014/main" id="{A9710536-78E2-4154-8EC6-A0B697458C27}"/>
+              </a:ext>
+            </a:extLst>
+          </p:cNvPr>
+          <p:cNvPicPr>
+            <a:picLocks noChangeAspect="1"/>
+          </p:cNvPicPr>
+          <p:nvPr/>
+        </p:nvPicPr>
+        <p:blipFill>
+          <a:blip r:embed="rId2"/>
+          <a:stretch>
+            <a:fillRect/>
+          </a:stretch>
+        </p:blipFill>
+        <p:spPr>
+          <a:xfrm>
+            <a:off x="4411579" y="1648692"/>
+            <a:ext cx="8131305" cy="3356445"/>
+          </a:xfrm>
+          <a:prstGeom prst="rect">
+            <a:avLst/>
+          </a:prstGeom>
+        </p:spPr>
+      </p:pic>
+      <p:sp>
+        <p:nvSpPr>
+          <p:cNvPr id="2" name="Title 1">
+            <a:extLst>
+              <a:ext uri="{FF2B5EF4-FFF2-40B4-BE49-F238E27FC236}">
+                <a16:creationId xmlns:a16="http://schemas.microsoft.com/office/drawing/2014/main" id="{D436AC66-B15C-4A8F-80DA-0EFEFF3F01C4}"/>
+              </a:ext>
+            </a:extLst>
+          </p:cNvPr>
+          <p:cNvSpPr>
+            <a:spLocks noGrp="1"/>
+          </p:cNvSpPr>
+          <p:nvPr>
+            <p:ph type="title"/>
+          </p:nvPr>
+        </p:nvSpPr>
+        <p:spPr>
+          <a:xfrm>
+            <a:off x="272716" y="1"/>
+            <a:ext cx="12192000" cy="1437858"/>
+          </a:xfrm>
+        </p:spPr>
+        <p:txBody>
+          <a:bodyPr vert="horz" lIns="91440" tIns="45720" rIns="91440" bIns="45720" rtlCol="0" anchor="ctr">
+            <a:normAutofit/>
+          </a:bodyPr>
+          <a:lstStyle/>
+          <a:p>
+            <a:r>
+              <a:rPr lang="en-IN" sz="3400" b="1" dirty="0">
+                <a:latin typeface="+mn-lt"/>
+              </a:rPr>
+              <a:t>Train/Test /Validation Split</a:t>
+            </a:r>
+          </a:p>
+        </p:txBody>
+      </p:sp>
+      <p:sp>
+        <p:nvSpPr>
+          <p:cNvPr id="6" name="TextBox 5">
+            <a:extLst>
+              <a:ext uri="{FF2B5EF4-FFF2-40B4-BE49-F238E27FC236}">
+                <a16:creationId xmlns:a16="http://schemas.microsoft.com/office/drawing/2014/main" id="{51AF8B3E-DFE0-4071-8731-1DB7CFB17916}"/>
+              </a:ext>
+            </a:extLst>
+          </p:cNvPr>
+          <p:cNvSpPr txBox="1"/>
+          <p:nvPr/>
+        </p:nvSpPr>
+        <p:spPr>
+          <a:xfrm>
+            <a:off x="561473" y="1684421"/>
+            <a:ext cx="4443664" cy="3970318"/>
+          </a:xfrm>
+          <a:prstGeom prst="rect">
+            <a:avLst/>
+          </a:prstGeom>
+          <a:noFill/>
+        </p:spPr>
+        <p:txBody>
+          <a:bodyPr wrap="square" rtlCol="0">
+            <a:spAutoFit/>
+          </a:bodyPr>
+          <a:lstStyle/>
+          <a:p>
+            <a:r>
+              <a:rPr lang="en-IN" dirty="0"/>
+              <a:t>Data is divided into three parts training, validation and testing</a:t>
+            </a:r>
+          </a:p>
+          <a:p>
+            <a:endParaRPr lang="en-IN" dirty="0"/>
+          </a:p>
+          <a:p>
+            <a:pPr marL="285750" indent="-285750">
+              <a:buFont typeface="Arial" panose="020B0604020202020204" pitchFamily="34" charset="0"/>
+              <a:buChar char="•"/>
+            </a:pPr>
+            <a:r>
+              <a:rPr lang="en-IN" b="1" dirty="0"/>
+              <a:t>Training Set </a:t>
+            </a:r>
+            <a:r>
+              <a:rPr lang="en-IN" dirty="0"/>
+              <a:t>-  This part of data is used for training purpose</a:t>
+            </a:r>
+          </a:p>
+          <a:p>
+            <a:pPr marL="285750" indent="-285750">
+              <a:buFont typeface="Arial" panose="020B0604020202020204" pitchFamily="34" charset="0"/>
+              <a:buChar char="•"/>
+            </a:pPr>
+            <a:endParaRPr lang="en-IN" dirty="0"/>
+          </a:p>
+          <a:p>
+            <a:pPr marL="285750" indent="-285750">
+              <a:buFont typeface="Arial" panose="020B0604020202020204" pitchFamily="34" charset="0"/>
+              <a:buChar char="•"/>
+            </a:pPr>
+            <a:r>
+              <a:rPr lang="en-IN" b="1" dirty="0"/>
+              <a:t>Validation Set </a:t>
+            </a:r>
+            <a:r>
+              <a:rPr lang="en-IN" dirty="0"/>
+              <a:t>– This is also called as hold out set; it is used for model selection. Different models are evaluated on validation set</a:t>
+            </a:r>
+          </a:p>
+          <a:p>
+            <a:pPr marL="285750" indent="-285750">
+              <a:buFont typeface="Arial" panose="020B0604020202020204" pitchFamily="34" charset="0"/>
+              <a:buChar char="•"/>
+            </a:pPr>
+            <a:endParaRPr lang="en-IN" dirty="0"/>
+          </a:p>
+          <a:p>
+            <a:pPr marL="285750" indent="-285750">
+              <a:buFont typeface="Arial" panose="020B0604020202020204" pitchFamily="34" charset="0"/>
+              <a:buChar char="•"/>
+            </a:pPr>
+            <a:r>
+              <a:rPr lang="en-IN" b="1" dirty="0"/>
+              <a:t>Test Set </a:t>
+            </a:r>
+            <a:r>
+              <a:rPr lang="en-IN" dirty="0"/>
+              <a:t>– This data is not used during training; final model is evaluated using test set</a:t>
+            </a:r>
+          </a:p>
+        </p:txBody>
+      </p:sp>
+      <p:sp>
+        <p:nvSpPr>
+          <p:cNvPr id="7" name="Slide Number Placeholder 6">
+            <a:extLst>
+              <a:ext uri="{FF2B5EF4-FFF2-40B4-BE49-F238E27FC236}">
+                <a16:creationId xmlns:a16="http://schemas.microsoft.com/office/drawing/2014/main" id="{04A2DE10-56EA-410F-96C3-1194D65B7B7B}"/>
+              </a:ext>
+            </a:extLst>
+          </p:cNvPr>
+          <p:cNvSpPr>
+            <a:spLocks noGrp="1"/>
+          </p:cNvSpPr>
+          <p:nvPr>
+            <p:ph type="sldNum" sz="quarter" idx="12"/>
+          </p:nvPr>
+        </p:nvSpPr>
+        <p:spPr/>
+        <p:txBody>
+          <a:bodyPr/>
+          <a:lstStyle/>
+          <a:p>
+            <a:fld id="{839E3E53-DB0E-4870-977C-FF565E66981C}" type="slidenum">
+              <a:rPr lang="en-IN" smtClean="0"/>
+              <a:t>66</a:t>
+            </a:fld>
+            <a:endParaRPr lang="en-IN"/>
+          </a:p>
+        </p:txBody>
+      </p:sp>
+    </p:spTree>
+    <p:extLst>
+      <p:ext uri="{BB962C8B-B14F-4D97-AF65-F5344CB8AC3E}">
+        <p14:creationId xmlns:p14="http://schemas.microsoft.com/office/powerpoint/2010/main" val="2601901449"/>
+      </p:ext>
+    </p:extLst>
+  </p:cSld>
+  <p:clrMapOvr>
+    <a:masterClrMapping/>
+  </p:clrMapOvr>
+</p:sld>
+</file>
+
+<file path=ppt/slides/slide67.xml><?xml version="1.0" encoding="utf-8"?>
+<p:sld xmlns:a="http://schemas.openxmlformats.org/drawingml/2006/main" xmlns:r="http://schemas.openxmlformats.org/officeDocument/2006/relationships" xmlns:p="http://schemas.openxmlformats.org/presentationml/2006/main">
+  <p:cSld>
+    <p:spTree>
+      <p:nvGrpSpPr>
+        <p:cNvPr id="1" name=""/>
+        <p:cNvGrpSpPr/>
+        <p:nvPr/>
+      </p:nvGrpSpPr>
+      <p:grpSpPr>
+        <a:xfrm>
+          <a:off x="0" y="0"/>
+          <a:ext cx="0" cy="0"/>
+          <a:chOff x="0" y="0"/>
+          <a:chExt cx="0" cy="0"/>
+        </a:xfrm>
+      </p:grpSpPr>
+      <p:pic>
+        <p:nvPicPr>
+          <p:cNvPr id="8" name="Picture 7">
+            <a:extLst>
+              <a:ext uri="{FF2B5EF4-FFF2-40B4-BE49-F238E27FC236}">
+                <a16:creationId xmlns:a16="http://schemas.microsoft.com/office/drawing/2014/main" id="{4BA3681D-E27C-4999-8CE7-A11D71EBE85A}"/>
+              </a:ext>
+            </a:extLst>
+          </p:cNvPr>
+          <p:cNvPicPr>
+            <a:picLocks noChangeAspect="1"/>
+          </p:cNvPicPr>
+          <p:nvPr/>
+        </p:nvPicPr>
+        <p:blipFill>
+          <a:blip r:embed="rId2"/>
+          <a:stretch>
+            <a:fillRect/>
+          </a:stretch>
+        </p:blipFill>
+        <p:spPr>
+          <a:xfrm>
+            <a:off x="629782" y="1499407"/>
+            <a:ext cx="11029950" cy="4552950"/>
+          </a:xfrm>
+          <a:prstGeom prst="rect">
+            <a:avLst/>
+          </a:prstGeom>
+        </p:spPr>
+      </p:pic>
+      <p:sp>
+        <p:nvSpPr>
+          <p:cNvPr id="2" name="Title 1">
+            <a:extLst>
+              <a:ext uri="{FF2B5EF4-FFF2-40B4-BE49-F238E27FC236}">
+                <a16:creationId xmlns:a16="http://schemas.microsoft.com/office/drawing/2014/main" id="{7A00B3CE-31B4-4965-826F-163E74AE674D}"/>
+              </a:ext>
+            </a:extLst>
+          </p:cNvPr>
+          <p:cNvSpPr>
+            <a:spLocks noGrp="1"/>
+          </p:cNvSpPr>
+          <p:nvPr>
+            <p:ph type="title"/>
+          </p:nvPr>
+        </p:nvSpPr>
+        <p:spPr>
+          <a:xfrm>
+            <a:off x="292768" y="0"/>
+            <a:ext cx="10515600" cy="1530267"/>
+          </a:xfrm>
+        </p:spPr>
+        <p:txBody>
+          <a:bodyPr vert="horz" lIns="91440" tIns="45720" rIns="91440" bIns="45720" rtlCol="0" anchor="ctr">
+            <a:normAutofit/>
+          </a:bodyPr>
+          <a:lstStyle/>
+          <a:p>
+            <a:r>
+              <a:rPr lang="en-IN" sz="3400" b="1" dirty="0">
+                <a:latin typeface="+mn-lt"/>
+              </a:rPr>
+              <a:t>Model Training [Finding Model Parameters]</a:t>
+            </a:r>
+          </a:p>
+        </p:txBody>
+      </p:sp>
+      <p:sp>
+        <p:nvSpPr>
+          <p:cNvPr id="6" name="Slide Number Placeholder 5">
+            <a:extLst>
+              <a:ext uri="{FF2B5EF4-FFF2-40B4-BE49-F238E27FC236}">
+                <a16:creationId xmlns:a16="http://schemas.microsoft.com/office/drawing/2014/main" id="{2C987494-E914-4C30-9B2A-32C07A891891}"/>
+              </a:ext>
+            </a:extLst>
+          </p:cNvPr>
+          <p:cNvSpPr>
+            <a:spLocks noGrp="1"/>
+          </p:cNvSpPr>
+          <p:nvPr>
+            <p:ph type="sldNum" sz="quarter" idx="12"/>
+          </p:nvPr>
+        </p:nvSpPr>
+        <p:spPr/>
+        <p:txBody>
+          <a:bodyPr/>
+          <a:lstStyle/>
+          <a:p>
+            <a:fld id="{839E3E53-DB0E-4870-977C-FF565E66981C}" type="slidenum">
+              <a:rPr lang="en-IN" smtClean="0"/>
+              <a:t>67</a:t>
+            </a:fld>
+            <a:endParaRPr lang="en-IN"/>
+          </a:p>
+        </p:txBody>
+      </p:sp>
+    </p:spTree>
+    <p:extLst>
+      <p:ext uri="{BB962C8B-B14F-4D97-AF65-F5344CB8AC3E}">
+        <p14:creationId xmlns:p14="http://schemas.microsoft.com/office/powerpoint/2010/main" val="1149931780"/>
+      </p:ext>
+    </p:extLst>
+  </p:cSld>
+  <p:clrMapOvr>
+    <a:masterClrMapping/>
+  </p:clrMapOvr>
+</p:sld>
+</file>
+
+<file path=ppt/slides/slide68.xml><?xml version="1.0" encoding="utf-8"?>
+<p:sld xmlns:a="http://schemas.openxmlformats.org/drawingml/2006/main" xmlns:r="http://schemas.openxmlformats.org/officeDocument/2006/relationships" xmlns:p="http://schemas.openxmlformats.org/presentationml/2006/main">
+  <p:cSld>
+    <p:spTree>
+      <p:nvGrpSpPr>
+        <p:cNvPr id="1" name=""/>
+        <p:cNvGrpSpPr/>
+        <p:nvPr/>
+      </p:nvGrpSpPr>
+      <p:grpSpPr>
+        <a:xfrm>
+          <a:off x="0" y="0"/>
+          <a:ext cx="0" cy="0"/>
+          <a:chOff x="0" y="0"/>
+          <a:chExt cx="0" cy="0"/>
+        </a:xfrm>
+      </p:grpSpPr>
+      <p:pic>
+        <p:nvPicPr>
+          <p:cNvPr id="8" name="Picture 7">
+            <a:extLst>
+              <a:ext uri="{FF2B5EF4-FFF2-40B4-BE49-F238E27FC236}">
+                <a16:creationId xmlns:a16="http://schemas.microsoft.com/office/drawing/2014/main" id="{693D72B3-10FC-4E05-9A97-3FB6FCA6AAC7}"/>
+              </a:ext>
+            </a:extLst>
+          </p:cNvPr>
+          <p:cNvPicPr>
+            <a:picLocks noChangeAspect="1"/>
+          </p:cNvPicPr>
+          <p:nvPr/>
+        </p:nvPicPr>
+        <p:blipFill>
+          <a:blip r:embed="rId2"/>
+          <a:stretch>
+            <a:fillRect/>
+          </a:stretch>
+        </p:blipFill>
+        <p:spPr>
+          <a:xfrm>
+            <a:off x="0" y="1219942"/>
+            <a:ext cx="12192000" cy="4778202"/>
+          </a:xfrm>
+          <a:prstGeom prst="rect">
+            <a:avLst/>
+          </a:prstGeom>
+        </p:spPr>
+      </p:pic>
+      <p:sp>
+        <p:nvSpPr>
+          <p:cNvPr id="2" name="Title 1">
+            <a:extLst>
+              <a:ext uri="{FF2B5EF4-FFF2-40B4-BE49-F238E27FC236}">
+                <a16:creationId xmlns:a16="http://schemas.microsoft.com/office/drawing/2014/main" id="{FE540A27-79BE-4CE8-96DC-9E1745A02404}"/>
+              </a:ext>
+            </a:extLst>
+          </p:cNvPr>
+          <p:cNvSpPr>
+            <a:spLocks noGrp="1"/>
+          </p:cNvSpPr>
+          <p:nvPr>
+            <p:ph type="title"/>
+          </p:nvPr>
+        </p:nvSpPr>
+        <p:spPr>
+          <a:xfrm>
+            <a:off x="308810" y="45369"/>
+            <a:ext cx="10515600" cy="1424990"/>
+          </a:xfrm>
+        </p:spPr>
+        <p:txBody>
+          <a:bodyPr vert="horz" lIns="91440" tIns="45720" rIns="91440" bIns="45720" rtlCol="0" anchor="ctr">
+            <a:normAutofit/>
+          </a:bodyPr>
+          <a:lstStyle/>
+          <a:p>
+            <a:r>
+              <a:rPr lang="en-IN" sz="3400" b="1" dirty="0">
+                <a:latin typeface="+mn-lt"/>
+              </a:rPr>
+              <a:t>Model Evaluation [Selecting A Model]</a:t>
+            </a:r>
+          </a:p>
+        </p:txBody>
+      </p:sp>
+      <p:sp>
+        <p:nvSpPr>
+          <p:cNvPr id="6" name="Slide Number Placeholder 5">
+            <a:extLst>
+              <a:ext uri="{FF2B5EF4-FFF2-40B4-BE49-F238E27FC236}">
+                <a16:creationId xmlns:a16="http://schemas.microsoft.com/office/drawing/2014/main" id="{5480D110-DD99-45FF-ABEF-8F67A91EC720}"/>
+              </a:ext>
+            </a:extLst>
+          </p:cNvPr>
+          <p:cNvSpPr>
+            <a:spLocks noGrp="1"/>
+          </p:cNvSpPr>
+          <p:nvPr>
+            <p:ph type="sldNum" sz="quarter" idx="12"/>
+          </p:nvPr>
+        </p:nvSpPr>
+        <p:spPr/>
+        <p:txBody>
+          <a:bodyPr/>
+          <a:lstStyle/>
+          <a:p>
+            <a:fld id="{839E3E53-DB0E-4870-977C-FF565E66981C}" type="slidenum">
+              <a:rPr lang="en-IN" smtClean="0"/>
+              <a:t>68</a:t>
+            </a:fld>
+            <a:endParaRPr lang="en-IN"/>
+          </a:p>
+        </p:txBody>
+      </p:sp>
+    </p:spTree>
+    <p:extLst>
+      <p:ext uri="{BB962C8B-B14F-4D97-AF65-F5344CB8AC3E}">
+        <p14:creationId xmlns:p14="http://schemas.microsoft.com/office/powerpoint/2010/main" val="137245056"/>
+      </p:ext>
+    </p:extLst>
+  </p:cSld>
+  <p:clrMapOvr>
+    <a:masterClrMapping/>
+  </p:clrMapOvr>
+</p:sld>
+</file>
+
+<file path=ppt/slides/slide69.xml><?xml version="1.0" encoding="utf-8"?>
+<p:sld xmlns:a="http://schemas.openxmlformats.org/drawingml/2006/main" xmlns:r="http://schemas.openxmlformats.org/officeDocument/2006/relationships" xmlns:p="http://schemas.openxmlformats.org/presentationml/2006/main">
+  <p:cSld>
+    <p:spTree>
+      <p:nvGrpSpPr>
+        <p:cNvPr id="1" name=""/>
+        <p:cNvGrpSpPr/>
+        <p:nvPr/>
+      </p:nvGrpSpPr>
+      <p:grpSpPr>
+        <a:xfrm>
+          <a:off x="0" y="0"/>
+          <a:ext cx="0" cy="0"/>
+          <a:chOff x="0" y="0"/>
+          <a:chExt cx="0" cy="0"/>
+        </a:xfrm>
+      </p:grpSpPr>
+      <p:pic>
+        <p:nvPicPr>
+          <p:cNvPr id="8" name="Picture 7">
+            <a:extLst>
+              <a:ext uri="{FF2B5EF4-FFF2-40B4-BE49-F238E27FC236}">
+                <a16:creationId xmlns:a16="http://schemas.microsoft.com/office/drawing/2014/main" id="{8A80D048-63BE-4073-B5E8-18E9A621EA3A}"/>
+              </a:ext>
+            </a:extLst>
+          </p:cNvPr>
+          <p:cNvPicPr>
+            <a:picLocks noChangeAspect="1"/>
+          </p:cNvPicPr>
+          <p:nvPr/>
+        </p:nvPicPr>
+        <p:blipFill>
+          <a:blip r:embed="rId2"/>
+          <a:stretch>
+            <a:fillRect/>
+          </a:stretch>
+        </p:blipFill>
+        <p:spPr>
+          <a:xfrm>
+            <a:off x="109537" y="1698415"/>
+            <a:ext cx="11972925" cy="4400550"/>
+          </a:xfrm>
+          <a:prstGeom prst="rect">
+            <a:avLst/>
+          </a:prstGeom>
+        </p:spPr>
+      </p:pic>
+      <p:sp>
+        <p:nvSpPr>
+          <p:cNvPr id="2" name="Title 1">
+            <a:extLst>
+              <a:ext uri="{FF2B5EF4-FFF2-40B4-BE49-F238E27FC236}">
+                <a16:creationId xmlns:a16="http://schemas.microsoft.com/office/drawing/2014/main" id="{19C8C29F-A8BC-4136-95CE-499C3D529511}"/>
+              </a:ext>
+            </a:extLst>
+          </p:cNvPr>
+          <p:cNvSpPr>
+            <a:spLocks noGrp="1"/>
+          </p:cNvSpPr>
+          <p:nvPr>
+            <p:ph type="title"/>
+          </p:nvPr>
+        </p:nvSpPr>
+        <p:spPr>
+          <a:xfrm>
+            <a:off x="304800" y="115468"/>
+            <a:ext cx="11069053" cy="1325563"/>
+          </a:xfrm>
+        </p:spPr>
+        <p:txBody>
+          <a:bodyPr vert="horz" lIns="91440" tIns="45720" rIns="91440" bIns="45720" rtlCol="0" anchor="ctr">
+            <a:normAutofit/>
+          </a:bodyPr>
+          <a:lstStyle/>
+          <a:p>
+            <a:r>
+              <a:rPr lang="en-IN" sz="3400" b="1" dirty="0">
+                <a:latin typeface="+mn-lt"/>
+              </a:rPr>
+              <a:t>Model Prediction And Generalization (Overfit/Underfit)</a:t>
+            </a:r>
+          </a:p>
+        </p:txBody>
+      </p:sp>
+      <p:sp>
+        <p:nvSpPr>
+          <p:cNvPr id="6" name="Slide Number Placeholder 5">
+            <a:extLst>
+              <a:ext uri="{FF2B5EF4-FFF2-40B4-BE49-F238E27FC236}">
+                <a16:creationId xmlns:a16="http://schemas.microsoft.com/office/drawing/2014/main" id="{272890CE-F3DD-46CC-8B97-65912C8C706D}"/>
+              </a:ext>
+            </a:extLst>
+          </p:cNvPr>
+          <p:cNvSpPr>
+            <a:spLocks noGrp="1"/>
+          </p:cNvSpPr>
+          <p:nvPr>
+            <p:ph type="sldNum" sz="quarter" idx="12"/>
+          </p:nvPr>
+        </p:nvSpPr>
+        <p:spPr/>
+        <p:txBody>
+          <a:bodyPr/>
+          <a:lstStyle/>
+          <a:p>
+            <a:fld id="{839E3E53-DB0E-4870-977C-FF565E66981C}" type="slidenum">
+              <a:rPr lang="en-IN" smtClean="0"/>
+              <a:t>69</a:t>
+            </a:fld>
+            <a:endParaRPr lang="en-IN"/>
+          </a:p>
+        </p:txBody>
+      </p:sp>
+    </p:spTree>
+    <p:extLst>
+      <p:ext uri="{BB962C8B-B14F-4D97-AF65-F5344CB8AC3E}">
+        <p14:creationId xmlns:p14="http://schemas.microsoft.com/office/powerpoint/2010/main" val="1440864417"/>
       </p:ext>
     </p:extLst>
   </p:cSld>
@@ -47104,6 +48160,209 @@
     <p:extLst>
       <p:ext uri="{BB962C8B-B14F-4D97-AF65-F5344CB8AC3E}">
         <p14:creationId xmlns:p14="http://schemas.microsoft.com/office/powerpoint/2010/main" val="1414683007"/>
+      </p:ext>
+    </p:extLst>
+  </p:cSld>
+  <p:clrMapOvr>
+    <a:masterClrMapping/>
+  </p:clrMapOvr>
+</p:sld>
+</file>
+
+<file path=ppt/slides/slide70.xml><?xml version="1.0" encoding="utf-8"?>
+<p:sld xmlns:a="http://schemas.openxmlformats.org/drawingml/2006/main" xmlns:r="http://schemas.openxmlformats.org/officeDocument/2006/relationships" xmlns:p="http://schemas.openxmlformats.org/presentationml/2006/main">
+  <p:cSld>
+    <p:spTree>
+      <p:nvGrpSpPr>
+        <p:cNvPr id="1" name=""/>
+        <p:cNvGrpSpPr/>
+        <p:nvPr/>
+      </p:nvGrpSpPr>
+      <p:grpSpPr>
+        <a:xfrm>
+          <a:off x="0" y="0"/>
+          <a:ext cx="0" cy="0"/>
+          <a:chOff x="0" y="0"/>
+          <a:chExt cx="0" cy="0"/>
+        </a:xfrm>
+      </p:grpSpPr>
+      <p:sp>
+        <p:nvSpPr>
+          <p:cNvPr id="2" name="Title 1">
+            <a:extLst>
+              <a:ext uri="{FF2B5EF4-FFF2-40B4-BE49-F238E27FC236}">
+                <a16:creationId xmlns:a16="http://schemas.microsoft.com/office/drawing/2014/main" id="{F35A4BE0-0A9D-4C4D-A425-BB14E4333708}"/>
+              </a:ext>
+            </a:extLst>
+          </p:cNvPr>
+          <p:cNvSpPr>
+            <a:spLocks noGrp="1"/>
+          </p:cNvSpPr>
+          <p:nvPr>
+            <p:ph type="title"/>
+          </p:nvPr>
+        </p:nvSpPr>
+        <p:spPr>
+          <a:xfrm>
+            <a:off x="428767" y="136525"/>
+            <a:ext cx="10515600" cy="1325563"/>
+          </a:xfrm>
+        </p:spPr>
+        <p:txBody>
+          <a:bodyPr vert="horz" lIns="91440" tIns="45720" rIns="91440" bIns="45720" rtlCol="0" anchor="ctr">
+            <a:normAutofit/>
+          </a:bodyPr>
+          <a:lstStyle/>
+          <a:p>
+            <a:r>
+              <a:rPr lang="en-IN" sz="3400" b="1" dirty="0">
+                <a:latin typeface="+mn-lt"/>
+              </a:rPr>
+              <a:t>What We Learnt Today</a:t>
+            </a:r>
+          </a:p>
+        </p:txBody>
+      </p:sp>
+      <p:sp>
+        <p:nvSpPr>
+          <p:cNvPr id="3" name="Content Placeholder 2">
+            <a:extLst>
+              <a:ext uri="{FF2B5EF4-FFF2-40B4-BE49-F238E27FC236}">
+                <a16:creationId xmlns:a16="http://schemas.microsoft.com/office/drawing/2014/main" id="{1605C06A-44F7-459E-B17A-1B086AC5A294}"/>
+              </a:ext>
+            </a:extLst>
+          </p:cNvPr>
+          <p:cNvSpPr>
+            <a:spLocks noGrp="1"/>
+          </p:cNvSpPr>
+          <p:nvPr>
+            <p:ph idx="1"/>
+          </p:nvPr>
+        </p:nvSpPr>
+        <p:spPr>
+          <a:xfrm>
+            <a:off x="428766" y="1634555"/>
+            <a:ext cx="10925033" cy="3727302"/>
+          </a:xfrm>
+          <a:noFill/>
+        </p:spPr>
+        <p:txBody>
+          <a:bodyPr wrap="square" rtlCol="0">
+            <a:spAutoFit/>
+          </a:bodyPr>
+          <a:lstStyle/>
+          <a:p>
+            <a:pPr marL="0">
+              <a:lnSpc>
+                <a:spcPct val="150000"/>
+              </a:lnSpc>
+            </a:pPr>
+            <a:r>
+              <a:rPr lang="en-IN" sz="1800" dirty="0"/>
+              <a:t>What is machine learning</a:t>
+            </a:r>
+          </a:p>
+          <a:p>
+            <a:pPr marL="0">
+              <a:lnSpc>
+                <a:spcPct val="150000"/>
+              </a:lnSpc>
+            </a:pPr>
+            <a:r>
+              <a:rPr lang="en-IN" sz="1800" dirty="0"/>
+              <a:t>Analogy to Mathematical model</a:t>
+            </a:r>
+          </a:p>
+          <a:p>
+            <a:pPr marL="0">
+              <a:lnSpc>
+                <a:spcPct val="150000"/>
+              </a:lnSpc>
+            </a:pPr>
+            <a:r>
+              <a:rPr lang="en-IN" sz="1800" dirty="0"/>
+              <a:t>What is Data and how its used to train machine learning models</a:t>
+            </a:r>
+          </a:p>
+          <a:p>
+            <a:pPr marL="0">
+              <a:lnSpc>
+                <a:spcPct val="150000"/>
+              </a:lnSpc>
+            </a:pPr>
+            <a:r>
+              <a:rPr lang="en-IN" sz="1800" dirty="0"/>
+              <a:t>Machine Learning process workflow</a:t>
+            </a:r>
+          </a:p>
+          <a:p>
+            <a:pPr marL="0">
+              <a:lnSpc>
+                <a:spcPct val="150000"/>
+              </a:lnSpc>
+            </a:pPr>
+            <a:r>
+              <a:rPr lang="en-IN" sz="1800" dirty="0"/>
+              <a:t>Demo on model parameter and hyperparameter</a:t>
+            </a:r>
+          </a:p>
+          <a:p>
+            <a:pPr marL="0">
+              <a:lnSpc>
+                <a:spcPct val="150000"/>
+              </a:lnSpc>
+            </a:pPr>
+            <a:r>
+              <a:rPr lang="en-IN" sz="1800" dirty="0"/>
+              <a:t>Underfitting and Overfitting</a:t>
+            </a:r>
+          </a:p>
+          <a:p>
+            <a:pPr marL="0">
+              <a:lnSpc>
+                <a:spcPct val="150000"/>
+              </a:lnSpc>
+            </a:pPr>
+            <a:r>
+              <a:rPr lang="en-IN" sz="1800" dirty="0"/>
+              <a:t>Model Generalisation</a:t>
+            </a:r>
+          </a:p>
+        </p:txBody>
+      </p:sp>
+      <p:sp>
+        <p:nvSpPr>
+          <p:cNvPr id="4" name="Slide Number Placeholder 3">
+            <a:extLst>
+              <a:ext uri="{FF2B5EF4-FFF2-40B4-BE49-F238E27FC236}">
+                <a16:creationId xmlns:a16="http://schemas.microsoft.com/office/drawing/2014/main" id="{23B8CDA0-6BA6-4B20-B0C2-B569C5D93F65}"/>
+              </a:ext>
+            </a:extLst>
+          </p:cNvPr>
+          <p:cNvSpPr>
+            <a:spLocks noGrp="1"/>
+          </p:cNvSpPr>
+          <p:nvPr>
+            <p:ph type="sldNum" sz="quarter" idx="12"/>
+          </p:nvPr>
+        </p:nvSpPr>
+        <p:spPr/>
+        <p:txBody>
+          <a:bodyPr/>
+          <a:lstStyle/>
+          <a:p>
+            <a:fld id="{839E3E53-DB0E-4870-977C-FF565E66981C}" type="slidenum">
+              <a:rPr lang="en-IN" smtClean="0"/>
+              <a:t>70</a:t>
+            </a:fld>
+            <a:endParaRPr lang="en-IN"/>
+          </a:p>
+        </p:txBody>
+      </p:sp>
+    </p:spTree>
+    <p:extLst>
+      <p:ext uri="{BB962C8B-B14F-4D97-AF65-F5344CB8AC3E}">
+        <p14:creationId xmlns:p14="http://schemas.microsoft.com/office/powerpoint/2010/main" val="3869783640"/>
       </p:ext>
     </p:extLst>
   </p:cSld>
